--- a/Requirements/Packing/Packing_Process_v1.0.pptx
+++ b/Requirements/Packing/Packing_Process_v1.0.pptx
@@ -6,6 +6,17 @@
   </p:sldMasterIdLst>
   <p:sldIdLst>
     <p:sldId id="256" r:id="rId2"/>
+    <p:sldId id="257" r:id="rId3"/>
+    <p:sldId id="262" r:id="rId4"/>
+    <p:sldId id="258" r:id="rId5"/>
+    <p:sldId id="259" r:id="rId6"/>
+    <p:sldId id="260" r:id="rId7"/>
+    <p:sldId id="261" r:id="rId8"/>
+    <p:sldId id="263" r:id="rId9"/>
+    <p:sldId id="264" r:id="rId10"/>
+    <p:sldId id="265" r:id="rId11"/>
+    <p:sldId id="266" r:id="rId12"/>
+    <p:sldId id="267" r:id="rId13"/>
   </p:sldIdLst>
   <p:sldSz cx="12192000" cy="6858000"/>
   <p:notesSz cx="6858000" cy="9144000"/>
@@ -269,7 +280,7 @@
           <a:p>
             <a:fld id="{2B62E5C8-D546-43D8-9B1E-95F5F2942A5A}" type="datetimeFigureOut">
               <a:rPr lang="en-GB" smtClean="0"/>
-              <a:t>14/03/2023</a:t>
+              <a:t>23/09/2023</a:t>
             </a:fld>
             <a:endParaRPr lang="en-GB"/>
           </a:p>
@@ -469,7 +480,7 @@
           <a:p>
             <a:fld id="{2B62E5C8-D546-43D8-9B1E-95F5F2942A5A}" type="datetimeFigureOut">
               <a:rPr lang="en-GB" smtClean="0"/>
-              <a:t>14/03/2023</a:t>
+              <a:t>23/09/2023</a:t>
             </a:fld>
             <a:endParaRPr lang="en-GB"/>
           </a:p>
@@ -679,7 +690,7 @@
           <a:p>
             <a:fld id="{2B62E5C8-D546-43D8-9B1E-95F5F2942A5A}" type="datetimeFigureOut">
               <a:rPr lang="en-GB" smtClean="0"/>
-              <a:t>14/03/2023</a:t>
+              <a:t>23/09/2023</a:t>
             </a:fld>
             <a:endParaRPr lang="en-GB"/>
           </a:p>
@@ -879,7 +890,7 @@
           <a:p>
             <a:fld id="{2B62E5C8-D546-43D8-9B1E-95F5F2942A5A}" type="datetimeFigureOut">
               <a:rPr lang="en-GB" smtClean="0"/>
-              <a:t>14/03/2023</a:t>
+              <a:t>23/09/2023</a:t>
             </a:fld>
             <a:endParaRPr lang="en-GB"/>
           </a:p>
@@ -1155,7 +1166,7 @@
           <a:p>
             <a:fld id="{2B62E5C8-D546-43D8-9B1E-95F5F2942A5A}" type="datetimeFigureOut">
               <a:rPr lang="en-GB" smtClean="0"/>
-              <a:t>14/03/2023</a:t>
+              <a:t>23/09/2023</a:t>
             </a:fld>
             <a:endParaRPr lang="en-GB"/>
           </a:p>
@@ -1423,7 +1434,7 @@
           <a:p>
             <a:fld id="{2B62E5C8-D546-43D8-9B1E-95F5F2942A5A}" type="datetimeFigureOut">
               <a:rPr lang="en-GB" smtClean="0"/>
-              <a:t>14/03/2023</a:t>
+              <a:t>23/09/2023</a:t>
             </a:fld>
             <a:endParaRPr lang="en-GB"/>
           </a:p>
@@ -1838,7 +1849,7 @@
           <a:p>
             <a:fld id="{2B62E5C8-D546-43D8-9B1E-95F5F2942A5A}" type="datetimeFigureOut">
               <a:rPr lang="en-GB" smtClean="0"/>
-              <a:t>14/03/2023</a:t>
+              <a:t>23/09/2023</a:t>
             </a:fld>
             <a:endParaRPr lang="en-GB"/>
           </a:p>
@@ -1980,7 +1991,7 @@
           <a:p>
             <a:fld id="{2B62E5C8-D546-43D8-9B1E-95F5F2942A5A}" type="datetimeFigureOut">
               <a:rPr lang="en-GB" smtClean="0"/>
-              <a:t>14/03/2023</a:t>
+              <a:t>23/09/2023</a:t>
             </a:fld>
             <a:endParaRPr lang="en-GB"/>
           </a:p>
@@ -2093,7 +2104,7 @@
           <a:p>
             <a:fld id="{2B62E5C8-D546-43D8-9B1E-95F5F2942A5A}" type="datetimeFigureOut">
               <a:rPr lang="en-GB" smtClean="0"/>
-              <a:t>14/03/2023</a:t>
+              <a:t>23/09/2023</a:t>
             </a:fld>
             <a:endParaRPr lang="en-GB"/>
           </a:p>
@@ -2406,7 +2417,7 @@
           <a:p>
             <a:fld id="{2B62E5C8-D546-43D8-9B1E-95F5F2942A5A}" type="datetimeFigureOut">
               <a:rPr lang="en-GB" smtClean="0"/>
-              <a:t>14/03/2023</a:t>
+              <a:t>23/09/2023</a:t>
             </a:fld>
             <a:endParaRPr lang="en-GB"/>
           </a:p>
@@ -2695,7 +2706,7 @@
           <a:p>
             <a:fld id="{2B62E5C8-D546-43D8-9B1E-95F5F2942A5A}" type="datetimeFigureOut">
               <a:rPr lang="en-GB" smtClean="0"/>
-              <a:t>14/03/2023</a:t>
+              <a:t>23/09/2023</a:t>
             </a:fld>
             <a:endParaRPr lang="en-GB"/>
           </a:p>
@@ -2938,7 +2949,7 @@
           <a:p>
             <a:fld id="{2B62E5C8-D546-43D8-9B1E-95F5F2942A5A}" type="datetimeFigureOut">
               <a:rPr lang="en-GB" smtClean="0"/>
-              <a:t>14/03/2023</a:t>
+              <a:t>23/09/2023</a:t>
             </a:fld>
             <a:endParaRPr lang="en-GB"/>
           </a:p>
@@ -5415,6 +5426,3639 @@
 </p:sld>
 </file>
 
+<file path=ppt/slides/slide10.xml><?xml version="1.0" encoding="utf-8"?>
+<p:sld xmlns:a="http://schemas.openxmlformats.org/drawingml/2006/main" xmlns:r="http://schemas.openxmlformats.org/officeDocument/2006/relationships" xmlns:p="http://schemas.openxmlformats.org/presentationml/2006/main">
+  <p:cSld>
+    <p:spTree>
+      <p:nvGrpSpPr>
+        <p:cNvPr id="1" name=""/>
+        <p:cNvGrpSpPr/>
+        <p:nvPr/>
+      </p:nvGrpSpPr>
+      <p:grpSpPr>
+        <a:xfrm>
+          <a:off x="0" y="0"/>
+          <a:ext cx="0" cy="0"/>
+          <a:chOff x="0" y="0"/>
+          <a:chExt cx="0" cy="0"/>
+        </a:xfrm>
+      </p:grpSpPr>
+      <p:pic>
+        <p:nvPicPr>
+          <p:cNvPr id="8" name="Picture 7"/>
+          <p:cNvPicPr>
+            <a:picLocks noChangeAspect="1"/>
+          </p:cNvPicPr>
+          <p:nvPr/>
+        </p:nvPicPr>
+        <p:blipFill>
+          <a:blip r:embed="rId2"/>
+          <a:stretch>
+            <a:fillRect/>
+          </a:stretch>
+        </p:blipFill>
+        <p:spPr>
+          <a:xfrm>
+            <a:off x="2576806" y="274319"/>
+            <a:ext cx="6630854" cy="4314306"/>
+          </a:xfrm>
+          <a:prstGeom prst="rect">
+            <a:avLst/>
+          </a:prstGeom>
+        </p:spPr>
+      </p:pic>
+      <p:sp>
+        <p:nvSpPr>
+          <p:cNvPr id="9" name="TextBox 8"/>
+          <p:cNvSpPr txBox="1"/>
+          <p:nvPr/>
+        </p:nvSpPr>
+        <p:spPr>
+          <a:xfrm>
+            <a:off x="781395" y="4771504"/>
+            <a:ext cx="3549535" cy="553998"/>
+          </a:xfrm>
+          <a:prstGeom prst="rect">
+            <a:avLst/>
+          </a:prstGeom>
+          <a:noFill/>
+        </p:spPr>
+        <p:txBody>
+          <a:bodyPr wrap="square" rtlCol="0">
+            <a:spAutoFit/>
+          </a:bodyPr>
+          <a:lstStyle/>
+          <a:p>
+            <a:r>
+              <a:rPr lang="en-US" sz="1000" dirty="0" smtClean="0"/>
+              <a:t># Include “Length (</a:t>
+            </a:r>
+            <a:r>
+              <a:rPr lang="en-US" sz="1000" dirty="0" err="1" smtClean="0"/>
+              <a:t>ft</a:t>
+            </a:r>
+            <a:r>
+              <a:rPr lang="en-US" sz="1000" dirty="0" smtClean="0"/>
+              <a:t>)” next to Height (inch)</a:t>
+            </a:r>
+          </a:p>
+          <a:p>
+            <a:r>
+              <a:rPr lang="en-US" sz="1000" dirty="0" smtClean="0"/>
+              <a:t># CFT should be calculated field and disable it.</a:t>
+            </a:r>
+          </a:p>
+          <a:p>
+            <a:r>
+              <a:rPr lang="en-US" sz="1000" dirty="0" smtClean="0"/>
+              <a:t>Formula=(Length* height*width)/144</a:t>
+            </a:r>
+            <a:endParaRPr lang="en-US" sz="1000" dirty="0"/>
+          </a:p>
+        </p:txBody>
+      </p:sp>
+    </p:spTree>
+    <p:extLst>
+      <p:ext uri="{BB962C8B-B14F-4D97-AF65-F5344CB8AC3E}">
+        <p14:creationId xmlns:p14="http://schemas.microsoft.com/office/powerpoint/2010/main" val="1148623965"/>
+      </p:ext>
+    </p:extLst>
+  </p:cSld>
+  <p:clrMapOvr>
+    <a:masterClrMapping/>
+  </p:clrMapOvr>
+</p:sld>
+</file>
+
+<file path=ppt/slides/slide11.xml><?xml version="1.0" encoding="utf-8"?>
+<p:sld xmlns:a="http://schemas.openxmlformats.org/drawingml/2006/main" xmlns:r="http://schemas.openxmlformats.org/officeDocument/2006/relationships" xmlns:p="http://schemas.openxmlformats.org/presentationml/2006/main">
+  <p:cSld>
+    <p:spTree>
+      <p:nvGrpSpPr>
+        <p:cNvPr id="1" name=""/>
+        <p:cNvGrpSpPr/>
+        <p:nvPr/>
+      </p:nvGrpSpPr>
+      <p:grpSpPr>
+        <a:xfrm>
+          <a:off x="0" y="0"/>
+          <a:ext cx="0" cy="0"/>
+          <a:chOff x="0" y="0"/>
+          <a:chExt cx="0" cy="0"/>
+        </a:xfrm>
+      </p:grpSpPr>
+      <p:sp>
+        <p:nvSpPr>
+          <p:cNvPr id="6" name="TextBox 5"/>
+          <p:cNvSpPr txBox="1"/>
+          <p:nvPr/>
+        </p:nvSpPr>
+        <p:spPr>
+          <a:xfrm>
+            <a:off x="2419004" y="4056611"/>
+            <a:ext cx="4945039" cy="707886"/>
+          </a:xfrm>
+          <a:prstGeom prst="rect">
+            <a:avLst/>
+          </a:prstGeom>
+          <a:noFill/>
+        </p:spPr>
+        <p:txBody>
+          <a:bodyPr wrap="square" rtlCol="0">
+            <a:spAutoFit/>
+          </a:bodyPr>
+          <a:lstStyle/>
+          <a:p>
+            <a:r>
+              <a:rPr lang="en-US" sz="1000" dirty="0" smtClean="0"/>
+              <a:t># Add consumable type next to stock type. This is same as Cost Description in costing sheet.</a:t>
+            </a:r>
+          </a:p>
+          <a:p>
+            <a:r>
+              <a:rPr lang="en-US" sz="1000" dirty="0"/>
+              <a:t># Add UOM and size next to quantity same as costing sheet</a:t>
+            </a:r>
+            <a:r>
+              <a:rPr lang="en-US" sz="1000" dirty="0" smtClean="0"/>
+              <a:t>.</a:t>
+            </a:r>
+          </a:p>
+          <a:p>
+            <a:r>
+              <a:rPr lang="en-US" sz="1000" dirty="0" smtClean="0"/>
+              <a:t># if Stock Type is raw material, then enable Type of Wood, height, length, width, CFT, Total CFT and disable UOM and size</a:t>
+            </a:r>
+          </a:p>
+        </p:txBody>
+      </p:sp>
+      <p:pic>
+        <p:nvPicPr>
+          <p:cNvPr id="14" name="Picture 13"/>
+          <p:cNvPicPr>
+            <a:picLocks noChangeAspect="1"/>
+          </p:cNvPicPr>
+          <p:nvPr/>
+        </p:nvPicPr>
+        <p:blipFill>
+          <a:blip r:embed="rId2"/>
+          <a:stretch>
+            <a:fillRect/>
+          </a:stretch>
+        </p:blipFill>
+        <p:spPr>
+          <a:xfrm>
+            <a:off x="1676031" y="581892"/>
+            <a:ext cx="7666231" cy="3075708"/>
+          </a:xfrm>
+          <a:prstGeom prst="rect">
+            <a:avLst/>
+          </a:prstGeom>
+        </p:spPr>
+      </p:pic>
+    </p:spTree>
+    <p:extLst>
+      <p:ext uri="{BB962C8B-B14F-4D97-AF65-F5344CB8AC3E}">
+        <p14:creationId xmlns:p14="http://schemas.microsoft.com/office/powerpoint/2010/main" val="1571901899"/>
+      </p:ext>
+    </p:extLst>
+  </p:cSld>
+  <p:clrMapOvr>
+    <a:masterClrMapping/>
+  </p:clrMapOvr>
+</p:sld>
+</file>
+
+<file path=ppt/slides/slide12.xml><?xml version="1.0" encoding="utf-8"?>
+<p:sld xmlns:a="http://schemas.openxmlformats.org/drawingml/2006/main" xmlns:r="http://schemas.openxmlformats.org/officeDocument/2006/relationships" xmlns:p="http://schemas.openxmlformats.org/presentationml/2006/main">
+  <p:cSld>
+    <p:spTree>
+      <p:nvGrpSpPr>
+        <p:cNvPr id="1" name=""/>
+        <p:cNvGrpSpPr/>
+        <p:nvPr/>
+      </p:nvGrpSpPr>
+      <p:grpSpPr>
+        <a:xfrm>
+          <a:off x="0" y="0"/>
+          <a:ext cx="0" cy="0"/>
+          <a:chOff x="0" y="0"/>
+          <a:chExt cx="0" cy="0"/>
+        </a:xfrm>
+      </p:grpSpPr>
+      <p:pic>
+        <p:nvPicPr>
+          <p:cNvPr id="2" name="Picture 1"/>
+          <p:cNvPicPr>
+            <a:picLocks noChangeAspect="1"/>
+          </p:cNvPicPr>
+          <p:nvPr/>
+        </p:nvPicPr>
+        <p:blipFill>
+          <a:blip r:embed="rId2"/>
+          <a:stretch>
+            <a:fillRect/>
+          </a:stretch>
+        </p:blipFill>
+        <p:spPr>
+          <a:xfrm>
+            <a:off x="731600" y="74815"/>
+            <a:ext cx="6306430" cy="5953956"/>
+          </a:xfrm>
+          <a:prstGeom prst="rect">
+            <a:avLst/>
+          </a:prstGeom>
+        </p:spPr>
+      </p:pic>
+      <p:sp>
+        <p:nvSpPr>
+          <p:cNvPr id="3" name="Rectangle 2"/>
+          <p:cNvSpPr/>
+          <p:nvPr/>
+        </p:nvSpPr>
+        <p:spPr>
+          <a:xfrm>
+            <a:off x="5012575" y="1729047"/>
+            <a:ext cx="1679170" cy="207818"/>
+          </a:xfrm>
+          <a:prstGeom prst="rect">
+            <a:avLst/>
+          </a:prstGeom>
+        </p:spPr>
+        <p:style>
+          <a:lnRef idx="2">
+            <a:schemeClr val="accent1">
+              <a:shade val="50000"/>
+            </a:schemeClr>
+          </a:lnRef>
+          <a:fillRef idx="1">
+            <a:schemeClr val="accent1"/>
+          </a:fillRef>
+          <a:effectRef idx="0">
+            <a:schemeClr val="accent1"/>
+          </a:effectRef>
+          <a:fontRef idx="minor">
+            <a:schemeClr val="lt1"/>
+          </a:fontRef>
+        </p:style>
+        <p:txBody>
+          <a:bodyPr rtlCol="0" anchor="ctr"/>
+          <a:lstStyle/>
+          <a:p>
+            <a:pPr algn="ctr"/>
+            <a:endParaRPr lang="en-US"/>
+          </a:p>
+        </p:txBody>
+      </p:sp>
+      <p:sp>
+        <p:nvSpPr>
+          <p:cNvPr id="4" name="Rectangle 3"/>
+          <p:cNvSpPr/>
+          <p:nvPr/>
+        </p:nvSpPr>
+        <p:spPr>
+          <a:xfrm>
+            <a:off x="5012575" y="2053243"/>
+            <a:ext cx="1679170" cy="207818"/>
+          </a:xfrm>
+          <a:prstGeom prst="rect">
+            <a:avLst/>
+          </a:prstGeom>
+        </p:spPr>
+        <p:style>
+          <a:lnRef idx="2">
+            <a:schemeClr val="accent1">
+              <a:shade val="50000"/>
+            </a:schemeClr>
+          </a:lnRef>
+          <a:fillRef idx="1">
+            <a:schemeClr val="accent1"/>
+          </a:fillRef>
+          <a:effectRef idx="0">
+            <a:schemeClr val="accent1"/>
+          </a:effectRef>
+          <a:fontRef idx="minor">
+            <a:schemeClr val="lt1"/>
+          </a:fontRef>
+        </p:style>
+        <p:txBody>
+          <a:bodyPr rtlCol="0" anchor="ctr"/>
+          <a:lstStyle/>
+          <a:p>
+            <a:pPr algn="ctr"/>
+            <a:endParaRPr lang="en-US"/>
+          </a:p>
+        </p:txBody>
+      </p:sp>
+      <p:sp>
+        <p:nvSpPr>
+          <p:cNvPr id="5" name="Rectangle 4"/>
+          <p:cNvSpPr/>
+          <p:nvPr/>
+        </p:nvSpPr>
+        <p:spPr>
+          <a:xfrm>
+            <a:off x="5012575" y="2398220"/>
+            <a:ext cx="1679170" cy="207818"/>
+          </a:xfrm>
+          <a:prstGeom prst="rect">
+            <a:avLst/>
+          </a:prstGeom>
+        </p:spPr>
+        <p:style>
+          <a:lnRef idx="2">
+            <a:schemeClr val="accent1">
+              <a:shade val="50000"/>
+            </a:schemeClr>
+          </a:lnRef>
+          <a:fillRef idx="1">
+            <a:schemeClr val="accent1"/>
+          </a:fillRef>
+          <a:effectRef idx="0">
+            <a:schemeClr val="accent1"/>
+          </a:effectRef>
+          <a:fontRef idx="minor">
+            <a:schemeClr val="lt1"/>
+          </a:fontRef>
+        </p:style>
+        <p:txBody>
+          <a:bodyPr rtlCol="0" anchor="ctr"/>
+          <a:lstStyle/>
+          <a:p>
+            <a:pPr algn="ctr"/>
+            <a:endParaRPr lang="en-US"/>
+          </a:p>
+        </p:txBody>
+      </p:sp>
+      <p:sp>
+        <p:nvSpPr>
+          <p:cNvPr id="6" name="Rectangle 5"/>
+          <p:cNvSpPr/>
+          <p:nvPr/>
+        </p:nvSpPr>
+        <p:spPr>
+          <a:xfrm>
+            <a:off x="5012575" y="3440413"/>
+            <a:ext cx="1679170" cy="207818"/>
+          </a:xfrm>
+          <a:prstGeom prst="rect">
+            <a:avLst/>
+          </a:prstGeom>
+        </p:spPr>
+        <p:style>
+          <a:lnRef idx="2">
+            <a:schemeClr val="accent1">
+              <a:shade val="50000"/>
+            </a:schemeClr>
+          </a:lnRef>
+          <a:fillRef idx="1">
+            <a:schemeClr val="accent1"/>
+          </a:fillRef>
+          <a:effectRef idx="0">
+            <a:schemeClr val="accent1"/>
+          </a:effectRef>
+          <a:fontRef idx="minor">
+            <a:schemeClr val="lt1"/>
+          </a:fontRef>
+        </p:style>
+        <p:txBody>
+          <a:bodyPr rtlCol="0" anchor="ctr"/>
+          <a:lstStyle/>
+          <a:p>
+            <a:pPr algn="ctr"/>
+            <a:endParaRPr lang="en-US"/>
+          </a:p>
+        </p:txBody>
+      </p:sp>
+      <p:sp>
+        <p:nvSpPr>
+          <p:cNvPr id="8" name="Rectangle 7"/>
+          <p:cNvSpPr/>
+          <p:nvPr/>
+        </p:nvSpPr>
+        <p:spPr>
+          <a:xfrm>
+            <a:off x="5012575" y="4490918"/>
+            <a:ext cx="1679170" cy="207818"/>
+          </a:xfrm>
+          <a:prstGeom prst="rect">
+            <a:avLst/>
+          </a:prstGeom>
+        </p:spPr>
+        <p:style>
+          <a:lnRef idx="2">
+            <a:schemeClr val="accent1">
+              <a:shade val="50000"/>
+            </a:schemeClr>
+          </a:lnRef>
+          <a:fillRef idx="1">
+            <a:schemeClr val="accent1"/>
+          </a:fillRef>
+          <a:effectRef idx="0">
+            <a:schemeClr val="accent1"/>
+          </a:effectRef>
+          <a:fontRef idx="minor">
+            <a:schemeClr val="lt1"/>
+          </a:fontRef>
+        </p:style>
+        <p:txBody>
+          <a:bodyPr rtlCol="0" anchor="ctr"/>
+          <a:lstStyle/>
+          <a:p>
+            <a:pPr algn="ctr"/>
+            <a:endParaRPr lang="en-US"/>
+          </a:p>
+        </p:txBody>
+      </p:sp>
+      <p:sp>
+        <p:nvSpPr>
+          <p:cNvPr id="10" name="Freeform 9"/>
+          <p:cNvSpPr/>
+          <p:nvPr/>
+        </p:nvSpPr>
+        <p:spPr>
+          <a:xfrm>
+            <a:off x="663830" y="1670799"/>
+            <a:ext cx="358635" cy="1213717"/>
+          </a:xfrm>
+          <a:custGeom>
+            <a:avLst/>
+            <a:gdLst>
+              <a:gd name="connsiteX0" fmla="*/ 358635 w 358635"/>
+              <a:gd name="connsiteY0" fmla="*/ 1213717 h 1213717"/>
+              <a:gd name="connsiteX1" fmla="*/ 250570 w 358635"/>
+              <a:gd name="connsiteY1" fmla="*/ 1172154 h 1213717"/>
+              <a:gd name="connsiteX2" fmla="*/ 184068 w 358635"/>
+              <a:gd name="connsiteY2" fmla="*/ 1138903 h 1213717"/>
+              <a:gd name="connsiteX3" fmla="*/ 150817 w 358635"/>
+              <a:gd name="connsiteY3" fmla="*/ 1105652 h 1213717"/>
+              <a:gd name="connsiteX4" fmla="*/ 134192 w 358635"/>
+              <a:gd name="connsiteY4" fmla="*/ 1089026 h 1213717"/>
+              <a:gd name="connsiteX5" fmla="*/ 100941 w 358635"/>
+              <a:gd name="connsiteY5" fmla="*/ 1030837 h 1213717"/>
+              <a:gd name="connsiteX6" fmla="*/ 92628 w 358635"/>
+              <a:gd name="connsiteY6" fmla="*/ 997586 h 1213717"/>
+              <a:gd name="connsiteX7" fmla="*/ 76003 w 358635"/>
+              <a:gd name="connsiteY7" fmla="*/ 964336 h 1213717"/>
+              <a:gd name="connsiteX8" fmla="*/ 59377 w 358635"/>
+              <a:gd name="connsiteY8" fmla="*/ 897834 h 1213717"/>
+              <a:gd name="connsiteX9" fmla="*/ 51065 w 358635"/>
+              <a:gd name="connsiteY9" fmla="*/ 864583 h 1213717"/>
+              <a:gd name="connsiteX10" fmla="*/ 42752 w 358635"/>
+              <a:gd name="connsiteY10" fmla="*/ 823019 h 1213717"/>
+              <a:gd name="connsiteX11" fmla="*/ 26126 w 358635"/>
+              <a:gd name="connsiteY11" fmla="*/ 756517 h 1213717"/>
+              <a:gd name="connsiteX12" fmla="*/ 9501 w 358635"/>
+              <a:gd name="connsiteY12" fmla="*/ 648452 h 1213717"/>
+              <a:gd name="connsiteX13" fmla="*/ 9501 w 358635"/>
+              <a:gd name="connsiteY13" fmla="*/ 332568 h 1213717"/>
+              <a:gd name="connsiteX14" fmla="*/ 17814 w 358635"/>
+              <a:gd name="connsiteY14" fmla="*/ 307630 h 1213717"/>
+              <a:gd name="connsiteX15" fmla="*/ 42752 w 358635"/>
+              <a:gd name="connsiteY15" fmla="*/ 257754 h 1213717"/>
+              <a:gd name="connsiteX16" fmla="*/ 84315 w 358635"/>
+              <a:gd name="connsiteY16" fmla="*/ 182939 h 1213717"/>
+              <a:gd name="connsiteX17" fmla="*/ 100941 w 358635"/>
+              <a:gd name="connsiteY17" fmla="*/ 166314 h 1213717"/>
+              <a:gd name="connsiteX18" fmla="*/ 117566 w 358635"/>
+              <a:gd name="connsiteY18" fmla="*/ 141376 h 1213717"/>
+              <a:gd name="connsiteX19" fmla="*/ 134192 w 358635"/>
+              <a:gd name="connsiteY19" fmla="*/ 124750 h 1213717"/>
+              <a:gd name="connsiteX20" fmla="*/ 150817 w 358635"/>
+              <a:gd name="connsiteY20" fmla="*/ 99812 h 1213717"/>
+              <a:gd name="connsiteX21" fmla="*/ 175755 w 358635"/>
+              <a:gd name="connsiteY21" fmla="*/ 91499 h 1213717"/>
+              <a:gd name="connsiteX22" fmla="*/ 217319 w 358635"/>
+              <a:gd name="connsiteY22" fmla="*/ 66561 h 1213717"/>
+              <a:gd name="connsiteX23" fmla="*/ 233945 w 358635"/>
+              <a:gd name="connsiteY23" fmla="*/ 49936 h 1213717"/>
+              <a:gd name="connsiteX24" fmla="*/ 283821 w 358635"/>
+              <a:gd name="connsiteY24" fmla="*/ 33310 h 1213717"/>
+              <a:gd name="connsiteX25" fmla="*/ 308759 w 358635"/>
+              <a:gd name="connsiteY25" fmla="*/ 16685 h 1213717"/>
+              <a:gd name="connsiteX26" fmla="*/ 333697 w 358635"/>
+              <a:gd name="connsiteY26" fmla="*/ 59 h 1213717"/>
+            </a:gdLst>
+            <a:ahLst/>
+            <a:cxnLst>
+              <a:cxn ang="0">
+                <a:pos x="connsiteX0" y="connsiteY0"/>
+              </a:cxn>
+              <a:cxn ang="0">
+                <a:pos x="connsiteX1" y="connsiteY1"/>
+              </a:cxn>
+              <a:cxn ang="0">
+                <a:pos x="connsiteX2" y="connsiteY2"/>
+              </a:cxn>
+              <a:cxn ang="0">
+                <a:pos x="connsiteX3" y="connsiteY3"/>
+              </a:cxn>
+              <a:cxn ang="0">
+                <a:pos x="connsiteX4" y="connsiteY4"/>
+              </a:cxn>
+              <a:cxn ang="0">
+                <a:pos x="connsiteX5" y="connsiteY5"/>
+              </a:cxn>
+              <a:cxn ang="0">
+                <a:pos x="connsiteX6" y="connsiteY6"/>
+              </a:cxn>
+              <a:cxn ang="0">
+                <a:pos x="connsiteX7" y="connsiteY7"/>
+              </a:cxn>
+              <a:cxn ang="0">
+                <a:pos x="connsiteX8" y="connsiteY8"/>
+              </a:cxn>
+              <a:cxn ang="0">
+                <a:pos x="connsiteX9" y="connsiteY9"/>
+              </a:cxn>
+              <a:cxn ang="0">
+                <a:pos x="connsiteX10" y="connsiteY10"/>
+              </a:cxn>
+              <a:cxn ang="0">
+                <a:pos x="connsiteX11" y="connsiteY11"/>
+              </a:cxn>
+              <a:cxn ang="0">
+                <a:pos x="connsiteX12" y="connsiteY12"/>
+              </a:cxn>
+              <a:cxn ang="0">
+                <a:pos x="connsiteX13" y="connsiteY13"/>
+              </a:cxn>
+              <a:cxn ang="0">
+                <a:pos x="connsiteX14" y="connsiteY14"/>
+              </a:cxn>
+              <a:cxn ang="0">
+                <a:pos x="connsiteX15" y="connsiteY15"/>
+              </a:cxn>
+              <a:cxn ang="0">
+                <a:pos x="connsiteX16" y="connsiteY16"/>
+              </a:cxn>
+              <a:cxn ang="0">
+                <a:pos x="connsiteX17" y="connsiteY17"/>
+              </a:cxn>
+              <a:cxn ang="0">
+                <a:pos x="connsiteX18" y="connsiteY18"/>
+              </a:cxn>
+              <a:cxn ang="0">
+                <a:pos x="connsiteX19" y="connsiteY19"/>
+              </a:cxn>
+              <a:cxn ang="0">
+                <a:pos x="connsiteX20" y="connsiteY20"/>
+              </a:cxn>
+              <a:cxn ang="0">
+                <a:pos x="connsiteX21" y="connsiteY21"/>
+              </a:cxn>
+              <a:cxn ang="0">
+                <a:pos x="connsiteX22" y="connsiteY22"/>
+              </a:cxn>
+              <a:cxn ang="0">
+                <a:pos x="connsiteX23" y="connsiteY23"/>
+              </a:cxn>
+              <a:cxn ang="0">
+                <a:pos x="connsiteX24" y="connsiteY24"/>
+              </a:cxn>
+              <a:cxn ang="0">
+                <a:pos x="connsiteX25" y="connsiteY25"/>
+              </a:cxn>
+              <a:cxn ang="0">
+                <a:pos x="connsiteX26" y="connsiteY26"/>
+              </a:cxn>
+            </a:cxnLst>
+            <a:rect l="l" t="t" r="r" b="b"/>
+            <a:pathLst>
+              <a:path w="358635" h="1213717">
+                <a:moveTo>
+                  <a:pt x="358635" y="1213717"/>
+                </a:moveTo>
+                <a:cubicBezTo>
+                  <a:pt x="211873" y="1164796"/>
+                  <a:pt x="335708" y="1209993"/>
+                  <a:pt x="250570" y="1172154"/>
+                </a:cubicBezTo>
+                <a:cubicBezTo>
+                  <a:pt x="220008" y="1158571"/>
+                  <a:pt x="207846" y="1159284"/>
+                  <a:pt x="184068" y="1138903"/>
+                </a:cubicBezTo>
+                <a:cubicBezTo>
+                  <a:pt x="172167" y="1128702"/>
+                  <a:pt x="161901" y="1116736"/>
+                  <a:pt x="150817" y="1105652"/>
+                </a:cubicBezTo>
+                <a:cubicBezTo>
+                  <a:pt x="145275" y="1100110"/>
+                  <a:pt x="138539" y="1095547"/>
+                  <a:pt x="134192" y="1089026"/>
+                </a:cubicBezTo>
+                <a:cubicBezTo>
+                  <a:pt x="120408" y="1068351"/>
+                  <a:pt x="109982" y="1054947"/>
+                  <a:pt x="100941" y="1030837"/>
+                </a:cubicBezTo>
+                <a:cubicBezTo>
+                  <a:pt x="96930" y="1020140"/>
+                  <a:pt x="96640" y="1008283"/>
+                  <a:pt x="92628" y="997586"/>
+                </a:cubicBezTo>
+                <a:cubicBezTo>
+                  <a:pt x="88277" y="985983"/>
+                  <a:pt x="79922" y="976092"/>
+                  <a:pt x="76003" y="964336"/>
+                </a:cubicBezTo>
+                <a:cubicBezTo>
+                  <a:pt x="68777" y="942659"/>
+                  <a:pt x="64919" y="920001"/>
+                  <a:pt x="59377" y="897834"/>
+                </a:cubicBezTo>
+                <a:cubicBezTo>
+                  <a:pt x="56606" y="886750"/>
+                  <a:pt x="53306" y="875786"/>
+                  <a:pt x="51065" y="864583"/>
+                </a:cubicBezTo>
+                <a:cubicBezTo>
+                  <a:pt x="48294" y="850728"/>
+                  <a:pt x="46179" y="836726"/>
+                  <a:pt x="42752" y="823019"/>
+                </a:cubicBezTo>
+                <a:cubicBezTo>
+                  <a:pt x="29859" y="771447"/>
+                  <a:pt x="36339" y="828007"/>
+                  <a:pt x="26126" y="756517"/>
+                </a:cubicBezTo>
+                <a:cubicBezTo>
+                  <a:pt x="10169" y="644815"/>
+                  <a:pt x="26806" y="717671"/>
+                  <a:pt x="9501" y="648452"/>
+                </a:cubicBezTo>
+                <a:cubicBezTo>
+                  <a:pt x="-2058" y="498191"/>
+                  <a:pt x="-4231" y="524811"/>
+                  <a:pt x="9501" y="332568"/>
+                </a:cubicBezTo>
+                <a:cubicBezTo>
+                  <a:pt x="10125" y="323828"/>
+                  <a:pt x="15407" y="316055"/>
+                  <a:pt x="17814" y="307630"/>
+                </a:cubicBezTo>
+                <a:cubicBezTo>
+                  <a:pt x="30070" y="264732"/>
+                  <a:pt x="16645" y="283859"/>
+                  <a:pt x="42752" y="257754"/>
+                </a:cubicBezTo>
+                <a:cubicBezTo>
+                  <a:pt x="53205" y="226397"/>
+                  <a:pt x="55735" y="211517"/>
+                  <a:pt x="84315" y="182939"/>
+                </a:cubicBezTo>
+                <a:cubicBezTo>
+                  <a:pt x="89857" y="177397"/>
+                  <a:pt x="96045" y="172434"/>
+                  <a:pt x="100941" y="166314"/>
+                </a:cubicBezTo>
+                <a:cubicBezTo>
+                  <a:pt x="107182" y="158513"/>
+                  <a:pt x="111325" y="149177"/>
+                  <a:pt x="117566" y="141376"/>
+                </a:cubicBezTo>
+                <a:cubicBezTo>
+                  <a:pt x="122462" y="135256"/>
+                  <a:pt x="129296" y="130870"/>
+                  <a:pt x="134192" y="124750"/>
+                </a:cubicBezTo>
+                <a:cubicBezTo>
+                  <a:pt x="140433" y="116949"/>
+                  <a:pt x="143016" y="106053"/>
+                  <a:pt x="150817" y="99812"/>
+                </a:cubicBezTo>
+                <a:cubicBezTo>
+                  <a:pt x="157659" y="94338"/>
+                  <a:pt x="167442" y="94270"/>
+                  <a:pt x="175755" y="91499"/>
+                </a:cubicBezTo>
+                <a:cubicBezTo>
+                  <a:pt x="217882" y="49375"/>
+                  <a:pt x="163363" y="98934"/>
+                  <a:pt x="217319" y="66561"/>
+                </a:cubicBezTo>
+                <a:cubicBezTo>
+                  <a:pt x="224039" y="62529"/>
+                  <a:pt x="226935" y="53441"/>
+                  <a:pt x="233945" y="49936"/>
+                </a:cubicBezTo>
+                <a:cubicBezTo>
+                  <a:pt x="249620" y="42099"/>
+                  <a:pt x="269239" y="43031"/>
+                  <a:pt x="283821" y="33310"/>
+                </a:cubicBezTo>
+                <a:cubicBezTo>
+                  <a:pt x="292134" y="27768"/>
+                  <a:pt x="300958" y="22926"/>
+                  <a:pt x="308759" y="16685"/>
+                </a:cubicBezTo>
+                <a:cubicBezTo>
+                  <a:pt x="331991" y="-1900"/>
+                  <a:pt x="315905" y="59"/>
+                  <a:pt x="333697" y="59"/>
+                </a:cubicBezTo>
+              </a:path>
+            </a:pathLst>
+          </a:custGeom>
+          <a:noFill/>
+          <a:ln w="38100">
+            <a:solidFill>
+              <a:srgbClr val="FF0000"/>
+            </a:solidFill>
+          </a:ln>
+        </p:spPr>
+        <p:style>
+          <a:lnRef idx="2">
+            <a:schemeClr val="accent1">
+              <a:shade val="50000"/>
+            </a:schemeClr>
+          </a:lnRef>
+          <a:fillRef idx="1">
+            <a:schemeClr val="accent1"/>
+          </a:fillRef>
+          <a:effectRef idx="0">
+            <a:schemeClr val="accent1"/>
+          </a:effectRef>
+          <a:fontRef idx="minor">
+            <a:schemeClr val="lt1"/>
+          </a:fontRef>
+        </p:style>
+        <p:txBody>
+          <a:bodyPr rtlCol="0" anchor="ctr"/>
+          <a:lstStyle/>
+          <a:p>
+            <a:pPr algn="ctr"/>
+            <a:endParaRPr lang="en-US"/>
+          </a:p>
+        </p:txBody>
+      </p:sp>
+      <p:sp>
+        <p:nvSpPr>
+          <p:cNvPr id="11" name="Freeform 10"/>
+          <p:cNvSpPr/>
+          <p:nvPr/>
+        </p:nvSpPr>
+        <p:spPr>
+          <a:xfrm>
+            <a:off x="839585" y="1628530"/>
+            <a:ext cx="270334" cy="175332"/>
+          </a:xfrm>
+          <a:custGeom>
+            <a:avLst/>
+            <a:gdLst>
+              <a:gd name="connsiteX0" fmla="*/ 0 w 270334"/>
+              <a:gd name="connsiteY0" fmla="*/ 9077 h 175332"/>
+              <a:gd name="connsiteX1" fmla="*/ 266008 w 270334"/>
+              <a:gd name="connsiteY1" fmla="*/ 765 h 175332"/>
+              <a:gd name="connsiteX2" fmla="*/ 199506 w 270334"/>
+              <a:gd name="connsiteY2" fmla="*/ 9077 h 175332"/>
+              <a:gd name="connsiteX3" fmla="*/ 182880 w 270334"/>
+              <a:gd name="connsiteY3" fmla="*/ 58954 h 175332"/>
+              <a:gd name="connsiteX4" fmla="*/ 166255 w 270334"/>
+              <a:gd name="connsiteY4" fmla="*/ 108830 h 175332"/>
+              <a:gd name="connsiteX5" fmla="*/ 133004 w 270334"/>
+              <a:gd name="connsiteY5" fmla="*/ 150394 h 175332"/>
+              <a:gd name="connsiteX6" fmla="*/ 99753 w 270334"/>
+              <a:gd name="connsiteY6" fmla="*/ 175332 h 175332"/>
+            </a:gdLst>
+            <a:ahLst/>
+            <a:cxnLst>
+              <a:cxn ang="0">
+                <a:pos x="connsiteX0" y="connsiteY0"/>
+              </a:cxn>
+              <a:cxn ang="0">
+                <a:pos x="connsiteX1" y="connsiteY1"/>
+              </a:cxn>
+              <a:cxn ang="0">
+                <a:pos x="connsiteX2" y="connsiteY2"/>
+              </a:cxn>
+              <a:cxn ang="0">
+                <a:pos x="connsiteX3" y="connsiteY3"/>
+              </a:cxn>
+              <a:cxn ang="0">
+                <a:pos x="connsiteX4" y="connsiteY4"/>
+              </a:cxn>
+              <a:cxn ang="0">
+                <a:pos x="connsiteX5" y="connsiteY5"/>
+              </a:cxn>
+              <a:cxn ang="0">
+                <a:pos x="connsiteX6" y="connsiteY6"/>
+              </a:cxn>
+            </a:cxnLst>
+            <a:rect l="l" t="t" r="r" b="b"/>
+            <a:pathLst>
+              <a:path w="270334" h="175332">
+                <a:moveTo>
+                  <a:pt x="0" y="9077"/>
+                </a:moveTo>
+                <a:cubicBezTo>
+                  <a:pt x="88669" y="6306"/>
+                  <a:pt x="177295" y="765"/>
+                  <a:pt x="266008" y="765"/>
+                </a:cubicBezTo>
+                <a:cubicBezTo>
+                  <a:pt x="288348" y="765"/>
+                  <a:pt x="217808" y="-3734"/>
+                  <a:pt x="199506" y="9077"/>
+                </a:cubicBezTo>
+                <a:cubicBezTo>
+                  <a:pt x="185149" y="19127"/>
+                  <a:pt x="188422" y="42328"/>
+                  <a:pt x="182880" y="58954"/>
+                </a:cubicBezTo>
+                <a:cubicBezTo>
+                  <a:pt x="182878" y="58959"/>
+                  <a:pt x="166258" y="108826"/>
+                  <a:pt x="166255" y="108830"/>
+                </a:cubicBezTo>
+                <a:cubicBezTo>
+                  <a:pt x="158704" y="120157"/>
+                  <a:pt x="146166" y="142497"/>
+                  <a:pt x="133004" y="150394"/>
+                </a:cubicBezTo>
+                <a:cubicBezTo>
+                  <a:pt x="96318" y="172405"/>
+                  <a:pt x="116136" y="142567"/>
+                  <a:pt x="99753" y="175332"/>
+                </a:cubicBezTo>
+              </a:path>
+            </a:pathLst>
+          </a:custGeom>
+          <a:noFill/>
+          <a:ln w="38100">
+            <a:solidFill>
+              <a:srgbClr val="FF0000"/>
+            </a:solidFill>
+          </a:ln>
+        </p:spPr>
+        <p:style>
+          <a:lnRef idx="2">
+            <a:schemeClr val="accent1">
+              <a:shade val="50000"/>
+            </a:schemeClr>
+          </a:lnRef>
+          <a:fillRef idx="1">
+            <a:schemeClr val="accent1"/>
+          </a:fillRef>
+          <a:effectRef idx="0">
+            <a:schemeClr val="accent1"/>
+          </a:effectRef>
+          <a:fontRef idx="minor">
+            <a:schemeClr val="lt1"/>
+          </a:fontRef>
+        </p:style>
+        <p:txBody>
+          <a:bodyPr rtlCol="0" anchor="ctr"/>
+          <a:lstStyle/>
+          <a:p>
+            <a:pPr algn="ctr"/>
+            <a:endParaRPr lang="en-US"/>
+          </a:p>
+        </p:txBody>
+      </p:sp>
+      <p:sp>
+        <p:nvSpPr>
+          <p:cNvPr id="12" name="Freeform 11"/>
+          <p:cNvSpPr/>
+          <p:nvPr/>
+        </p:nvSpPr>
+        <p:spPr>
+          <a:xfrm>
+            <a:off x="798022" y="1837113"/>
+            <a:ext cx="276739" cy="906106"/>
+          </a:xfrm>
+          <a:custGeom>
+            <a:avLst/>
+            <a:gdLst>
+              <a:gd name="connsiteX0" fmla="*/ 232756 w 276739"/>
+              <a:gd name="connsiteY0" fmla="*/ 0 h 906106"/>
+              <a:gd name="connsiteX1" fmla="*/ 174567 w 276739"/>
+              <a:gd name="connsiteY1" fmla="*/ 8312 h 906106"/>
+              <a:gd name="connsiteX2" fmla="*/ 124691 w 276739"/>
+              <a:gd name="connsiteY2" fmla="*/ 24938 h 906106"/>
+              <a:gd name="connsiteX3" fmla="*/ 108065 w 276739"/>
+              <a:gd name="connsiteY3" fmla="*/ 41563 h 906106"/>
+              <a:gd name="connsiteX4" fmla="*/ 49876 w 276739"/>
+              <a:gd name="connsiteY4" fmla="*/ 83127 h 906106"/>
+              <a:gd name="connsiteX5" fmla="*/ 33251 w 276739"/>
+              <a:gd name="connsiteY5" fmla="*/ 108065 h 906106"/>
+              <a:gd name="connsiteX6" fmla="*/ 8313 w 276739"/>
+              <a:gd name="connsiteY6" fmla="*/ 157942 h 906106"/>
+              <a:gd name="connsiteX7" fmla="*/ 0 w 276739"/>
+              <a:gd name="connsiteY7" fmla="*/ 207818 h 906106"/>
+              <a:gd name="connsiteX8" fmla="*/ 8313 w 276739"/>
+              <a:gd name="connsiteY8" fmla="*/ 473825 h 906106"/>
+              <a:gd name="connsiteX9" fmla="*/ 24938 w 276739"/>
+              <a:gd name="connsiteY9" fmla="*/ 548640 h 906106"/>
+              <a:gd name="connsiteX10" fmla="*/ 41563 w 276739"/>
+              <a:gd name="connsiteY10" fmla="*/ 598516 h 906106"/>
+              <a:gd name="connsiteX11" fmla="*/ 66502 w 276739"/>
+              <a:gd name="connsiteY11" fmla="*/ 648392 h 906106"/>
+              <a:gd name="connsiteX12" fmla="*/ 91440 w 276739"/>
+              <a:gd name="connsiteY12" fmla="*/ 665018 h 906106"/>
+              <a:gd name="connsiteX13" fmla="*/ 116378 w 276739"/>
+              <a:gd name="connsiteY13" fmla="*/ 706582 h 906106"/>
+              <a:gd name="connsiteX14" fmla="*/ 133003 w 276739"/>
+              <a:gd name="connsiteY14" fmla="*/ 731520 h 906106"/>
+              <a:gd name="connsiteX15" fmla="*/ 166254 w 276739"/>
+              <a:gd name="connsiteY15" fmla="*/ 764771 h 906106"/>
+              <a:gd name="connsiteX16" fmla="*/ 207818 w 276739"/>
+              <a:gd name="connsiteY16" fmla="*/ 822960 h 906106"/>
+              <a:gd name="connsiteX17" fmla="*/ 232756 w 276739"/>
+              <a:gd name="connsiteY17" fmla="*/ 847898 h 906106"/>
+              <a:gd name="connsiteX18" fmla="*/ 241069 w 276739"/>
+              <a:gd name="connsiteY18" fmla="*/ 872836 h 906106"/>
+              <a:gd name="connsiteX19" fmla="*/ 266007 w 276739"/>
+              <a:gd name="connsiteY19" fmla="*/ 906087 h 906106"/>
+            </a:gdLst>
+            <a:ahLst/>
+            <a:cxnLst>
+              <a:cxn ang="0">
+                <a:pos x="connsiteX0" y="connsiteY0"/>
+              </a:cxn>
+              <a:cxn ang="0">
+                <a:pos x="connsiteX1" y="connsiteY1"/>
+              </a:cxn>
+              <a:cxn ang="0">
+                <a:pos x="connsiteX2" y="connsiteY2"/>
+              </a:cxn>
+              <a:cxn ang="0">
+                <a:pos x="connsiteX3" y="connsiteY3"/>
+              </a:cxn>
+              <a:cxn ang="0">
+                <a:pos x="connsiteX4" y="connsiteY4"/>
+              </a:cxn>
+              <a:cxn ang="0">
+                <a:pos x="connsiteX5" y="connsiteY5"/>
+              </a:cxn>
+              <a:cxn ang="0">
+                <a:pos x="connsiteX6" y="connsiteY6"/>
+              </a:cxn>
+              <a:cxn ang="0">
+                <a:pos x="connsiteX7" y="connsiteY7"/>
+              </a:cxn>
+              <a:cxn ang="0">
+                <a:pos x="connsiteX8" y="connsiteY8"/>
+              </a:cxn>
+              <a:cxn ang="0">
+                <a:pos x="connsiteX9" y="connsiteY9"/>
+              </a:cxn>
+              <a:cxn ang="0">
+                <a:pos x="connsiteX10" y="connsiteY10"/>
+              </a:cxn>
+              <a:cxn ang="0">
+                <a:pos x="connsiteX11" y="connsiteY11"/>
+              </a:cxn>
+              <a:cxn ang="0">
+                <a:pos x="connsiteX12" y="connsiteY12"/>
+              </a:cxn>
+              <a:cxn ang="0">
+                <a:pos x="connsiteX13" y="connsiteY13"/>
+              </a:cxn>
+              <a:cxn ang="0">
+                <a:pos x="connsiteX14" y="connsiteY14"/>
+              </a:cxn>
+              <a:cxn ang="0">
+                <a:pos x="connsiteX15" y="connsiteY15"/>
+              </a:cxn>
+              <a:cxn ang="0">
+                <a:pos x="connsiteX16" y="connsiteY16"/>
+              </a:cxn>
+              <a:cxn ang="0">
+                <a:pos x="connsiteX17" y="connsiteY17"/>
+              </a:cxn>
+              <a:cxn ang="0">
+                <a:pos x="connsiteX18" y="connsiteY18"/>
+              </a:cxn>
+              <a:cxn ang="0">
+                <a:pos x="connsiteX19" y="connsiteY19"/>
+              </a:cxn>
+            </a:cxnLst>
+            <a:rect l="l" t="t" r="r" b="b"/>
+            <a:pathLst>
+              <a:path w="276739" h="906106">
+                <a:moveTo>
+                  <a:pt x="232756" y="0"/>
+                </a:moveTo>
+                <a:cubicBezTo>
+                  <a:pt x="213360" y="2771"/>
+                  <a:pt x="193658" y="3906"/>
+                  <a:pt x="174567" y="8312"/>
+                </a:cubicBezTo>
+                <a:cubicBezTo>
+                  <a:pt x="157491" y="12253"/>
+                  <a:pt x="124691" y="24938"/>
+                  <a:pt x="124691" y="24938"/>
+                </a:cubicBezTo>
+                <a:cubicBezTo>
+                  <a:pt x="119149" y="30480"/>
+                  <a:pt x="114785" y="37531"/>
+                  <a:pt x="108065" y="41563"/>
+                </a:cubicBezTo>
+                <a:cubicBezTo>
+                  <a:pt x="68714" y="65173"/>
+                  <a:pt x="88505" y="25183"/>
+                  <a:pt x="49876" y="83127"/>
+                </a:cubicBezTo>
+                <a:cubicBezTo>
+                  <a:pt x="44334" y="91440"/>
+                  <a:pt x="37719" y="99129"/>
+                  <a:pt x="33251" y="108065"/>
+                </a:cubicBezTo>
+                <a:cubicBezTo>
+                  <a:pt x="-1168" y="176903"/>
+                  <a:pt x="55962" y="86465"/>
+                  <a:pt x="8313" y="157942"/>
+                </a:cubicBezTo>
+                <a:cubicBezTo>
+                  <a:pt x="5542" y="174567"/>
+                  <a:pt x="0" y="190963"/>
+                  <a:pt x="0" y="207818"/>
+                </a:cubicBezTo>
+                <a:cubicBezTo>
+                  <a:pt x="0" y="296530"/>
+                  <a:pt x="3525" y="385242"/>
+                  <a:pt x="8313" y="473825"/>
+                </a:cubicBezTo>
+                <a:cubicBezTo>
+                  <a:pt x="8835" y="483480"/>
+                  <a:pt x="21309" y="536543"/>
+                  <a:pt x="24938" y="548640"/>
+                </a:cubicBezTo>
+                <a:cubicBezTo>
+                  <a:pt x="29974" y="565426"/>
+                  <a:pt x="36021" y="581891"/>
+                  <a:pt x="41563" y="598516"/>
+                </a:cubicBezTo>
+                <a:cubicBezTo>
+                  <a:pt x="48324" y="618799"/>
+                  <a:pt x="50387" y="632277"/>
+                  <a:pt x="66502" y="648392"/>
+                </a:cubicBezTo>
+                <a:cubicBezTo>
+                  <a:pt x="73566" y="655456"/>
+                  <a:pt x="83127" y="659476"/>
+                  <a:pt x="91440" y="665018"/>
+                </a:cubicBezTo>
+                <a:cubicBezTo>
+                  <a:pt x="105876" y="708326"/>
+                  <a:pt x="90297" y="673980"/>
+                  <a:pt x="116378" y="706582"/>
+                </a:cubicBezTo>
+                <a:cubicBezTo>
+                  <a:pt x="122619" y="714383"/>
+                  <a:pt x="126501" y="723935"/>
+                  <a:pt x="133003" y="731520"/>
+                </a:cubicBezTo>
+                <a:cubicBezTo>
+                  <a:pt x="143204" y="743421"/>
+                  <a:pt x="166254" y="764771"/>
+                  <a:pt x="166254" y="764771"/>
+                </a:cubicBezTo>
+                <a:cubicBezTo>
+                  <a:pt x="179524" y="804579"/>
+                  <a:pt x="168371" y="783513"/>
+                  <a:pt x="207818" y="822960"/>
+                </a:cubicBezTo>
+                <a:lnTo>
+                  <a:pt x="232756" y="847898"/>
+                </a:lnTo>
+                <a:cubicBezTo>
+                  <a:pt x="235527" y="856211"/>
+                  <a:pt x="235976" y="865706"/>
+                  <a:pt x="241069" y="872836"/>
+                </a:cubicBezTo>
+                <a:cubicBezTo>
+                  <a:pt x="266220" y="908046"/>
+                  <a:pt x="291773" y="906087"/>
+                  <a:pt x="266007" y="906087"/>
+                </a:cubicBezTo>
+              </a:path>
+            </a:pathLst>
+          </a:custGeom>
+          <a:noFill/>
+          <a:ln w="38100">
+            <a:solidFill>
+              <a:srgbClr val="FF0000"/>
+            </a:solidFill>
+          </a:ln>
+        </p:spPr>
+        <p:style>
+          <a:lnRef idx="2">
+            <a:schemeClr val="accent1">
+              <a:shade val="50000"/>
+            </a:schemeClr>
+          </a:lnRef>
+          <a:fillRef idx="1">
+            <a:schemeClr val="accent1"/>
+          </a:fillRef>
+          <a:effectRef idx="0">
+            <a:schemeClr val="accent1"/>
+          </a:effectRef>
+          <a:fontRef idx="minor">
+            <a:schemeClr val="lt1"/>
+          </a:fontRef>
+        </p:style>
+        <p:txBody>
+          <a:bodyPr rtlCol="0" anchor="ctr"/>
+          <a:lstStyle/>
+          <a:p>
+            <a:pPr algn="ctr"/>
+            <a:endParaRPr lang="en-US"/>
+          </a:p>
+        </p:txBody>
+      </p:sp>
+      <p:sp>
+        <p:nvSpPr>
+          <p:cNvPr id="13" name="Freeform 12"/>
+          <p:cNvSpPr/>
+          <p:nvPr/>
+        </p:nvSpPr>
+        <p:spPr>
+          <a:xfrm>
+            <a:off x="906087" y="2585258"/>
+            <a:ext cx="207818" cy="191741"/>
+          </a:xfrm>
+          <a:custGeom>
+            <a:avLst/>
+            <a:gdLst>
+              <a:gd name="connsiteX0" fmla="*/ 0 w 207818"/>
+              <a:gd name="connsiteY0" fmla="*/ 91440 h 191741"/>
+              <a:gd name="connsiteX1" fmla="*/ 41564 w 207818"/>
+              <a:gd name="connsiteY1" fmla="*/ 133004 h 191741"/>
+              <a:gd name="connsiteX2" fmla="*/ 66502 w 207818"/>
+              <a:gd name="connsiteY2" fmla="*/ 141317 h 191741"/>
+              <a:gd name="connsiteX3" fmla="*/ 116378 w 207818"/>
+              <a:gd name="connsiteY3" fmla="*/ 166255 h 191741"/>
+              <a:gd name="connsiteX4" fmla="*/ 133004 w 207818"/>
+              <a:gd name="connsiteY4" fmla="*/ 182880 h 191741"/>
+              <a:gd name="connsiteX5" fmla="*/ 207818 w 207818"/>
+              <a:gd name="connsiteY5" fmla="*/ 182880 h 191741"/>
+              <a:gd name="connsiteX6" fmla="*/ 191193 w 207818"/>
+              <a:gd name="connsiteY6" fmla="*/ 133004 h 191741"/>
+              <a:gd name="connsiteX7" fmla="*/ 182880 w 207818"/>
+              <a:gd name="connsiteY7" fmla="*/ 99753 h 191741"/>
+              <a:gd name="connsiteX8" fmla="*/ 166255 w 207818"/>
+              <a:gd name="connsiteY8" fmla="*/ 49877 h 191741"/>
+              <a:gd name="connsiteX9" fmla="*/ 166255 w 207818"/>
+              <a:gd name="connsiteY9" fmla="*/ 0 h 191741"/>
+            </a:gdLst>
+            <a:ahLst/>
+            <a:cxnLst>
+              <a:cxn ang="0">
+                <a:pos x="connsiteX0" y="connsiteY0"/>
+              </a:cxn>
+              <a:cxn ang="0">
+                <a:pos x="connsiteX1" y="connsiteY1"/>
+              </a:cxn>
+              <a:cxn ang="0">
+                <a:pos x="connsiteX2" y="connsiteY2"/>
+              </a:cxn>
+              <a:cxn ang="0">
+                <a:pos x="connsiteX3" y="connsiteY3"/>
+              </a:cxn>
+              <a:cxn ang="0">
+                <a:pos x="connsiteX4" y="connsiteY4"/>
+              </a:cxn>
+              <a:cxn ang="0">
+                <a:pos x="connsiteX5" y="connsiteY5"/>
+              </a:cxn>
+              <a:cxn ang="0">
+                <a:pos x="connsiteX6" y="connsiteY6"/>
+              </a:cxn>
+              <a:cxn ang="0">
+                <a:pos x="connsiteX7" y="connsiteY7"/>
+              </a:cxn>
+              <a:cxn ang="0">
+                <a:pos x="connsiteX8" y="connsiteY8"/>
+              </a:cxn>
+              <a:cxn ang="0">
+                <a:pos x="connsiteX9" y="connsiteY9"/>
+              </a:cxn>
+            </a:cxnLst>
+            <a:rect l="l" t="t" r="r" b="b"/>
+            <a:pathLst>
+              <a:path w="207818" h="191741">
+                <a:moveTo>
+                  <a:pt x="0" y="91440"/>
+                </a:moveTo>
+                <a:cubicBezTo>
+                  <a:pt x="13855" y="105295"/>
+                  <a:pt x="25889" y="121248"/>
+                  <a:pt x="41564" y="133004"/>
+                </a:cubicBezTo>
+                <a:cubicBezTo>
+                  <a:pt x="48574" y="138261"/>
+                  <a:pt x="58988" y="136809"/>
+                  <a:pt x="66502" y="141317"/>
+                </a:cubicBezTo>
+                <a:cubicBezTo>
+                  <a:pt x="119439" y="173079"/>
+                  <a:pt x="34371" y="145752"/>
+                  <a:pt x="116378" y="166255"/>
+                </a:cubicBezTo>
+                <a:cubicBezTo>
+                  <a:pt x="121920" y="171797"/>
+                  <a:pt x="125800" y="179793"/>
+                  <a:pt x="133004" y="182880"/>
+                </a:cubicBezTo>
+                <a:cubicBezTo>
+                  <a:pt x="167998" y="197877"/>
+                  <a:pt x="175232" y="191027"/>
+                  <a:pt x="207818" y="182880"/>
+                </a:cubicBezTo>
+                <a:cubicBezTo>
+                  <a:pt x="202276" y="166255"/>
+                  <a:pt x="195443" y="150005"/>
+                  <a:pt x="191193" y="133004"/>
+                </a:cubicBezTo>
+                <a:cubicBezTo>
+                  <a:pt x="188422" y="121920"/>
+                  <a:pt x="186163" y="110696"/>
+                  <a:pt x="182880" y="99753"/>
+                </a:cubicBezTo>
+                <a:cubicBezTo>
+                  <a:pt x="177844" y="82967"/>
+                  <a:pt x="166255" y="67402"/>
+                  <a:pt x="166255" y="49877"/>
+                </a:cubicBezTo>
+                <a:lnTo>
+                  <a:pt x="166255" y="0"/>
+                </a:lnTo>
+              </a:path>
+            </a:pathLst>
+          </a:custGeom>
+          <a:noFill/>
+          <a:ln w="38100">
+            <a:solidFill>
+              <a:srgbClr val="FF0000"/>
+            </a:solidFill>
+          </a:ln>
+        </p:spPr>
+        <p:style>
+          <a:lnRef idx="2">
+            <a:schemeClr val="accent1">
+              <a:shade val="50000"/>
+            </a:schemeClr>
+          </a:lnRef>
+          <a:fillRef idx="1">
+            <a:schemeClr val="accent1"/>
+          </a:fillRef>
+          <a:effectRef idx="0">
+            <a:schemeClr val="accent1"/>
+          </a:effectRef>
+          <a:fontRef idx="minor">
+            <a:schemeClr val="lt1"/>
+          </a:fontRef>
+        </p:style>
+        <p:txBody>
+          <a:bodyPr rtlCol="0" anchor="ctr"/>
+          <a:lstStyle/>
+          <a:p>
+            <a:pPr algn="ctr"/>
+            <a:endParaRPr lang="en-US"/>
+          </a:p>
+        </p:txBody>
+      </p:sp>
+    </p:spTree>
+    <p:extLst>
+      <p:ext uri="{BB962C8B-B14F-4D97-AF65-F5344CB8AC3E}">
+        <p14:creationId xmlns:p14="http://schemas.microsoft.com/office/powerpoint/2010/main" val="226315913"/>
+      </p:ext>
+    </p:extLst>
+  </p:cSld>
+  <p:clrMapOvr>
+    <a:masterClrMapping/>
+  </p:clrMapOvr>
+</p:sld>
+</file>
+
+<file path=ppt/slides/slide2.xml><?xml version="1.0" encoding="utf-8"?>
+<p:sld xmlns:a="http://schemas.openxmlformats.org/drawingml/2006/main" xmlns:r="http://schemas.openxmlformats.org/officeDocument/2006/relationships" xmlns:p="http://schemas.openxmlformats.org/presentationml/2006/main">
+  <p:cSld>
+    <p:spTree>
+      <p:nvGrpSpPr>
+        <p:cNvPr id="1" name=""/>
+        <p:cNvGrpSpPr/>
+        <p:nvPr/>
+      </p:nvGrpSpPr>
+      <p:grpSpPr>
+        <a:xfrm>
+          <a:off x="0" y="0"/>
+          <a:ext cx="0" cy="0"/>
+          <a:chOff x="0" y="0"/>
+          <a:chExt cx="0" cy="0"/>
+        </a:xfrm>
+      </p:grpSpPr>
+      <p:sp>
+        <p:nvSpPr>
+          <p:cNvPr id="2" name="Rectangle 1"/>
+          <p:cNvSpPr/>
+          <p:nvPr/>
+        </p:nvSpPr>
+        <p:spPr>
+          <a:xfrm>
+            <a:off x="2690949" y="2129246"/>
+            <a:ext cx="1841862" cy="1325880"/>
+          </a:xfrm>
+          <a:prstGeom prst="rect">
+            <a:avLst/>
+          </a:prstGeom>
+          <a:noFill/>
+        </p:spPr>
+        <p:style>
+          <a:lnRef idx="2">
+            <a:schemeClr val="accent1">
+              <a:shade val="50000"/>
+            </a:schemeClr>
+          </a:lnRef>
+          <a:fillRef idx="1">
+            <a:schemeClr val="accent1"/>
+          </a:fillRef>
+          <a:effectRef idx="0">
+            <a:schemeClr val="accent1"/>
+          </a:effectRef>
+          <a:fontRef idx="minor">
+            <a:schemeClr val="lt1"/>
+          </a:fontRef>
+        </p:style>
+        <p:txBody>
+          <a:bodyPr rtlCol="0" anchor="ctr"/>
+          <a:lstStyle/>
+          <a:p>
+            <a:pPr algn="ctr"/>
+            <a:endParaRPr lang="en-US"/>
+          </a:p>
+        </p:txBody>
+      </p:sp>
+      <p:cxnSp>
+        <p:nvCxnSpPr>
+          <p:cNvPr id="4" name="Straight Connector 3"/>
+          <p:cNvCxnSpPr/>
+          <p:nvPr/>
+        </p:nvCxnSpPr>
+        <p:spPr>
+          <a:xfrm flipV="1">
+            <a:off x="2704011" y="744583"/>
+            <a:ext cx="3677195" cy="1352006"/>
+          </a:xfrm>
+          <a:prstGeom prst="line">
+            <a:avLst/>
+          </a:prstGeom>
+        </p:spPr>
+        <p:style>
+          <a:lnRef idx="1">
+            <a:schemeClr val="accent1"/>
+          </a:lnRef>
+          <a:fillRef idx="0">
+            <a:schemeClr val="accent1"/>
+          </a:fillRef>
+          <a:effectRef idx="0">
+            <a:schemeClr val="accent1"/>
+          </a:effectRef>
+          <a:fontRef idx="minor">
+            <a:schemeClr val="tx1"/>
+          </a:fontRef>
+        </p:style>
+      </p:cxnSp>
+      <p:cxnSp>
+        <p:nvCxnSpPr>
+          <p:cNvPr id="5" name="Straight Connector 4"/>
+          <p:cNvCxnSpPr/>
+          <p:nvPr/>
+        </p:nvCxnSpPr>
+        <p:spPr>
+          <a:xfrm flipV="1">
+            <a:off x="4532811" y="875212"/>
+            <a:ext cx="3389812" cy="1254034"/>
+          </a:xfrm>
+          <a:prstGeom prst="line">
+            <a:avLst/>
+          </a:prstGeom>
+        </p:spPr>
+        <p:style>
+          <a:lnRef idx="1">
+            <a:schemeClr val="accent1"/>
+          </a:lnRef>
+          <a:fillRef idx="0">
+            <a:schemeClr val="accent1"/>
+          </a:fillRef>
+          <a:effectRef idx="0">
+            <a:schemeClr val="accent1"/>
+          </a:effectRef>
+          <a:fontRef idx="minor">
+            <a:schemeClr val="tx1"/>
+          </a:fontRef>
+        </p:style>
+      </p:cxnSp>
+      <p:cxnSp>
+        <p:nvCxnSpPr>
+          <p:cNvPr id="6" name="Straight Connector 5"/>
+          <p:cNvCxnSpPr/>
+          <p:nvPr/>
+        </p:nvCxnSpPr>
+        <p:spPr>
+          <a:xfrm flipV="1">
+            <a:off x="4542608" y="2227218"/>
+            <a:ext cx="3389812" cy="1221377"/>
+          </a:xfrm>
+          <a:prstGeom prst="line">
+            <a:avLst/>
+          </a:prstGeom>
+        </p:spPr>
+        <p:style>
+          <a:lnRef idx="1">
+            <a:schemeClr val="accent1"/>
+          </a:lnRef>
+          <a:fillRef idx="0">
+            <a:schemeClr val="accent1"/>
+          </a:fillRef>
+          <a:effectRef idx="0">
+            <a:schemeClr val="accent1"/>
+          </a:effectRef>
+          <a:fontRef idx="minor">
+            <a:schemeClr val="tx1"/>
+          </a:fontRef>
+        </p:style>
+      </p:cxnSp>
+      <p:cxnSp>
+        <p:nvCxnSpPr>
+          <p:cNvPr id="8" name="Straight Connector 7"/>
+          <p:cNvCxnSpPr/>
+          <p:nvPr/>
+        </p:nvCxnSpPr>
+        <p:spPr>
+          <a:xfrm>
+            <a:off x="6381205" y="744583"/>
+            <a:ext cx="1551215" cy="130629"/>
+          </a:xfrm>
+          <a:prstGeom prst="line">
+            <a:avLst/>
+          </a:prstGeom>
+        </p:spPr>
+        <p:style>
+          <a:lnRef idx="1">
+            <a:schemeClr val="accent1"/>
+          </a:lnRef>
+          <a:fillRef idx="0">
+            <a:schemeClr val="accent1"/>
+          </a:fillRef>
+          <a:effectRef idx="0">
+            <a:schemeClr val="accent1"/>
+          </a:effectRef>
+          <a:fontRef idx="minor">
+            <a:schemeClr val="tx1"/>
+          </a:fontRef>
+        </p:style>
+      </p:cxnSp>
+      <p:cxnSp>
+        <p:nvCxnSpPr>
+          <p:cNvPr id="10" name="Straight Connector 9"/>
+          <p:cNvCxnSpPr/>
+          <p:nvPr/>
+        </p:nvCxnSpPr>
+        <p:spPr>
+          <a:xfrm flipH="1">
+            <a:off x="7922623" y="875212"/>
+            <a:ext cx="9797" cy="1352006"/>
+          </a:xfrm>
+          <a:prstGeom prst="line">
+            <a:avLst/>
+          </a:prstGeom>
+        </p:spPr>
+        <p:style>
+          <a:lnRef idx="1">
+            <a:schemeClr val="accent1"/>
+          </a:lnRef>
+          <a:fillRef idx="0">
+            <a:schemeClr val="accent1"/>
+          </a:fillRef>
+          <a:effectRef idx="0">
+            <a:schemeClr val="accent1"/>
+          </a:effectRef>
+          <a:fontRef idx="minor">
+            <a:schemeClr val="tx1"/>
+          </a:fontRef>
+        </p:style>
+      </p:cxnSp>
+      <p:cxnSp>
+        <p:nvCxnSpPr>
+          <p:cNvPr id="14" name="Straight Arrow Connector 13"/>
+          <p:cNvCxnSpPr/>
+          <p:nvPr/>
+        </p:nvCxnSpPr>
+        <p:spPr>
+          <a:xfrm>
+            <a:off x="2318657" y="2129246"/>
+            <a:ext cx="0" cy="1325880"/>
+          </a:xfrm>
+          <a:prstGeom prst="straightConnector1">
+            <a:avLst/>
+          </a:prstGeom>
+          <a:ln>
+            <a:headEnd type="triangle"/>
+            <a:tailEnd type="triangle"/>
+          </a:ln>
+        </p:spPr>
+        <p:style>
+          <a:lnRef idx="1">
+            <a:schemeClr val="accent1"/>
+          </a:lnRef>
+          <a:fillRef idx="0">
+            <a:schemeClr val="accent1"/>
+          </a:fillRef>
+          <a:effectRef idx="0">
+            <a:schemeClr val="accent1"/>
+          </a:effectRef>
+          <a:fontRef idx="minor">
+            <a:schemeClr val="tx1"/>
+          </a:fontRef>
+        </p:style>
+      </p:cxnSp>
+      <p:sp>
+        <p:nvSpPr>
+          <p:cNvPr id="15" name="TextBox 14"/>
+          <p:cNvSpPr txBox="1"/>
+          <p:nvPr/>
+        </p:nvSpPr>
+        <p:spPr>
+          <a:xfrm>
+            <a:off x="1260566" y="2625634"/>
+            <a:ext cx="802912" cy="369332"/>
+          </a:xfrm>
+          <a:prstGeom prst="rect">
+            <a:avLst/>
+          </a:prstGeom>
+          <a:noFill/>
+        </p:spPr>
+        <p:txBody>
+          <a:bodyPr wrap="none" rtlCol="0">
+            <a:spAutoFit/>
+          </a:bodyPr>
+          <a:lstStyle/>
+          <a:p>
+            <a:r>
+              <a:rPr lang="en-US" dirty="0" smtClean="0"/>
+              <a:t>Height</a:t>
+            </a:r>
+            <a:endParaRPr lang="en-US" dirty="0"/>
+          </a:p>
+        </p:txBody>
+      </p:sp>
+      <p:cxnSp>
+        <p:nvCxnSpPr>
+          <p:cNvPr id="16" name="Straight Arrow Connector 15"/>
+          <p:cNvCxnSpPr/>
+          <p:nvPr/>
+        </p:nvCxnSpPr>
+        <p:spPr>
+          <a:xfrm flipH="1">
+            <a:off x="2690950" y="3611880"/>
+            <a:ext cx="1783079" cy="6533"/>
+          </a:xfrm>
+          <a:prstGeom prst="straightConnector1">
+            <a:avLst/>
+          </a:prstGeom>
+          <a:ln>
+            <a:headEnd type="triangle"/>
+            <a:tailEnd type="triangle"/>
+          </a:ln>
+        </p:spPr>
+        <p:style>
+          <a:lnRef idx="1">
+            <a:schemeClr val="accent1"/>
+          </a:lnRef>
+          <a:fillRef idx="0">
+            <a:schemeClr val="accent1"/>
+          </a:fillRef>
+          <a:effectRef idx="0">
+            <a:schemeClr val="accent1"/>
+          </a:effectRef>
+          <a:fontRef idx="minor">
+            <a:schemeClr val="tx1"/>
+          </a:fontRef>
+        </p:style>
+      </p:cxnSp>
+      <p:sp>
+        <p:nvSpPr>
+          <p:cNvPr id="19" name="TextBox 18"/>
+          <p:cNvSpPr txBox="1"/>
+          <p:nvPr/>
+        </p:nvSpPr>
+        <p:spPr>
+          <a:xfrm>
+            <a:off x="3128555" y="3703320"/>
+            <a:ext cx="763351" cy="369332"/>
+          </a:xfrm>
+          <a:prstGeom prst="rect">
+            <a:avLst/>
+          </a:prstGeom>
+          <a:noFill/>
+        </p:spPr>
+        <p:txBody>
+          <a:bodyPr wrap="none" rtlCol="0">
+            <a:spAutoFit/>
+          </a:bodyPr>
+          <a:lstStyle/>
+          <a:p>
+            <a:r>
+              <a:rPr lang="en-US" dirty="0" smtClean="0"/>
+              <a:t>Width</a:t>
+            </a:r>
+            <a:endParaRPr lang="en-US" dirty="0"/>
+          </a:p>
+        </p:txBody>
+      </p:sp>
+      <p:cxnSp>
+        <p:nvCxnSpPr>
+          <p:cNvPr id="20" name="Straight Arrow Connector 19"/>
+          <p:cNvCxnSpPr/>
+          <p:nvPr/>
+        </p:nvCxnSpPr>
+        <p:spPr>
+          <a:xfrm flipH="1">
+            <a:off x="4714058" y="2442752"/>
+            <a:ext cx="3334293" cy="1260568"/>
+          </a:xfrm>
+          <a:prstGeom prst="straightConnector1">
+            <a:avLst/>
+          </a:prstGeom>
+          <a:ln>
+            <a:headEnd type="triangle"/>
+            <a:tailEnd type="triangle"/>
+          </a:ln>
+        </p:spPr>
+        <p:style>
+          <a:lnRef idx="1">
+            <a:schemeClr val="accent1"/>
+          </a:lnRef>
+          <a:fillRef idx="0">
+            <a:schemeClr val="accent1"/>
+          </a:fillRef>
+          <a:effectRef idx="0">
+            <a:schemeClr val="accent1"/>
+          </a:effectRef>
+          <a:fontRef idx="minor">
+            <a:schemeClr val="tx1"/>
+          </a:fontRef>
+        </p:style>
+      </p:cxnSp>
+      <p:sp>
+        <p:nvSpPr>
+          <p:cNvPr id="22" name="TextBox 21"/>
+          <p:cNvSpPr txBox="1"/>
+          <p:nvPr/>
+        </p:nvSpPr>
+        <p:spPr>
+          <a:xfrm>
+            <a:off x="6322424" y="3206626"/>
+            <a:ext cx="824008" cy="369332"/>
+          </a:xfrm>
+          <a:prstGeom prst="rect">
+            <a:avLst/>
+          </a:prstGeom>
+          <a:noFill/>
+        </p:spPr>
+        <p:txBody>
+          <a:bodyPr wrap="none" rtlCol="0">
+            <a:spAutoFit/>
+          </a:bodyPr>
+          <a:lstStyle/>
+          <a:p>
+            <a:r>
+              <a:rPr lang="en-US" dirty="0" smtClean="0"/>
+              <a:t>Length</a:t>
+            </a:r>
+            <a:endParaRPr lang="en-US" dirty="0"/>
+          </a:p>
+        </p:txBody>
+      </p:sp>
+      <p:sp>
+        <p:nvSpPr>
+          <p:cNvPr id="23" name="TextBox 22"/>
+          <p:cNvSpPr txBox="1"/>
+          <p:nvPr/>
+        </p:nvSpPr>
+        <p:spPr>
+          <a:xfrm>
+            <a:off x="3085687" y="4157559"/>
+            <a:ext cx="849085" cy="369332"/>
+          </a:xfrm>
+          <a:prstGeom prst="rect">
+            <a:avLst/>
+          </a:prstGeom>
+          <a:noFill/>
+        </p:spPr>
+        <p:txBody>
+          <a:bodyPr wrap="square" rtlCol="0">
+            <a:spAutoFit/>
+          </a:bodyPr>
+          <a:lstStyle/>
+          <a:p>
+            <a:r>
+              <a:rPr lang="en-US" dirty="0" smtClean="0"/>
+              <a:t>6 Inch</a:t>
+            </a:r>
+            <a:endParaRPr lang="en-US" dirty="0"/>
+          </a:p>
+        </p:txBody>
+      </p:sp>
+      <p:sp>
+        <p:nvSpPr>
+          <p:cNvPr id="24" name="TextBox 23"/>
+          <p:cNvSpPr txBox="1"/>
+          <p:nvPr/>
+        </p:nvSpPr>
+        <p:spPr>
+          <a:xfrm>
+            <a:off x="1237479" y="2994966"/>
+            <a:ext cx="849085" cy="369332"/>
+          </a:xfrm>
+          <a:prstGeom prst="rect">
+            <a:avLst/>
+          </a:prstGeom>
+          <a:noFill/>
+        </p:spPr>
+        <p:txBody>
+          <a:bodyPr wrap="square" rtlCol="0">
+            <a:spAutoFit/>
+          </a:bodyPr>
+          <a:lstStyle/>
+          <a:p>
+            <a:r>
+              <a:rPr lang="en-US" dirty="0" smtClean="0"/>
+              <a:t>8 Inch</a:t>
+            </a:r>
+            <a:endParaRPr lang="en-US" dirty="0"/>
+          </a:p>
+        </p:txBody>
+      </p:sp>
+      <p:sp>
+        <p:nvSpPr>
+          <p:cNvPr id="25" name="TextBox 24"/>
+          <p:cNvSpPr txBox="1"/>
+          <p:nvPr/>
+        </p:nvSpPr>
+        <p:spPr>
+          <a:xfrm>
+            <a:off x="6381204" y="3512120"/>
+            <a:ext cx="849085" cy="369332"/>
+          </a:xfrm>
+          <a:prstGeom prst="rect">
+            <a:avLst/>
+          </a:prstGeom>
+          <a:noFill/>
+        </p:spPr>
+        <p:txBody>
+          <a:bodyPr wrap="square" rtlCol="0">
+            <a:spAutoFit/>
+          </a:bodyPr>
+          <a:lstStyle/>
+          <a:p>
+            <a:r>
+              <a:rPr lang="en-US" dirty="0" smtClean="0"/>
+              <a:t>10 Ft</a:t>
+            </a:r>
+            <a:endParaRPr lang="en-US" dirty="0"/>
+          </a:p>
+        </p:txBody>
+      </p:sp>
+      <p:sp>
+        <p:nvSpPr>
+          <p:cNvPr id="26" name="TextBox 25"/>
+          <p:cNvSpPr txBox="1"/>
+          <p:nvPr/>
+        </p:nvSpPr>
+        <p:spPr>
+          <a:xfrm>
+            <a:off x="8850086" y="2736669"/>
+            <a:ext cx="489857" cy="369332"/>
+          </a:xfrm>
+          <a:prstGeom prst="rect">
+            <a:avLst/>
+          </a:prstGeom>
+          <a:noFill/>
+        </p:spPr>
+        <p:txBody>
+          <a:bodyPr wrap="square" rtlCol="0">
+            <a:spAutoFit/>
+          </a:bodyPr>
+          <a:lstStyle/>
+          <a:p>
+            <a:r>
+              <a:rPr lang="en-US" dirty="0" smtClean="0"/>
+              <a:t>6</a:t>
+            </a:r>
+            <a:endParaRPr lang="en-US" dirty="0"/>
+          </a:p>
+        </p:txBody>
+      </p:sp>
+      <p:sp>
+        <p:nvSpPr>
+          <p:cNvPr id="27" name="Rectangle 26"/>
+          <p:cNvSpPr/>
+          <p:nvPr/>
+        </p:nvSpPr>
+        <p:spPr>
+          <a:xfrm>
+            <a:off x="7772400" y="4774474"/>
+            <a:ext cx="2555420" cy="241663"/>
+          </a:xfrm>
+          <a:prstGeom prst="rect">
+            <a:avLst/>
+          </a:prstGeom>
+        </p:spPr>
+        <p:style>
+          <a:lnRef idx="2">
+            <a:schemeClr val="accent1">
+              <a:shade val="50000"/>
+            </a:schemeClr>
+          </a:lnRef>
+          <a:fillRef idx="1">
+            <a:schemeClr val="accent1"/>
+          </a:fillRef>
+          <a:effectRef idx="0">
+            <a:schemeClr val="accent1"/>
+          </a:effectRef>
+          <a:fontRef idx="minor">
+            <a:schemeClr val="lt1"/>
+          </a:fontRef>
+        </p:style>
+        <p:txBody>
+          <a:bodyPr rtlCol="0" anchor="ctr"/>
+          <a:lstStyle/>
+          <a:p>
+            <a:pPr algn="ctr"/>
+            <a:endParaRPr lang="en-US"/>
+          </a:p>
+        </p:txBody>
+      </p:sp>
+    </p:spTree>
+    <p:extLst>
+      <p:ext uri="{BB962C8B-B14F-4D97-AF65-F5344CB8AC3E}">
+        <p14:creationId xmlns:p14="http://schemas.microsoft.com/office/powerpoint/2010/main" val="3054717318"/>
+      </p:ext>
+    </p:extLst>
+  </p:cSld>
+  <p:clrMapOvr>
+    <a:masterClrMapping/>
+  </p:clrMapOvr>
+</p:sld>
+</file>
+
+<file path=ppt/slides/slide3.xml><?xml version="1.0" encoding="utf-8"?>
+<p:sld xmlns:a="http://schemas.openxmlformats.org/drawingml/2006/main" xmlns:r="http://schemas.openxmlformats.org/officeDocument/2006/relationships" xmlns:p="http://schemas.openxmlformats.org/presentationml/2006/main">
+  <p:cSld>
+    <p:spTree>
+      <p:nvGrpSpPr>
+        <p:cNvPr id="1" name=""/>
+        <p:cNvGrpSpPr/>
+        <p:nvPr/>
+      </p:nvGrpSpPr>
+      <p:grpSpPr>
+        <a:xfrm>
+          <a:off x="0" y="0"/>
+          <a:ext cx="0" cy="0"/>
+          <a:chOff x="0" y="0"/>
+          <a:chExt cx="0" cy="0"/>
+        </a:xfrm>
+      </p:grpSpPr>
+      <p:pic>
+        <p:nvPicPr>
+          <p:cNvPr id="2" name="Picture 1"/>
+          <p:cNvPicPr>
+            <a:picLocks noChangeAspect="1"/>
+          </p:cNvPicPr>
+          <p:nvPr/>
+        </p:nvPicPr>
+        <p:blipFill>
+          <a:blip r:embed="rId2"/>
+          <a:stretch>
+            <a:fillRect/>
+          </a:stretch>
+        </p:blipFill>
+        <p:spPr>
+          <a:xfrm>
+            <a:off x="143691" y="1521988"/>
+            <a:ext cx="11062063" cy="4422516"/>
+          </a:xfrm>
+          <a:prstGeom prst="rect">
+            <a:avLst/>
+          </a:prstGeom>
+        </p:spPr>
+      </p:pic>
+      <p:sp>
+        <p:nvSpPr>
+          <p:cNvPr id="3" name="TextBox 2"/>
+          <p:cNvSpPr txBox="1"/>
+          <p:nvPr/>
+        </p:nvSpPr>
+        <p:spPr>
+          <a:xfrm>
+            <a:off x="9705702" y="2690949"/>
+            <a:ext cx="711927" cy="261610"/>
+          </a:xfrm>
+          <a:prstGeom prst="rect">
+            <a:avLst/>
+          </a:prstGeom>
+          <a:solidFill>
+            <a:srgbClr val="FFC000"/>
+          </a:solidFill>
+        </p:spPr>
+        <p:txBody>
+          <a:bodyPr wrap="square" rtlCol="0">
+            <a:spAutoFit/>
+          </a:bodyPr>
+          <a:lstStyle/>
+          <a:p>
+            <a:pPr algn="ctr"/>
+            <a:r>
+              <a:rPr lang="en-US" sz="1100" dirty="0" smtClean="0"/>
+              <a:t>Costing</a:t>
+            </a:r>
+            <a:endParaRPr lang="en-US" sz="1100" dirty="0"/>
+          </a:p>
+        </p:txBody>
+      </p:sp>
+    </p:spTree>
+    <p:extLst>
+      <p:ext uri="{BB962C8B-B14F-4D97-AF65-F5344CB8AC3E}">
+        <p14:creationId xmlns:p14="http://schemas.microsoft.com/office/powerpoint/2010/main" val="310663647"/>
+      </p:ext>
+    </p:extLst>
+  </p:cSld>
+  <p:clrMapOvr>
+    <a:masterClrMapping/>
+  </p:clrMapOvr>
+</p:sld>
+</file>
+
+<file path=ppt/slides/slide4.xml><?xml version="1.0" encoding="utf-8"?>
+<p:sld xmlns:a="http://schemas.openxmlformats.org/drawingml/2006/main" xmlns:r="http://schemas.openxmlformats.org/officeDocument/2006/relationships" xmlns:p="http://schemas.openxmlformats.org/presentationml/2006/main">
+  <p:cSld>
+    <p:spTree>
+      <p:nvGrpSpPr>
+        <p:cNvPr id="1" name=""/>
+        <p:cNvGrpSpPr/>
+        <p:nvPr/>
+      </p:nvGrpSpPr>
+      <p:grpSpPr>
+        <a:xfrm>
+          <a:off x="0" y="0"/>
+          <a:ext cx="0" cy="0"/>
+          <a:chOff x="0" y="0"/>
+          <a:chExt cx="0" cy="0"/>
+        </a:xfrm>
+      </p:grpSpPr>
+      <p:pic>
+        <p:nvPicPr>
+          <p:cNvPr id="2" name="Picture 1"/>
+          <p:cNvPicPr>
+            <a:picLocks noChangeAspect="1"/>
+          </p:cNvPicPr>
+          <p:nvPr/>
+        </p:nvPicPr>
+        <p:blipFill rotWithShape="1">
+          <a:blip r:embed="rId2"/>
+          <a:srcRect l="1899" t="2128" r="1136" b="3210"/>
+          <a:stretch/>
+        </p:blipFill>
+        <p:spPr>
+          <a:xfrm>
+            <a:off x="3175543" y="111033"/>
+            <a:ext cx="5452474" cy="4095206"/>
+          </a:xfrm>
+          <a:prstGeom prst="rect">
+            <a:avLst/>
+          </a:prstGeom>
+        </p:spPr>
+      </p:pic>
+      <p:pic>
+        <p:nvPicPr>
+          <p:cNvPr id="4" name="Picture 3"/>
+          <p:cNvPicPr>
+            <a:picLocks noChangeAspect="1"/>
+          </p:cNvPicPr>
+          <p:nvPr/>
+        </p:nvPicPr>
+        <p:blipFill>
+          <a:blip r:embed="rId3"/>
+          <a:stretch>
+            <a:fillRect/>
+          </a:stretch>
+        </p:blipFill>
+        <p:spPr>
+          <a:xfrm>
+            <a:off x="764178" y="4356827"/>
+            <a:ext cx="10881360" cy="2244078"/>
+          </a:xfrm>
+          <a:prstGeom prst="rect">
+            <a:avLst/>
+          </a:prstGeom>
+        </p:spPr>
+      </p:pic>
+      <p:cxnSp>
+        <p:nvCxnSpPr>
+          <p:cNvPr id="6" name="Straight Connector 5"/>
+          <p:cNvCxnSpPr/>
+          <p:nvPr/>
+        </p:nvCxnSpPr>
+        <p:spPr>
+          <a:xfrm flipV="1">
+            <a:off x="999308" y="4422142"/>
+            <a:ext cx="437606" cy="358864"/>
+          </a:xfrm>
+          <a:prstGeom prst="line">
+            <a:avLst/>
+          </a:prstGeom>
+          <a:ln w="38100">
+            <a:solidFill>
+              <a:srgbClr val="FF0000"/>
+            </a:solidFill>
+          </a:ln>
+        </p:spPr>
+        <p:style>
+          <a:lnRef idx="1">
+            <a:schemeClr val="accent1"/>
+          </a:lnRef>
+          <a:fillRef idx="0">
+            <a:schemeClr val="accent1"/>
+          </a:fillRef>
+          <a:effectRef idx="0">
+            <a:schemeClr val="accent1"/>
+          </a:effectRef>
+          <a:fontRef idx="minor">
+            <a:schemeClr val="tx1"/>
+          </a:fontRef>
+        </p:style>
+      </p:cxnSp>
+      <p:cxnSp>
+        <p:nvCxnSpPr>
+          <p:cNvPr id="7" name="Straight Connector 6"/>
+          <p:cNvCxnSpPr/>
+          <p:nvPr/>
+        </p:nvCxnSpPr>
+        <p:spPr>
+          <a:xfrm flipH="1" flipV="1">
+            <a:off x="982979" y="4356827"/>
+            <a:ext cx="470263" cy="367484"/>
+          </a:xfrm>
+          <a:prstGeom prst="line">
+            <a:avLst/>
+          </a:prstGeom>
+          <a:ln w="38100">
+            <a:solidFill>
+              <a:srgbClr val="FF0000"/>
+            </a:solidFill>
+          </a:ln>
+        </p:spPr>
+        <p:style>
+          <a:lnRef idx="1">
+            <a:schemeClr val="accent1"/>
+          </a:lnRef>
+          <a:fillRef idx="0">
+            <a:schemeClr val="accent1"/>
+          </a:fillRef>
+          <a:effectRef idx="0">
+            <a:schemeClr val="accent1"/>
+          </a:effectRef>
+          <a:fontRef idx="minor">
+            <a:schemeClr val="tx1"/>
+          </a:fontRef>
+        </p:style>
+      </p:cxnSp>
+      <p:sp>
+        <p:nvSpPr>
+          <p:cNvPr id="10" name="TextBox 9"/>
+          <p:cNvSpPr txBox="1"/>
+          <p:nvPr/>
+        </p:nvSpPr>
+        <p:spPr>
+          <a:xfrm>
+            <a:off x="2939143" y="999309"/>
+            <a:ext cx="1587138" cy="261610"/>
+          </a:xfrm>
+          <a:prstGeom prst="rect">
+            <a:avLst/>
+          </a:prstGeom>
+          <a:solidFill>
+            <a:schemeClr val="accent1">
+              <a:lumMod val="60000"/>
+              <a:lumOff val="40000"/>
+            </a:schemeClr>
+          </a:solidFill>
+        </p:spPr>
+        <p:txBody>
+          <a:bodyPr wrap="square" rtlCol="0">
+            <a:spAutoFit/>
+          </a:bodyPr>
+          <a:lstStyle/>
+          <a:p>
+            <a:r>
+              <a:rPr lang="en-US" sz="1100" dirty="0" smtClean="0"/>
+              <a:t>Assessment Number</a:t>
+            </a:r>
+            <a:endParaRPr lang="en-US" sz="1100" dirty="0"/>
+          </a:p>
+        </p:txBody>
+      </p:sp>
+      <p:sp>
+        <p:nvSpPr>
+          <p:cNvPr id="12" name="TextBox 11"/>
+          <p:cNvSpPr txBox="1"/>
+          <p:nvPr/>
+        </p:nvSpPr>
+        <p:spPr>
+          <a:xfrm>
+            <a:off x="1691640" y="1274335"/>
+            <a:ext cx="2834641" cy="261610"/>
+          </a:xfrm>
+          <a:prstGeom prst="rect">
+            <a:avLst/>
+          </a:prstGeom>
+          <a:solidFill>
+            <a:schemeClr val="accent1">
+              <a:lumMod val="60000"/>
+              <a:lumOff val="40000"/>
+            </a:schemeClr>
+          </a:solidFill>
+        </p:spPr>
+        <p:txBody>
+          <a:bodyPr wrap="square" rtlCol="0">
+            <a:spAutoFit/>
+          </a:bodyPr>
+          <a:lstStyle/>
+          <a:p>
+            <a:r>
+              <a:rPr lang="en-US" sz="1100" dirty="0"/>
+              <a:t>WOOD </a:t>
+            </a:r>
+            <a:r>
+              <a:rPr lang="en-US" sz="1100" dirty="0" smtClean="0"/>
+              <a:t>COST</a:t>
+            </a:r>
+            <a:endParaRPr lang="en-US" sz="1100" dirty="0"/>
+          </a:p>
+        </p:txBody>
+      </p:sp>
+      <p:sp>
+        <p:nvSpPr>
+          <p:cNvPr id="13" name="TextBox 12"/>
+          <p:cNvSpPr txBox="1"/>
+          <p:nvPr/>
+        </p:nvSpPr>
+        <p:spPr>
+          <a:xfrm>
+            <a:off x="1691640" y="1925546"/>
+            <a:ext cx="2834641" cy="261610"/>
+          </a:xfrm>
+          <a:prstGeom prst="rect">
+            <a:avLst/>
+          </a:prstGeom>
+          <a:solidFill>
+            <a:schemeClr val="accent1">
+              <a:lumMod val="60000"/>
+              <a:lumOff val="40000"/>
+            </a:schemeClr>
+          </a:solidFill>
+        </p:spPr>
+        <p:txBody>
+          <a:bodyPr wrap="square" rtlCol="0">
+            <a:spAutoFit/>
+          </a:bodyPr>
+          <a:lstStyle/>
+          <a:p>
+            <a:r>
+              <a:rPr lang="en-US" sz="1100" dirty="0" smtClean="0"/>
+              <a:t>ENGINEER Cost</a:t>
+            </a:r>
+            <a:endParaRPr lang="en-US" sz="1100" dirty="0"/>
+          </a:p>
+        </p:txBody>
+      </p:sp>
+      <p:sp>
+        <p:nvSpPr>
+          <p:cNvPr id="14" name="TextBox 13"/>
+          <p:cNvSpPr txBox="1"/>
+          <p:nvPr/>
+        </p:nvSpPr>
+        <p:spPr>
+          <a:xfrm>
+            <a:off x="1691637" y="2527303"/>
+            <a:ext cx="2834641" cy="261610"/>
+          </a:xfrm>
+          <a:prstGeom prst="rect">
+            <a:avLst/>
+          </a:prstGeom>
+          <a:solidFill>
+            <a:schemeClr val="accent1">
+              <a:lumMod val="60000"/>
+              <a:lumOff val="40000"/>
+            </a:schemeClr>
+          </a:solidFill>
+        </p:spPr>
+        <p:txBody>
+          <a:bodyPr wrap="square" rtlCol="0">
+            <a:spAutoFit/>
+          </a:bodyPr>
+          <a:lstStyle/>
+          <a:p>
+            <a:r>
+              <a:rPr lang="en-US" sz="1100" dirty="0"/>
+              <a:t>TOTAL </a:t>
+            </a:r>
+            <a:r>
+              <a:rPr lang="en-US" sz="1100" dirty="0" smtClean="0"/>
+              <a:t>COST (Without Margin) </a:t>
+            </a:r>
+            <a:endParaRPr lang="en-US" sz="1100" dirty="0"/>
+          </a:p>
+        </p:txBody>
+      </p:sp>
+      <p:sp>
+        <p:nvSpPr>
+          <p:cNvPr id="15" name="TextBox 14"/>
+          <p:cNvSpPr txBox="1"/>
+          <p:nvPr/>
+        </p:nvSpPr>
+        <p:spPr>
+          <a:xfrm>
+            <a:off x="1691637" y="2860406"/>
+            <a:ext cx="2834641" cy="261610"/>
+          </a:xfrm>
+          <a:prstGeom prst="rect">
+            <a:avLst/>
+          </a:prstGeom>
+          <a:solidFill>
+            <a:schemeClr val="accent1">
+              <a:lumMod val="60000"/>
+              <a:lumOff val="40000"/>
+            </a:schemeClr>
+          </a:solidFill>
+        </p:spPr>
+        <p:txBody>
+          <a:bodyPr wrap="square" rtlCol="0">
+            <a:spAutoFit/>
+          </a:bodyPr>
+          <a:lstStyle/>
+          <a:p>
+            <a:r>
+              <a:rPr lang="en-US" sz="1100" dirty="0"/>
+              <a:t>MARGIN</a:t>
+            </a:r>
+          </a:p>
+        </p:txBody>
+      </p:sp>
+      <p:sp>
+        <p:nvSpPr>
+          <p:cNvPr id="16" name="TextBox 15"/>
+          <p:cNvSpPr txBox="1"/>
+          <p:nvPr/>
+        </p:nvSpPr>
+        <p:spPr>
+          <a:xfrm>
+            <a:off x="1691637" y="3155204"/>
+            <a:ext cx="2834641" cy="261610"/>
+          </a:xfrm>
+          <a:prstGeom prst="rect">
+            <a:avLst/>
+          </a:prstGeom>
+          <a:solidFill>
+            <a:schemeClr val="accent1">
+              <a:lumMod val="60000"/>
+              <a:lumOff val="40000"/>
+            </a:schemeClr>
+          </a:solidFill>
+        </p:spPr>
+        <p:txBody>
+          <a:bodyPr wrap="square" rtlCol="0">
+            <a:spAutoFit/>
+          </a:bodyPr>
+          <a:lstStyle/>
+          <a:p>
+            <a:r>
+              <a:rPr lang="en-US" sz="1100" dirty="0"/>
+              <a:t>TOTAL </a:t>
+            </a:r>
+            <a:r>
+              <a:rPr lang="en-US" sz="1100" dirty="0" smtClean="0"/>
+              <a:t>COST (With Margin) </a:t>
+            </a:r>
+            <a:endParaRPr lang="en-US" sz="1100" dirty="0"/>
+          </a:p>
+        </p:txBody>
+      </p:sp>
+      <p:sp>
+        <p:nvSpPr>
+          <p:cNvPr id="17" name="TextBox 16"/>
+          <p:cNvSpPr txBox="1"/>
+          <p:nvPr/>
+        </p:nvSpPr>
+        <p:spPr>
+          <a:xfrm>
+            <a:off x="1691636" y="3444006"/>
+            <a:ext cx="2834641" cy="261610"/>
+          </a:xfrm>
+          <a:prstGeom prst="rect">
+            <a:avLst/>
+          </a:prstGeom>
+          <a:solidFill>
+            <a:schemeClr val="accent1">
+              <a:lumMod val="60000"/>
+              <a:lumOff val="40000"/>
+            </a:schemeClr>
+          </a:solidFill>
+        </p:spPr>
+        <p:txBody>
+          <a:bodyPr wrap="square" rtlCol="0">
+            <a:spAutoFit/>
+          </a:bodyPr>
+          <a:lstStyle/>
+          <a:p>
+            <a:r>
+              <a:rPr lang="en-US" sz="1100" dirty="0"/>
+              <a:t>RATE PER CFT</a:t>
+            </a:r>
+          </a:p>
+        </p:txBody>
+      </p:sp>
+      <p:sp>
+        <p:nvSpPr>
+          <p:cNvPr id="18" name="TextBox 17"/>
+          <p:cNvSpPr txBox="1"/>
+          <p:nvPr/>
+        </p:nvSpPr>
+        <p:spPr>
+          <a:xfrm>
+            <a:off x="1691637" y="1592443"/>
+            <a:ext cx="2834641" cy="261610"/>
+          </a:xfrm>
+          <a:prstGeom prst="rect">
+            <a:avLst/>
+          </a:prstGeom>
+          <a:solidFill>
+            <a:schemeClr val="accent1">
+              <a:lumMod val="60000"/>
+              <a:lumOff val="40000"/>
+            </a:schemeClr>
+          </a:solidFill>
+        </p:spPr>
+        <p:txBody>
+          <a:bodyPr wrap="square" rtlCol="0">
+            <a:spAutoFit/>
+          </a:bodyPr>
+          <a:lstStyle/>
+          <a:p>
+            <a:r>
+              <a:rPr lang="en-US" sz="1100" dirty="0" smtClean="0"/>
+              <a:t>PACKING </a:t>
+            </a:r>
+            <a:r>
+              <a:rPr lang="en-US" sz="1100" dirty="0"/>
+              <a:t>MATERIAL COST </a:t>
+            </a:r>
+          </a:p>
+        </p:txBody>
+      </p:sp>
+      <p:sp>
+        <p:nvSpPr>
+          <p:cNvPr id="19" name="TextBox 18"/>
+          <p:cNvSpPr txBox="1"/>
+          <p:nvPr/>
+        </p:nvSpPr>
+        <p:spPr>
+          <a:xfrm>
+            <a:off x="1691635" y="2245910"/>
+            <a:ext cx="2834641" cy="261610"/>
+          </a:xfrm>
+          <a:prstGeom prst="rect">
+            <a:avLst/>
+          </a:prstGeom>
+          <a:solidFill>
+            <a:schemeClr val="accent1">
+              <a:lumMod val="60000"/>
+              <a:lumOff val="40000"/>
+            </a:schemeClr>
+          </a:solidFill>
+        </p:spPr>
+        <p:txBody>
+          <a:bodyPr wrap="square" rtlCol="0">
+            <a:spAutoFit/>
+          </a:bodyPr>
+          <a:lstStyle/>
+          <a:p>
+            <a:r>
+              <a:rPr lang="en-US" sz="1100" dirty="0" smtClean="0"/>
+              <a:t>LABOUR </a:t>
+            </a:r>
+            <a:r>
+              <a:rPr lang="en-US" sz="1100" dirty="0"/>
+              <a:t>COST </a:t>
+            </a:r>
+          </a:p>
+        </p:txBody>
+      </p:sp>
+      <p:sp>
+        <p:nvSpPr>
+          <p:cNvPr id="20" name="TextBox 19"/>
+          <p:cNvSpPr txBox="1"/>
+          <p:nvPr/>
+        </p:nvSpPr>
+        <p:spPr>
+          <a:xfrm>
+            <a:off x="4568732" y="999309"/>
+            <a:ext cx="4016833" cy="261610"/>
+          </a:xfrm>
+          <a:prstGeom prst="rect">
+            <a:avLst/>
+          </a:prstGeom>
+          <a:solidFill>
+            <a:schemeClr val="bg1"/>
+          </a:solidFill>
+        </p:spPr>
+        <p:txBody>
+          <a:bodyPr wrap="square" rtlCol="0">
+            <a:spAutoFit/>
+          </a:bodyPr>
+          <a:lstStyle/>
+          <a:p>
+            <a:r>
+              <a:rPr lang="en-US" sz="1100" dirty="0"/>
+              <a:t>Assess_90337</a:t>
+            </a:r>
+          </a:p>
+        </p:txBody>
+      </p:sp>
+      <p:sp>
+        <p:nvSpPr>
+          <p:cNvPr id="23" name="TextBox 22"/>
+          <p:cNvSpPr txBox="1"/>
+          <p:nvPr/>
+        </p:nvSpPr>
+        <p:spPr>
+          <a:xfrm>
+            <a:off x="3246121" y="646423"/>
+            <a:ext cx="5264330" cy="261610"/>
+          </a:xfrm>
+          <a:prstGeom prst="rect">
+            <a:avLst/>
+          </a:prstGeom>
+          <a:solidFill>
+            <a:schemeClr val="bg1"/>
+          </a:solidFill>
+        </p:spPr>
+        <p:txBody>
+          <a:bodyPr wrap="square" rtlCol="0">
+            <a:spAutoFit/>
+          </a:bodyPr>
+          <a:lstStyle/>
+          <a:p>
+            <a:endParaRPr lang="en-US" sz="1100" dirty="0"/>
+          </a:p>
+        </p:txBody>
+      </p:sp>
+      <p:sp>
+        <p:nvSpPr>
+          <p:cNvPr id="25" name="TextBox 24"/>
+          <p:cNvSpPr txBox="1"/>
+          <p:nvPr/>
+        </p:nvSpPr>
+        <p:spPr>
+          <a:xfrm>
+            <a:off x="3246121" y="188885"/>
+            <a:ext cx="5264330" cy="261610"/>
+          </a:xfrm>
+          <a:prstGeom prst="rect">
+            <a:avLst/>
+          </a:prstGeom>
+          <a:solidFill>
+            <a:schemeClr val="bg1"/>
+          </a:solidFill>
+        </p:spPr>
+        <p:txBody>
+          <a:bodyPr wrap="square" rtlCol="0">
+            <a:spAutoFit/>
+          </a:bodyPr>
+          <a:lstStyle/>
+          <a:p>
+            <a:pPr algn="ctr"/>
+            <a:r>
+              <a:rPr lang="en-US" sz="1100" dirty="0" smtClean="0"/>
+              <a:t>Add/Update Costing Summary</a:t>
+            </a:r>
+            <a:endParaRPr lang="en-US" sz="1100" dirty="0"/>
+          </a:p>
+        </p:txBody>
+      </p:sp>
+    </p:spTree>
+    <p:extLst>
+      <p:ext uri="{BB962C8B-B14F-4D97-AF65-F5344CB8AC3E}">
+        <p14:creationId xmlns:p14="http://schemas.microsoft.com/office/powerpoint/2010/main" val="687354898"/>
+      </p:ext>
+    </p:extLst>
+  </p:cSld>
+  <p:clrMapOvr>
+    <a:masterClrMapping/>
+  </p:clrMapOvr>
+</p:sld>
+</file>
+
+<file path=ppt/slides/slide5.xml><?xml version="1.0" encoding="utf-8"?>
+<p:sld xmlns:a="http://schemas.openxmlformats.org/drawingml/2006/main" xmlns:r="http://schemas.openxmlformats.org/officeDocument/2006/relationships" xmlns:p="http://schemas.openxmlformats.org/presentationml/2006/main">
+  <p:cSld>
+    <p:spTree>
+      <p:nvGrpSpPr>
+        <p:cNvPr id="1" name=""/>
+        <p:cNvGrpSpPr/>
+        <p:nvPr/>
+      </p:nvGrpSpPr>
+      <p:grpSpPr>
+        <a:xfrm>
+          <a:off x="0" y="0"/>
+          <a:ext cx="0" cy="0"/>
+          <a:chOff x="0" y="0"/>
+          <a:chExt cx="0" cy="0"/>
+        </a:xfrm>
+      </p:grpSpPr>
+      <p:pic>
+        <p:nvPicPr>
+          <p:cNvPr id="2" name="Picture 1"/>
+          <p:cNvPicPr>
+            <a:picLocks noChangeAspect="1"/>
+          </p:cNvPicPr>
+          <p:nvPr/>
+        </p:nvPicPr>
+        <p:blipFill rotWithShape="1">
+          <a:blip r:embed="rId2"/>
+          <a:srcRect l="1899" t="2128" r="1136" b="3210"/>
+          <a:stretch/>
+        </p:blipFill>
+        <p:spPr>
+          <a:xfrm>
+            <a:off x="3364955" y="764176"/>
+            <a:ext cx="5452474" cy="4095206"/>
+          </a:xfrm>
+          <a:prstGeom prst="rect">
+            <a:avLst/>
+          </a:prstGeom>
+        </p:spPr>
+      </p:pic>
+      <p:sp>
+        <p:nvSpPr>
+          <p:cNvPr id="3" name="TextBox 2"/>
+          <p:cNvSpPr txBox="1"/>
+          <p:nvPr/>
+        </p:nvSpPr>
+        <p:spPr>
+          <a:xfrm>
+            <a:off x="3128554" y="1045029"/>
+            <a:ext cx="1629591" cy="261610"/>
+          </a:xfrm>
+          <a:prstGeom prst="rect">
+            <a:avLst/>
+          </a:prstGeom>
+          <a:solidFill>
+            <a:schemeClr val="accent1">
+              <a:lumMod val="60000"/>
+              <a:lumOff val="40000"/>
+            </a:schemeClr>
+          </a:solidFill>
+        </p:spPr>
+        <p:txBody>
+          <a:bodyPr wrap="square" rtlCol="0">
+            <a:spAutoFit/>
+          </a:bodyPr>
+          <a:lstStyle/>
+          <a:p>
+            <a:r>
+              <a:rPr lang="en-US" sz="1100" dirty="0"/>
+              <a:t>Assessment Number</a:t>
+            </a:r>
+          </a:p>
+        </p:txBody>
+      </p:sp>
+      <p:sp>
+        <p:nvSpPr>
+          <p:cNvPr id="4" name="TextBox 3"/>
+          <p:cNvSpPr txBox="1"/>
+          <p:nvPr/>
+        </p:nvSpPr>
+        <p:spPr>
+          <a:xfrm>
+            <a:off x="4800596" y="1045029"/>
+            <a:ext cx="4016833" cy="261610"/>
+          </a:xfrm>
+          <a:prstGeom prst="rect">
+            <a:avLst/>
+          </a:prstGeom>
+          <a:solidFill>
+            <a:schemeClr val="bg1"/>
+          </a:solidFill>
+        </p:spPr>
+        <p:txBody>
+          <a:bodyPr wrap="square" rtlCol="0">
+            <a:spAutoFit/>
+          </a:bodyPr>
+          <a:lstStyle/>
+          <a:p>
+            <a:r>
+              <a:rPr lang="en-US" sz="1100" dirty="0"/>
+              <a:t>Assess_90337</a:t>
+            </a:r>
+          </a:p>
+        </p:txBody>
+      </p:sp>
+      <p:sp>
+        <p:nvSpPr>
+          <p:cNvPr id="5" name="TextBox 4"/>
+          <p:cNvSpPr txBox="1"/>
+          <p:nvPr/>
+        </p:nvSpPr>
+        <p:spPr>
+          <a:xfrm>
+            <a:off x="3494314" y="5231675"/>
+            <a:ext cx="1629591" cy="261610"/>
+          </a:xfrm>
+          <a:prstGeom prst="rect">
+            <a:avLst/>
+          </a:prstGeom>
+          <a:solidFill>
+            <a:schemeClr val="accent1">
+              <a:lumMod val="60000"/>
+              <a:lumOff val="40000"/>
+            </a:schemeClr>
+          </a:solidFill>
+        </p:spPr>
+        <p:txBody>
+          <a:bodyPr wrap="square" rtlCol="0">
+            <a:spAutoFit/>
+          </a:bodyPr>
+          <a:lstStyle/>
+          <a:p>
+            <a:r>
+              <a:rPr lang="en-US" sz="1100" dirty="0" smtClean="0"/>
+              <a:t>Wood Type</a:t>
+            </a:r>
+            <a:endParaRPr lang="en-US" sz="1100" dirty="0"/>
+          </a:p>
+        </p:txBody>
+      </p:sp>
+      <p:sp>
+        <p:nvSpPr>
+          <p:cNvPr id="6" name="TextBox 5"/>
+          <p:cNvSpPr txBox="1"/>
+          <p:nvPr/>
+        </p:nvSpPr>
+        <p:spPr>
+          <a:xfrm>
+            <a:off x="5166356" y="5231675"/>
+            <a:ext cx="4016833" cy="261610"/>
+          </a:xfrm>
+          <a:prstGeom prst="rect">
+            <a:avLst/>
+          </a:prstGeom>
+          <a:solidFill>
+            <a:schemeClr val="bg1"/>
+          </a:solidFill>
+        </p:spPr>
+        <p:txBody>
+          <a:bodyPr wrap="square" rtlCol="0">
+            <a:spAutoFit/>
+          </a:bodyPr>
+          <a:lstStyle/>
+          <a:p>
+            <a:r>
+              <a:rPr lang="en-US" sz="1100" dirty="0" smtClean="0"/>
+              <a:t>Drop Down with wood names</a:t>
+            </a:r>
+            <a:endParaRPr lang="en-US" sz="1100" dirty="0"/>
+          </a:p>
+        </p:txBody>
+      </p:sp>
+      <p:sp>
+        <p:nvSpPr>
+          <p:cNvPr id="7" name="TextBox 6"/>
+          <p:cNvSpPr txBox="1"/>
+          <p:nvPr/>
+        </p:nvSpPr>
+        <p:spPr>
+          <a:xfrm>
+            <a:off x="3128553" y="2880360"/>
+            <a:ext cx="1629591" cy="261610"/>
+          </a:xfrm>
+          <a:prstGeom prst="rect">
+            <a:avLst/>
+          </a:prstGeom>
+          <a:solidFill>
+            <a:schemeClr val="accent1">
+              <a:lumMod val="60000"/>
+              <a:lumOff val="40000"/>
+            </a:schemeClr>
+          </a:solidFill>
+        </p:spPr>
+        <p:txBody>
+          <a:bodyPr wrap="square" rtlCol="0">
+            <a:spAutoFit/>
+          </a:bodyPr>
+          <a:lstStyle/>
+          <a:p>
+            <a:r>
+              <a:rPr lang="en-US" sz="1100" dirty="0" smtClean="0"/>
+              <a:t>QTY</a:t>
+            </a:r>
+            <a:endParaRPr lang="en-US" sz="1100" dirty="0"/>
+          </a:p>
+        </p:txBody>
+      </p:sp>
+      <p:cxnSp>
+        <p:nvCxnSpPr>
+          <p:cNvPr id="9" name="Straight Connector 8"/>
+          <p:cNvCxnSpPr/>
+          <p:nvPr/>
+        </p:nvCxnSpPr>
+        <p:spPr>
+          <a:xfrm>
+            <a:off x="3278777" y="2687385"/>
+            <a:ext cx="5538652" cy="19595"/>
+          </a:xfrm>
+          <a:prstGeom prst="line">
+            <a:avLst/>
+          </a:prstGeom>
+          <a:ln w="57150">
+            <a:solidFill>
+              <a:srgbClr val="FF0000"/>
+            </a:solidFill>
+          </a:ln>
+        </p:spPr>
+        <p:style>
+          <a:lnRef idx="1">
+            <a:schemeClr val="accent1"/>
+          </a:lnRef>
+          <a:fillRef idx="0">
+            <a:schemeClr val="accent1"/>
+          </a:fillRef>
+          <a:effectRef idx="0">
+            <a:schemeClr val="accent1"/>
+          </a:effectRef>
+          <a:fontRef idx="minor">
+            <a:schemeClr val="tx1"/>
+          </a:fontRef>
+        </p:style>
+      </p:cxnSp>
+    </p:spTree>
+    <p:extLst>
+      <p:ext uri="{BB962C8B-B14F-4D97-AF65-F5344CB8AC3E}">
+        <p14:creationId xmlns:p14="http://schemas.microsoft.com/office/powerpoint/2010/main" val="2243640313"/>
+      </p:ext>
+    </p:extLst>
+  </p:cSld>
+  <p:clrMapOvr>
+    <a:masterClrMapping/>
+  </p:clrMapOvr>
+</p:sld>
+</file>
+
+<file path=ppt/slides/slide6.xml><?xml version="1.0" encoding="utf-8"?>
+<p:sld xmlns:a="http://schemas.openxmlformats.org/drawingml/2006/main" xmlns:r="http://schemas.openxmlformats.org/officeDocument/2006/relationships" xmlns:p="http://schemas.openxmlformats.org/presentationml/2006/main">
+  <p:cSld>
+    <p:spTree>
+      <p:nvGrpSpPr>
+        <p:cNvPr id="1" name=""/>
+        <p:cNvGrpSpPr/>
+        <p:nvPr/>
+      </p:nvGrpSpPr>
+      <p:grpSpPr>
+        <a:xfrm>
+          <a:off x="0" y="0"/>
+          <a:ext cx="0" cy="0"/>
+          <a:chOff x="0" y="0"/>
+          <a:chExt cx="0" cy="0"/>
+        </a:xfrm>
+      </p:grpSpPr>
+      <p:pic>
+        <p:nvPicPr>
+          <p:cNvPr id="2" name="Picture 1"/>
+          <p:cNvPicPr>
+            <a:picLocks noChangeAspect="1"/>
+          </p:cNvPicPr>
+          <p:nvPr/>
+        </p:nvPicPr>
+        <p:blipFill>
+          <a:blip r:embed="rId2"/>
+          <a:stretch>
+            <a:fillRect/>
+          </a:stretch>
+        </p:blipFill>
+        <p:spPr>
+          <a:xfrm>
+            <a:off x="195943" y="368289"/>
+            <a:ext cx="12192000" cy="5180896"/>
+          </a:xfrm>
+          <a:prstGeom prst="rect">
+            <a:avLst/>
+          </a:prstGeom>
+        </p:spPr>
+      </p:pic>
+      <p:sp>
+        <p:nvSpPr>
+          <p:cNvPr id="3" name="TextBox 2"/>
+          <p:cNvSpPr txBox="1"/>
+          <p:nvPr/>
+        </p:nvSpPr>
+        <p:spPr>
+          <a:xfrm>
+            <a:off x="2952205" y="5884818"/>
+            <a:ext cx="1629591" cy="261610"/>
+          </a:xfrm>
+          <a:prstGeom prst="rect">
+            <a:avLst/>
+          </a:prstGeom>
+          <a:solidFill>
+            <a:schemeClr val="accent1">
+              <a:lumMod val="60000"/>
+              <a:lumOff val="40000"/>
+            </a:schemeClr>
+          </a:solidFill>
+        </p:spPr>
+        <p:txBody>
+          <a:bodyPr wrap="square" rtlCol="0">
+            <a:spAutoFit/>
+          </a:bodyPr>
+          <a:lstStyle/>
+          <a:p>
+            <a:r>
+              <a:rPr lang="en-US" sz="1100" dirty="0" smtClean="0"/>
+              <a:t>Stock In Date</a:t>
+            </a:r>
+            <a:endParaRPr lang="en-US" sz="1100" dirty="0"/>
+          </a:p>
+        </p:txBody>
+      </p:sp>
+      <p:sp>
+        <p:nvSpPr>
+          <p:cNvPr id="4" name="TextBox 3"/>
+          <p:cNvSpPr txBox="1"/>
+          <p:nvPr/>
+        </p:nvSpPr>
+        <p:spPr>
+          <a:xfrm>
+            <a:off x="4624247" y="5884818"/>
+            <a:ext cx="979719" cy="261610"/>
+          </a:xfrm>
+          <a:prstGeom prst="rect">
+            <a:avLst/>
+          </a:prstGeom>
+          <a:solidFill>
+            <a:schemeClr val="bg1"/>
+          </a:solidFill>
+        </p:spPr>
+        <p:txBody>
+          <a:bodyPr wrap="square" rtlCol="0">
+            <a:spAutoFit/>
+          </a:bodyPr>
+          <a:lstStyle/>
+          <a:p>
+            <a:r>
+              <a:rPr lang="en-US" sz="1100" dirty="0" smtClean="0"/>
+              <a:t>Date Field</a:t>
+            </a:r>
+            <a:endParaRPr lang="en-US" sz="1100" dirty="0"/>
+          </a:p>
+        </p:txBody>
+      </p:sp>
+    </p:spTree>
+    <p:extLst>
+      <p:ext uri="{BB962C8B-B14F-4D97-AF65-F5344CB8AC3E}">
+        <p14:creationId xmlns:p14="http://schemas.microsoft.com/office/powerpoint/2010/main" val="2653645869"/>
+      </p:ext>
+    </p:extLst>
+  </p:cSld>
+  <p:clrMapOvr>
+    <a:masterClrMapping/>
+  </p:clrMapOvr>
+</p:sld>
+</file>
+
+<file path=ppt/slides/slide7.xml><?xml version="1.0" encoding="utf-8"?>
+<p:sld xmlns:a="http://schemas.openxmlformats.org/drawingml/2006/main" xmlns:r="http://schemas.openxmlformats.org/officeDocument/2006/relationships" xmlns:p="http://schemas.openxmlformats.org/presentationml/2006/main">
+  <p:cSld>
+    <p:spTree>
+      <p:nvGrpSpPr>
+        <p:cNvPr id="1" name=""/>
+        <p:cNvGrpSpPr/>
+        <p:nvPr/>
+      </p:nvGrpSpPr>
+      <p:grpSpPr>
+        <a:xfrm>
+          <a:off x="0" y="0"/>
+          <a:ext cx="0" cy="0"/>
+          <a:chOff x="0" y="0"/>
+          <a:chExt cx="0" cy="0"/>
+        </a:xfrm>
+      </p:grpSpPr>
+      <p:pic>
+        <p:nvPicPr>
+          <p:cNvPr id="2" name="Picture 1"/>
+          <p:cNvPicPr>
+            <a:picLocks noChangeAspect="1"/>
+          </p:cNvPicPr>
+          <p:nvPr/>
+        </p:nvPicPr>
+        <p:blipFill>
+          <a:blip r:embed="rId2"/>
+          <a:stretch>
+            <a:fillRect/>
+          </a:stretch>
+        </p:blipFill>
+        <p:spPr>
+          <a:xfrm>
+            <a:off x="1482802" y="172349"/>
+            <a:ext cx="9278645" cy="4658375"/>
+          </a:xfrm>
+          <a:prstGeom prst="rect">
+            <a:avLst/>
+          </a:prstGeom>
+        </p:spPr>
+      </p:pic>
+      <p:sp>
+        <p:nvSpPr>
+          <p:cNvPr id="3" name="TextBox 2"/>
+          <p:cNvSpPr txBox="1"/>
+          <p:nvPr/>
+        </p:nvSpPr>
+        <p:spPr>
+          <a:xfrm>
+            <a:off x="3108959" y="5323115"/>
+            <a:ext cx="1629591" cy="261610"/>
+          </a:xfrm>
+          <a:prstGeom prst="rect">
+            <a:avLst/>
+          </a:prstGeom>
+          <a:solidFill>
+            <a:schemeClr val="accent1">
+              <a:lumMod val="60000"/>
+              <a:lumOff val="40000"/>
+            </a:schemeClr>
+          </a:solidFill>
+        </p:spPr>
+        <p:txBody>
+          <a:bodyPr wrap="square" rtlCol="0">
+            <a:spAutoFit/>
+          </a:bodyPr>
+          <a:lstStyle/>
+          <a:p>
+            <a:r>
+              <a:rPr lang="en-US" sz="1100" dirty="0" smtClean="0"/>
+              <a:t>Attachment</a:t>
+            </a:r>
+            <a:endParaRPr lang="en-US" sz="1100" dirty="0"/>
+          </a:p>
+        </p:txBody>
+      </p:sp>
+      <p:sp>
+        <p:nvSpPr>
+          <p:cNvPr id="4" name="TextBox 3"/>
+          <p:cNvSpPr txBox="1"/>
+          <p:nvPr/>
+        </p:nvSpPr>
+        <p:spPr>
+          <a:xfrm>
+            <a:off x="4781001" y="5323115"/>
+            <a:ext cx="1704708" cy="261610"/>
+          </a:xfrm>
+          <a:prstGeom prst="rect">
+            <a:avLst/>
+          </a:prstGeom>
+          <a:solidFill>
+            <a:schemeClr val="bg1"/>
+          </a:solidFill>
+        </p:spPr>
+        <p:txBody>
+          <a:bodyPr wrap="square" rtlCol="0">
+            <a:spAutoFit/>
+          </a:bodyPr>
+          <a:lstStyle/>
+          <a:p>
+            <a:r>
+              <a:rPr lang="en-US" sz="1100" dirty="0" smtClean="0"/>
+              <a:t>attachment Field</a:t>
+            </a:r>
+            <a:endParaRPr lang="en-US" sz="1100" dirty="0"/>
+          </a:p>
+        </p:txBody>
+      </p:sp>
+    </p:spTree>
+    <p:extLst>
+      <p:ext uri="{BB962C8B-B14F-4D97-AF65-F5344CB8AC3E}">
+        <p14:creationId xmlns:p14="http://schemas.microsoft.com/office/powerpoint/2010/main" val="1146527851"/>
+      </p:ext>
+    </p:extLst>
+  </p:cSld>
+  <p:clrMapOvr>
+    <a:masterClrMapping/>
+  </p:clrMapOvr>
+</p:sld>
+</file>
+
+<file path=ppt/slides/slide8.xml><?xml version="1.0" encoding="utf-8"?>
+<p:sld xmlns:a="http://schemas.openxmlformats.org/drawingml/2006/main" xmlns:r="http://schemas.openxmlformats.org/officeDocument/2006/relationships" xmlns:p="http://schemas.openxmlformats.org/presentationml/2006/main">
+  <p:cSld>
+    <p:spTree>
+      <p:nvGrpSpPr>
+        <p:cNvPr id="1" name=""/>
+        <p:cNvGrpSpPr/>
+        <p:nvPr/>
+      </p:nvGrpSpPr>
+      <p:grpSpPr>
+        <a:xfrm>
+          <a:off x="0" y="0"/>
+          <a:ext cx="0" cy="0"/>
+          <a:chOff x="0" y="0"/>
+          <a:chExt cx="0" cy="0"/>
+        </a:xfrm>
+      </p:grpSpPr>
+      <p:pic>
+        <p:nvPicPr>
+          <p:cNvPr id="2" name="Picture 1"/>
+          <p:cNvPicPr>
+            <a:picLocks noChangeAspect="1"/>
+          </p:cNvPicPr>
+          <p:nvPr/>
+        </p:nvPicPr>
+        <p:blipFill rotWithShape="1">
+          <a:blip r:embed="rId2"/>
+          <a:srcRect l="13636"/>
+          <a:stretch/>
+        </p:blipFill>
+        <p:spPr>
+          <a:xfrm>
+            <a:off x="606828" y="2247404"/>
+            <a:ext cx="10529455" cy="3610099"/>
+          </a:xfrm>
+          <a:prstGeom prst="rect">
+            <a:avLst/>
+          </a:prstGeom>
+        </p:spPr>
+      </p:pic>
+      <p:sp>
+        <p:nvSpPr>
+          <p:cNvPr id="3" name="TextBox 2"/>
+          <p:cNvSpPr txBox="1"/>
+          <p:nvPr/>
+        </p:nvSpPr>
+        <p:spPr>
+          <a:xfrm>
+            <a:off x="3258589" y="1238596"/>
+            <a:ext cx="7182800" cy="923330"/>
+          </a:xfrm>
+          <a:prstGeom prst="rect">
+            <a:avLst/>
+          </a:prstGeom>
+          <a:noFill/>
+        </p:spPr>
+        <p:txBody>
+          <a:bodyPr wrap="none" rtlCol="0">
+            <a:spAutoFit/>
+          </a:bodyPr>
+          <a:lstStyle/>
+          <a:p>
+            <a:pPr marL="342900" indent="-342900">
+              <a:buAutoNum type="arabicPeriod"/>
+            </a:pPr>
+            <a:r>
+              <a:rPr lang="en-US" dirty="0" smtClean="0"/>
+              <a:t>Create a mod file “</a:t>
+            </a:r>
+            <a:r>
+              <a:rPr lang="en-US" dirty="0" err="1" smtClean="0"/>
+              <a:t>packing_stock_type_info</a:t>
+            </a:r>
+            <a:r>
+              <a:rPr lang="en-US" dirty="0" smtClean="0"/>
+              <a:t>”. Same as </a:t>
+            </a:r>
+            <a:r>
+              <a:rPr lang="en-US" dirty="0" err="1" smtClean="0"/>
+              <a:t>stock_type_mod</a:t>
+            </a:r>
+            <a:endParaRPr lang="en-US" dirty="0" smtClean="0"/>
+          </a:p>
+          <a:p>
+            <a:pPr marL="342900" indent="-342900">
+              <a:buAutoNum type="arabicPeriod"/>
+            </a:pPr>
+            <a:r>
+              <a:rPr lang="en-US" dirty="0" smtClean="0"/>
+              <a:t>Add RAW </a:t>
+            </a:r>
+            <a:r>
+              <a:rPr lang="en-US" dirty="0"/>
+              <a:t>MATERIALS </a:t>
+            </a:r>
+            <a:r>
+              <a:rPr lang="en-US" dirty="0" smtClean="0"/>
+              <a:t>, CONSUMABLES as drop down values.</a:t>
+            </a:r>
+          </a:p>
+          <a:p>
+            <a:pPr marL="342900" indent="-342900">
+              <a:buAutoNum type="arabicPeriod"/>
+            </a:pPr>
+            <a:r>
+              <a:rPr lang="en-US" dirty="0" smtClean="0"/>
+              <a:t>Assign it as foreign key for stock type </a:t>
+            </a:r>
+            <a:endParaRPr lang="en-US" dirty="0"/>
+          </a:p>
+        </p:txBody>
+      </p:sp>
+    </p:spTree>
+    <p:extLst>
+      <p:ext uri="{BB962C8B-B14F-4D97-AF65-F5344CB8AC3E}">
+        <p14:creationId xmlns:p14="http://schemas.microsoft.com/office/powerpoint/2010/main" val="719088895"/>
+      </p:ext>
+    </p:extLst>
+  </p:cSld>
+  <p:clrMapOvr>
+    <a:masterClrMapping/>
+  </p:clrMapOvr>
+</p:sld>
+</file>
+
+<file path=ppt/slides/slide9.xml><?xml version="1.0" encoding="utf-8"?>
+<p:sld xmlns:a="http://schemas.openxmlformats.org/drawingml/2006/main" xmlns:r="http://schemas.openxmlformats.org/officeDocument/2006/relationships" xmlns:p="http://schemas.openxmlformats.org/presentationml/2006/main">
+  <p:cSld>
+    <p:spTree>
+      <p:nvGrpSpPr>
+        <p:cNvPr id="1" name=""/>
+        <p:cNvGrpSpPr/>
+        <p:nvPr/>
+      </p:nvGrpSpPr>
+      <p:grpSpPr>
+        <a:xfrm>
+          <a:off x="0" y="0"/>
+          <a:ext cx="0" cy="0"/>
+          <a:chOff x="0" y="0"/>
+          <a:chExt cx="0" cy="0"/>
+        </a:xfrm>
+      </p:grpSpPr>
+      <p:pic>
+        <p:nvPicPr>
+          <p:cNvPr id="2" name="Picture 1"/>
+          <p:cNvPicPr>
+            <a:picLocks noChangeAspect="1"/>
+          </p:cNvPicPr>
+          <p:nvPr/>
+        </p:nvPicPr>
+        <p:blipFill>
+          <a:blip r:embed="rId2"/>
+          <a:stretch>
+            <a:fillRect/>
+          </a:stretch>
+        </p:blipFill>
+        <p:spPr>
+          <a:xfrm>
+            <a:off x="1163781" y="1701555"/>
+            <a:ext cx="10122131" cy="3475672"/>
+          </a:xfrm>
+          <a:prstGeom prst="rect">
+            <a:avLst/>
+          </a:prstGeom>
+        </p:spPr>
+      </p:pic>
+      <p:sp>
+        <p:nvSpPr>
+          <p:cNvPr id="3" name="TextBox 2"/>
+          <p:cNvSpPr txBox="1"/>
+          <p:nvPr/>
+        </p:nvSpPr>
+        <p:spPr>
+          <a:xfrm>
+            <a:off x="623454" y="374072"/>
+            <a:ext cx="3577198" cy="1200329"/>
+          </a:xfrm>
+          <a:prstGeom prst="rect">
+            <a:avLst/>
+          </a:prstGeom>
+          <a:noFill/>
+        </p:spPr>
+        <p:txBody>
+          <a:bodyPr wrap="none" rtlCol="0">
+            <a:spAutoFit/>
+          </a:bodyPr>
+          <a:lstStyle/>
+          <a:p>
+            <a:pPr marL="342900" indent="-342900">
+              <a:buFontTx/>
+              <a:buAutoNum type="arabicPeriod"/>
+            </a:pPr>
+            <a:r>
+              <a:rPr lang="en-US" dirty="0" smtClean="0"/>
+              <a:t>Thick/Height</a:t>
+            </a:r>
+            <a:r>
+              <a:rPr lang="en-US" dirty="0" smtClean="0">
+                <a:sym typeface="Wingdings" panose="05000000000000000000" pitchFamily="2" charset="2"/>
+              </a:rPr>
+              <a:t> </a:t>
+            </a:r>
+            <a:r>
+              <a:rPr lang="en-US" dirty="0" smtClean="0"/>
+              <a:t>Thick/Height (In)</a:t>
+            </a:r>
+          </a:p>
+          <a:p>
+            <a:pPr marL="342900" indent="-342900">
+              <a:buFontTx/>
+              <a:buAutoNum type="arabicPeriod"/>
+            </a:pPr>
+            <a:r>
+              <a:rPr lang="en-US" dirty="0" smtClean="0"/>
+              <a:t>Width </a:t>
+            </a:r>
+            <a:r>
+              <a:rPr lang="en-US" dirty="0" smtClean="0">
+                <a:sym typeface="Wingdings" panose="05000000000000000000" pitchFamily="2" charset="2"/>
+              </a:rPr>
+              <a:t> Width(In)</a:t>
+            </a:r>
+          </a:p>
+          <a:p>
+            <a:pPr marL="342900" indent="-342900">
+              <a:buFontTx/>
+              <a:buAutoNum type="arabicPeriod"/>
+            </a:pPr>
+            <a:r>
+              <a:rPr lang="en-US" dirty="0" smtClean="0">
+                <a:sym typeface="Wingdings" panose="05000000000000000000" pitchFamily="2" charset="2"/>
+              </a:rPr>
+              <a:t>Length Length (Ft)</a:t>
+            </a:r>
+          </a:p>
+          <a:p>
+            <a:pPr marL="342900" indent="-342900">
+              <a:buFontTx/>
+              <a:buAutoNum type="arabicPeriod"/>
+            </a:pPr>
+            <a:r>
+              <a:rPr lang="en-US" dirty="0" smtClean="0">
+                <a:sym typeface="Wingdings" panose="05000000000000000000" pitchFamily="2" charset="2"/>
+              </a:rPr>
+              <a:t>Price  Price (INR)</a:t>
+            </a:r>
+            <a:endParaRPr lang="en-US" dirty="0"/>
+          </a:p>
+        </p:txBody>
+      </p:sp>
+      <p:sp>
+        <p:nvSpPr>
+          <p:cNvPr id="4" name="TextBox 3"/>
+          <p:cNvSpPr txBox="1"/>
+          <p:nvPr/>
+        </p:nvSpPr>
+        <p:spPr>
+          <a:xfrm>
+            <a:off x="4405745" y="374072"/>
+            <a:ext cx="4479496" cy="1200329"/>
+          </a:xfrm>
+          <a:prstGeom prst="rect">
+            <a:avLst/>
+          </a:prstGeom>
+          <a:noFill/>
+        </p:spPr>
+        <p:txBody>
+          <a:bodyPr wrap="none" rtlCol="0">
+            <a:spAutoFit/>
+          </a:bodyPr>
+          <a:lstStyle/>
+          <a:p>
+            <a:pPr marL="342900" indent="-342900">
+              <a:buFont typeface="+mj-lt"/>
+              <a:buAutoNum type="arabicPeriod" startAt="5"/>
+            </a:pPr>
+            <a:r>
+              <a:rPr lang="en-US" dirty="0" smtClean="0"/>
+              <a:t>Value</a:t>
+            </a:r>
+            <a:r>
+              <a:rPr lang="en-US" dirty="0" smtClean="0">
+                <a:sym typeface="Wingdings" panose="05000000000000000000" pitchFamily="2" charset="2"/>
+              </a:rPr>
+              <a:t> </a:t>
+            </a:r>
+            <a:r>
+              <a:rPr lang="en-US" dirty="0"/>
+              <a:t>Value</a:t>
+            </a:r>
+            <a:r>
+              <a:rPr lang="en-US" dirty="0" smtClean="0"/>
+              <a:t> (INR)</a:t>
+            </a:r>
+          </a:p>
+          <a:p>
+            <a:pPr marL="342900" indent="-342900">
+              <a:buFontTx/>
+              <a:buAutoNum type="arabicPeriod" startAt="5"/>
+            </a:pPr>
+            <a:r>
+              <a:rPr lang="en-US" dirty="0" smtClean="0"/>
+              <a:t>GST</a:t>
+            </a:r>
+            <a:r>
+              <a:rPr lang="en-US" dirty="0" smtClean="0">
+                <a:sym typeface="Wingdings" panose="05000000000000000000" pitchFamily="2" charset="2"/>
+              </a:rPr>
+              <a:t> GST(%)</a:t>
+            </a:r>
+          </a:p>
+          <a:p>
+            <a:pPr marL="342900" indent="-342900">
+              <a:buFontTx/>
+              <a:buAutoNum type="arabicPeriod" startAt="5"/>
+            </a:pPr>
+            <a:r>
+              <a:rPr lang="en-US" dirty="0" smtClean="0">
+                <a:sym typeface="Wingdings" panose="05000000000000000000" pitchFamily="2" charset="2"/>
+              </a:rPr>
+              <a:t>GST Amount </a:t>
+            </a:r>
+            <a:r>
+              <a:rPr lang="en-US" dirty="0">
+                <a:sym typeface="Wingdings" panose="05000000000000000000" pitchFamily="2" charset="2"/>
+              </a:rPr>
+              <a:t>GST </a:t>
+            </a:r>
+            <a:r>
+              <a:rPr lang="en-US" dirty="0" smtClean="0">
+                <a:sym typeface="Wingdings" panose="05000000000000000000" pitchFamily="2" charset="2"/>
+              </a:rPr>
+              <a:t>Amount(INR)</a:t>
+            </a:r>
+          </a:p>
+          <a:p>
+            <a:pPr marL="342900" indent="-342900">
+              <a:buFontTx/>
+              <a:buAutoNum type="arabicPeriod" startAt="5"/>
+            </a:pPr>
+            <a:r>
+              <a:rPr lang="en-US" dirty="0" smtClean="0">
+                <a:sym typeface="Wingdings" panose="05000000000000000000" pitchFamily="2" charset="2"/>
+              </a:rPr>
+              <a:t>Total Bill Amount </a:t>
+            </a:r>
+            <a:r>
+              <a:rPr lang="en-US" dirty="0">
+                <a:sym typeface="Wingdings" panose="05000000000000000000" pitchFamily="2" charset="2"/>
+              </a:rPr>
+              <a:t>Total Bill Amount</a:t>
+            </a:r>
+            <a:r>
+              <a:rPr lang="en-US" dirty="0" smtClean="0">
+                <a:sym typeface="Wingdings" panose="05000000000000000000" pitchFamily="2" charset="2"/>
+              </a:rPr>
+              <a:t>(INR)</a:t>
+            </a:r>
+            <a:endParaRPr lang="en-US" dirty="0"/>
+          </a:p>
+        </p:txBody>
+      </p:sp>
+      <p:sp>
+        <p:nvSpPr>
+          <p:cNvPr id="5" name="TextBox 4"/>
+          <p:cNvSpPr txBox="1"/>
+          <p:nvPr/>
+        </p:nvSpPr>
+        <p:spPr>
+          <a:xfrm>
+            <a:off x="1163781" y="5370021"/>
+            <a:ext cx="2876204" cy="1323439"/>
+          </a:xfrm>
+          <a:prstGeom prst="rect">
+            <a:avLst/>
+          </a:prstGeom>
+          <a:noFill/>
+        </p:spPr>
+        <p:txBody>
+          <a:bodyPr wrap="square" rtlCol="0">
+            <a:spAutoFit/>
+          </a:bodyPr>
+          <a:lstStyle/>
+          <a:p>
+            <a:r>
+              <a:rPr lang="en-US" sz="1000" dirty="0" smtClean="0"/>
+              <a:t># CFT field should be calculated field </a:t>
+            </a:r>
+            <a:r>
+              <a:rPr lang="en-US" sz="1000" dirty="0"/>
+              <a:t>and disable </a:t>
+            </a:r>
+            <a:r>
+              <a:rPr lang="en-US" sz="1000" dirty="0" smtClean="0"/>
+              <a:t>it. </a:t>
+            </a:r>
+          </a:p>
+          <a:p>
+            <a:r>
+              <a:rPr lang="en-US" sz="1000" dirty="0" smtClean="0"/>
+              <a:t>   (Formula = (Height * Width * Length)/144</a:t>
+            </a:r>
+          </a:p>
+          <a:p>
+            <a:r>
+              <a:rPr lang="en-US" sz="1000" dirty="0" smtClean="0"/>
+              <a:t># Total CFT should be calculated field and disable it.</a:t>
+            </a:r>
+          </a:p>
+          <a:p>
+            <a:r>
+              <a:rPr lang="en-US" sz="1000" dirty="0" smtClean="0"/>
+              <a:t>   (Formula = CFT * Quantity)</a:t>
+            </a:r>
+          </a:p>
+          <a:p>
+            <a:r>
+              <a:rPr lang="en-US" sz="1000" dirty="0" smtClean="0"/>
+              <a:t># CFT </a:t>
+            </a:r>
+            <a:r>
+              <a:rPr lang="en-US" sz="1000" dirty="0"/>
+              <a:t>field should be calculated field and disable it. </a:t>
+            </a:r>
+          </a:p>
+          <a:p>
+            <a:r>
+              <a:rPr lang="en-US" sz="1000" dirty="0" smtClean="0"/>
+              <a:t>   (</a:t>
+            </a:r>
+            <a:r>
+              <a:rPr lang="en-US" sz="1000" dirty="0"/>
+              <a:t>Formula = (Height * Width * Length)/144</a:t>
+            </a:r>
+          </a:p>
+          <a:p>
+            <a:r>
+              <a:rPr lang="en-US" sz="1000" dirty="0" smtClean="0"/>
+              <a:t># Total </a:t>
+            </a:r>
+            <a:r>
+              <a:rPr lang="en-US" sz="1000" dirty="0"/>
+              <a:t>CFT should be calculated field and disable it.</a:t>
+            </a:r>
+          </a:p>
+          <a:p>
+            <a:r>
+              <a:rPr lang="en-US" sz="1000" dirty="0" smtClean="0"/>
+              <a:t>   (</a:t>
+            </a:r>
+            <a:r>
+              <a:rPr lang="en-US" sz="1000" dirty="0"/>
+              <a:t>Formula = CFT * Quantity</a:t>
+            </a:r>
+            <a:r>
+              <a:rPr lang="en-US" sz="1000" dirty="0" smtClean="0"/>
+              <a:t>)</a:t>
+            </a:r>
+            <a:endParaRPr lang="en-US" sz="1000" dirty="0"/>
+          </a:p>
+        </p:txBody>
+      </p:sp>
+      <p:sp>
+        <p:nvSpPr>
+          <p:cNvPr id="6" name="TextBox 5"/>
+          <p:cNvSpPr txBox="1"/>
+          <p:nvPr/>
+        </p:nvSpPr>
+        <p:spPr>
+          <a:xfrm>
+            <a:off x="6364778" y="5304381"/>
+            <a:ext cx="4921134" cy="369332"/>
+          </a:xfrm>
+          <a:prstGeom prst="rect">
+            <a:avLst/>
+          </a:prstGeom>
+          <a:noFill/>
+        </p:spPr>
+        <p:txBody>
+          <a:bodyPr wrap="square" rtlCol="0">
+            <a:spAutoFit/>
+          </a:bodyPr>
+          <a:lstStyle/>
+          <a:p>
+            <a:endParaRPr lang="en-US" dirty="0"/>
+          </a:p>
+        </p:txBody>
+      </p:sp>
+      <p:sp>
+        <p:nvSpPr>
+          <p:cNvPr id="7" name="TextBox 6"/>
+          <p:cNvSpPr txBox="1"/>
+          <p:nvPr/>
+        </p:nvSpPr>
+        <p:spPr>
+          <a:xfrm>
+            <a:off x="4305991" y="5370021"/>
+            <a:ext cx="3266903" cy="1323439"/>
+          </a:xfrm>
+          <a:prstGeom prst="rect">
+            <a:avLst/>
+          </a:prstGeom>
+          <a:noFill/>
+        </p:spPr>
+        <p:txBody>
+          <a:bodyPr wrap="square" rtlCol="0">
+            <a:spAutoFit/>
+          </a:bodyPr>
+          <a:lstStyle/>
+          <a:p>
+            <a:r>
+              <a:rPr lang="en-US" sz="1000" dirty="0" smtClean="0"/>
+              <a:t># value should be calculated field and </a:t>
+            </a:r>
+            <a:r>
+              <a:rPr lang="en-US" sz="1000" dirty="0"/>
+              <a:t>disable it</a:t>
+            </a:r>
+            <a:endParaRPr lang="en-US" sz="1000" dirty="0" smtClean="0"/>
+          </a:p>
+          <a:p>
+            <a:r>
+              <a:rPr lang="en-US" sz="1000" dirty="0" smtClean="0"/>
+              <a:t>(Formula = price * Total CFT)</a:t>
+            </a:r>
+          </a:p>
+          <a:p>
+            <a:r>
+              <a:rPr lang="en-US" sz="1000" dirty="0" smtClean="0"/>
+              <a:t># Total CFT, Value and GST should be float type and default value should be 0.0. Check data type in mod file.</a:t>
+            </a:r>
+            <a:br>
+              <a:rPr lang="en-US" sz="1000" dirty="0" smtClean="0"/>
+            </a:br>
+            <a:r>
+              <a:rPr lang="en-US" sz="1000" dirty="0" smtClean="0"/>
+              <a:t># GST amount should be calculated </a:t>
+            </a:r>
+            <a:r>
+              <a:rPr lang="en-US" sz="1000" dirty="0"/>
+              <a:t>field and disable </a:t>
+            </a:r>
+            <a:r>
+              <a:rPr lang="en-US" sz="1000" dirty="0" smtClean="0"/>
+              <a:t>it</a:t>
+            </a:r>
+          </a:p>
+          <a:p>
+            <a:r>
+              <a:rPr lang="en-US" sz="1000" dirty="0"/>
+              <a:t> </a:t>
+            </a:r>
+            <a:r>
+              <a:rPr lang="en-US" sz="1000" dirty="0" smtClean="0"/>
+              <a:t>(Formula = Value * GST)</a:t>
+            </a:r>
+          </a:p>
+          <a:p>
+            <a:r>
+              <a:rPr lang="en-US" sz="1000" dirty="0"/>
+              <a:t># </a:t>
+            </a:r>
+            <a:r>
+              <a:rPr lang="en-US" sz="1000" dirty="0" smtClean="0"/>
+              <a:t>Total Bill amount </a:t>
+            </a:r>
+            <a:r>
+              <a:rPr lang="en-US" sz="1000" dirty="0"/>
+              <a:t>should be calculated field and disable it</a:t>
+            </a:r>
+          </a:p>
+          <a:p>
+            <a:r>
+              <a:rPr lang="en-US" sz="1000" dirty="0"/>
+              <a:t> (Formula = # GST amount </a:t>
+            </a:r>
+            <a:r>
+              <a:rPr lang="en-US" sz="1000" dirty="0" smtClean="0"/>
+              <a:t>+ Value)</a:t>
+            </a:r>
+            <a:endParaRPr lang="en-US" sz="1000" dirty="0"/>
+          </a:p>
+        </p:txBody>
+      </p:sp>
+    </p:spTree>
+    <p:extLst>
+      <p:ext uri="{BB962C8B-B14F-4D97-AF65-F5344CB8AC3E}">
+        <p14:creationId xmlns:p14="http://schemas.microsoft.com/office/powerpoint/2010/main" val="2367850672"/>
+      </p:ext>
+    </p:extLst>
+  </p:cSld>
+  <p:clrMapOvr>
+    <a:masterClrMapping/>
+  </p:clrMapOvr>
+</p:sld>
+</file>
+
 <file path=ppt/theme/theme1.xml><?xml version="1.0" encoding="utf-8"?>
 <a:theme xmlns:a="http://schemas.openxmlformats.org/drawingml/2006/main" name="Office Theme">
   <a:themeElements>

--- a/Requirements/Packing/Packing_Process_v1.0.pptx
+++ b/Requirements/Packing/Packing_Process_v1.0.pptx
@@ -153,7 +153,7 @@
           <p:cNvPr id="2" name="Title 1">
             <a:extLst>
               <a:ext uri="{FF2B5EF4-FFF2-40B4-BE49-F238E27FC236}">
-                <a16:creationId xmlns="" xmlns:a16="http://schemas.microsoft.com/office/drawing/2014/main" id="{5BB8389C-9D1F-7345-10A1-FDCE29A1B4C0}"/>
+                <a16:creationId xmlns:a16="http://schemas.microsoft.com/office/drawing/2014/main" xmlns="" id="{5BB8389C-9D1F-7345-10A1-FDCE29A1B4C0}"/>
               </a:ext>
             </a:extLst>
           </p:cNvPr>
@@ -191,7 +191,7 @@
           <p:cNvPr id="3" name="Subtitle 2">
             <a:extLst>
               <a:ext uri="{FF2B5EF4-FFF2-40B4-BE49-F238E27FC236}">
-                <a16:creationId xmlns="" xmlns:a16="http://schemas.microsoft.com/office/drawing/2014/main" id="{21D7EA3F-BEF4-16CB-C671-68A3BC609040}"/>
+                <a16:creationId xmlns:a16="http://schemas.microsoft.com/office/drawing/2014/main" xmlns="" id="{21D7EA3F-BEF4-16CB-C671-68A3BC609040}"/>
               </a:ext>
             </a:extLst>
           </p:cNvPr>
@@ -262,7 +262,7 @@
           <p:cNvPr id="4" name="Date Placeholder 3">
             <a:extLst>
               <a:ext uri="{FF2B5EF4-FFF2-40B4-BE49-F238E27FC236}">
-                <a16:creationId xmlns="" xmlns:a16="http://schemas.microsoft.com/office/drawing/2014/main" id="{A0B76E7E-E433-1CD4-DE6C-E26AFCA85B48}"/>
+                <a16:creationId xmlns:a16="http://schemas.microsoft.com/office/drawing/2014/main" xmlns="" id="{A0B76E7E-E433-1CD4-DE6C-E26AFCA85B48}"/>
               </a:ext>
             </a:extLst>
           </p:cNvPr>
@@ -280,7 +280,7 @@
           <a:p>
             <a:fld id="{2B62E5C8-D546-43D8-9B1E-95F5F2942A5A}" type="datetimeFigureOut">
               <a:rPr lang="en-GB" smtClean="0"/>
-              <a:t>23/09/2023</a:t>
+              <a:t>08/06/2024</a:t>
             </a:fld>
             <a:endParaRPr lang="en-GB"/>
           </a:p>
@@ -291,7 +291,7 @@
           <p:cNvPr id="5" name="Footer Placeholder 4">
             <a:extLst>
               <a:ext uri="{FF2B5EF4-FFF2-40B4-BE49-F238E27FC236}">
-                <a16:creationId xmlns="" xmlns:a16="http://schemas.microsoft.com/office/drawing/2014/main" id="{0C52E063-76ED-0B74-A1F9-07D022408666}"/>
+                <a16:creationId xmlns:a16="http://schemas.microsoft.com/office/drawing/2014/main" xmlns="" id="{0C52E063-76ED-0B74-A1F9-07D022408666}"/>
               </a:ext>
             </a:extLst>
           </p:cNvPr>
@@ -316,7 +316,7 @@
           <p:cNvPr id="6" name="Slide Number Placeholder 5">
             <a:extLst>
               <a:ext uri="{FF2B5EF4-FFF2-40B4-BE49-F238E27FC236}">
-                <a16:creationId xmlns="" xmlns:a16="http://schemas.microsoft.com/office/drawing/2014/main" id="{025124DF-B4B8-2141-046E-C87EA93E728B}"/>
+                <a16:creationId xmlns:a16="http://schemas.microsoft.com/office/drawing/2014/main" xmlns="" id="{025124DF-B4B8-2141-046E-C87EA93E728B}"/>
               </a:ext>
             </a:extLst>
           </p:cNvPr>
@@ -375,7 +375,7 @@
           <p:cNvPr id="2" name="Title 1">
             <a:extLst>
               <a:ext uri="{FF2B5EF4-FFF2-40B4-BE49-F238E27FC236}">
-                <a16:creationId xmlns="" xmlns:a16="http://schemas.microsoft.com/office/drawing/2014/main" id="{98C0DA44-614D-12AC-4332-F50E9479097F}"/>
+                <a16:creationId xmlns:a16="http://schemas.microsoft.com/office/drawing/2014/main" xmlns="" id="{98C0DA44-614D-12AC-4332-F50E9479097F}"/>
               </a:ext>
             </a:extLst>
           </p:cNvPr>
@@ -404,7 +404,7 @@
           <p:cNvPr id="3" name="Vertical Text Placeholder 2">
             <a:extLst>
               <a:ext uri="{FF2B5EF4-FFF2-40B4-BE49-F238E27FC236}">
-                <a16:creationId xmlns="" xmlns:a16="http://schemas.microsoft.com/office/drawing/2014/main" id="{481AE1A8-306A-2154-F9F2-5767E3D2D930}"/>
+                <a16:creationId xmlns:a16="http://schemas.microsoft.com/office/drawing/2014/main" xmlns="" id="{481AE1A8-306A-2154-F9F2-5767E3D2D930}"/>
               </a:ext>
             </a:extLst>
           </p:cNvPr>
@@ -462,7 +462,7 @@
           <p:cNvPr id="4" name="Date Placeholder 3">
             <a:extLst>
               <a:ext uri="{FF2B5EF4-FFF2-40B4-BE49-F238E27FC236}">
-                <a16:creationId xmlns="" xmlns:a16="http://schemas.microsoft.com/office/drawing/2014/main" id="{72AECD98-0047-1411-79D7-1A0AFF45CACA}"/>
+                <a16:creationId xmlns:a16="http://schemas.microsoft.com/office/drawing/2014/main" xmlns="" id="{72AECD98-0047-1411-79D7-1A0AFF45CACA}"/>
               </a:ext>
             </a:extLst>
           </p:cNvPr>
@@ -480,7 +480,7 @@
           <a:p>
             <a:fld id="{2B62E5C8-D546-43D8-9B1E-95F5F2942A5A}" type="datetimeFigureOut">
               <a:rPr lang="en-GB" smtClean="0"/>
-              <a:t>23/09/2023</a:t>
+              <a:t>08/06/2024</a:t>
             </a:fld>
             <a:endParaRPr lang="en-GB"/>
           </a:p>
@@ -491,7 +491,7 @@
           <p:cNvPr id="5" name="Footer Placeholder 4">
             <a:extLst>
               <a:ext uri="{FF2B5EF4-FFF2-40B4-BE49-F238E27FC236}">
-                <a16:creationId xmlns="" xmlns:a16="http://schemas.microsoft.com/office/drawing/2014/main" id="{DB499F93-B571-33EF-23D3-695F6AADD733}"/>
+                <a16:creationId xmlns:a16="http://schemas.microsoft.com/office/drawing/2014/main" xmlns="" id="{DB499F93-B571-33EF-23D3-695F6AADD733}"/>
               </a:ext>
             </a:extLst>
           </p:cNvPr>
@@ -516,7 +516,7 @@
           <p:cNvPr id="6" name="Slide Number Placeholder 5">
             <a:extLst>
               <a:ext uri="{FF2B5EF4-FFF2-40B4-BE49-F238E27FC236}">
-                <a16:creationId xmlns="" xmlns:a16="http://schemas.microsoft.com/office/drawing/2014/main" id="{3932F8E6-A90C-124D-9254-DACCDA3FA123}"/>
+                <a16:creationId xmlns:a16="http://schemas.microsoft.com/office/drawing/2014/main" xmlns="" id="{3932F8E6-A90C-124D-9254-DACCDA3FA123}"/>
               </a:ext>
             </a:extLst>
           </p:cNvPr>
@@ -575,7 +575,7 @@
           <p:cNvPr id="2" name="Vertical Title 1">
             <a:extLst>
               <a:ext uri="{FF2B5EF4-FFF2-40B4-BE49-F238E27FC236}">
-                <a16:creationId xmlns="" xmlns:a16="http://schemas.microsoft.com/office/drawing/2014/main" id="{AFED29FA-374F-8F36-E1CF-A69C88DB3711}"/>
+                <a16:creationId xmlns:a16="http://schemas.microsoft.com/office/drawing/2014/main" xmlns="" id="{AFED29FA-374F-8F36-E1CF-A69C88DB3711}"/>
               </a:ext>
             </a:extLst>
           </p:cNvPr>
@@ -609,7 +609,7 @@
           <p:cNvPr id="3" name="Vertical Text Placeholder 2">
             <a:extLst>
               <a:ext uri="{FF2B5EF4-FFF2-40B4-BE49-F238E27FC236}">
-                <a16:creationId xmlns="" xmlns:a16="http://schemas.microsoft.com/office/drawing/2014/main" id="{0881907C-564E-82F3-6600-13D69AE70BD5}"/>
+                <a16:creationId xmlns:a16="http://schemas.microsoft.com/office/drawing/2014/main" xmlns="" id="{0881907C-564E-82F3-6600-13D69AE70BD5}"/>
               </a:ext>
             </a:extLst>
           </p:cNvPr>
@@ -672,7 +672,7 @@
           <p:cNvPr id="4" name="Date Placeholder 3">
             <a:extLst>
               <a:ext uri="{FF2B5EF4-FFF2-40B4-BE49-F238E27FC236}">
-                <a16:creationId xmlns="" xmlns:a16="http://schemas.microsoft.com/office/drawing/2014/main" id="{3E9ACF91-B281-DBB8-BF30-42012A95C30F}"/>
+                <a16:creationId xmlns:a16="http://schemas.microsoft.com/office/drawing/2014/main" xmlns="" id="{3E9ACF91-B281-DBB8-BF30-42012A95C30F}"/>
               </a:ext>
             </a:extLst>
           </p:cNvPr>
@@ -690,7 +690,7 @@
           <a:p>
             <a:fld id="{2B62E5C8-D546-43D8-9B1E-95F5F2942A5A}" type="datetimeFigureOut">
               <a:rPr lang="en-GB" smtClean="0"/>
-              <a:t>23/09/2023</a:t>
+              <a:t>08/06/2024</a:t>
             </a:fld>
             <a:endParaRPr lang="en-GB"/>
           </a:p>
@@ -701,7 +701,7 @@
           <p:cNvPr id="5" name="Footer Placeholder 4">
             <a:extLst>
               <a:ext uri="{FF2B5EF4-FFF2-40B4-BE49-F238E27FC236}">
-                <a16:creationId xmlns="" xmlns:a16="http://schemas.microsoft.com/office/drawing/2014/main" id="{640CFE61-83DC-397C-A4A7-2ECD1D2895DE}"/>
+                <a16:creationId xmlns:a16="http://schemas.microsoft.com/office/drawing/2014/main" xmlns="" id="{640CFE61-83DC-397C-A4A7-2ECD1D2895DE}"/>
               </a:ext>
             </a:extLst>
           </p:cNvPr>
@@ -726,7 +726,7 @@
           <p:cNvPr id="6" name="Slide Number Placeholder 5">
             <a:extLst>
               <a:ext uri="{FF2B5EF4-FFF2-40B4-BE49-F238E27FC236}">
-                <a16:creationId xmlns="" xmlns:a16="http://schemas.microsoft.com/office/drawing/2014/main" id="{987A96D8-52C7-8628-43EE-65B5670A14E3}"/>
+                <a16:creationId xmlns:a16="http://schemas.microsoft.com/office/drawing/2014/main" xmlns="" id="{987A96D8-52C7-8628-43EE-65B5670A14E3}"/>
               </a:ext>
             </a:extLst>
           </p:cNvPr>
@@ -785,7 +785,7 @@
           <p:cNvPr id="2" name="Title 1">
             <a:extLst>
               <a:ext uri="{FF2B5EF4-FFF2-40B4-BE49-F238E27FC236}">
-                <a16:creationId xmlns="" xmlns:a16="http://schemas.microsoft.com/office/drawing/2014/main" id="{C2458F7A-DB16-D6D8-1E5F-187E536CD13B}"/>
+                <a16:creationId xmlns:a16="http://schemas.microsoft.com/office/drawing/2014/main" xmlns="" id="{C2458F7A-DB16-D6D8-1E5F-187E536CD13B}"/>
               </a:ext>
             </a:extLst>
           </p:cNvPr>
@@ -814,7 +814,7 @@
           <p:cNvPr id="3" name="Content Placeholder 2">
             <a:extLst>
               <a:ext uri="{FF2B5EF4-FFF2-40B4-BE49-F238E27FC236}">
-                <a16:creationId xmlns="" xmlns:a16="http://schemas.microsoft.com/office/drawing/2014/main" id="{D39328CC-2CF9-B2A5-31D4-3F5F6F05E3B5}"/>
+                <a16:creationId xmlns:a16="http://schemas.microsoft.com/office/drawing/2014/main" xmlns="" id="{D39328CC-2CF9-B2A5-31D4-3F5F6F05E3B5}"/>
               </a:ext>
             </a:extLst>
           </p:cNvPr>
@@ -872,7 +872,7 @@
           <p:cNvPr id="4" name="Date Placeholder 3">
             <a:extLst>
               <a:ext uri="{FF2B5EF4-FFF2-40B4-BE49-F238E27FC236}">
-                <a16:creationId xmlns="" xmlns:a16="http://schemas.microsoft.com/office/drawing/2014/main" id="{A6DFF831-2D45-55E3-AAF9-D41F4572E3BC}"/>
+                <a16:creationId xmlns:a16="http://schemas.microsoft.com/office/drawing/2014/main" xmlns="" id="{A6DFF831-2D45-55E3-AAF9-D41F4572E3BC}"/>
               </a:ext>
             </a:extLst>
           </p:cNvPr>
@@ -890,7 +890,7 @@
           <a:p>
             <a:fld id="{2B62E5C8-D546-43D8-9B1E-95F5F2942A5A}" type="datetimeFigureOut">
               <a:rPr lang="en-GB" smtClean="0"/>
-              <a:t>23/09/2023</a:t>
+              <a:t>08/06/2024</a:t>
             </a:fld>
             <a:endParaRPr lang="en-GB"/>
           </a:p>
@@ -901,7 +901,7 @@
           <p:cNvPr id="5" name="Footer Placeholder 4">
             <a:extLst>
               <a:ext uri="{FF2B5EF4-FFF2-40B4-BE49-F238E27FC236}">
-                <a16:creationId xmlns="" xmlns:a16="http://schemas.microsoft.com/office/drawing/2014/main" id="{D82A9847-3C3E-6403-BE0F-6D425D595314}"/>
+                <a16:creationId xmlns:a16="http://schemas.microsoft.com/office/drawing/2014/main" xmlns="" id="{D82A9847-3C3E-6403-BE0F-6D425D595314}"/>
               </a:ext>
             </a:extLst>
           </p:cNvPr>
@@ -926,7 +926,7 @@
           <p:cNvPr id="6" name="Slide Number Placeholder 5">
             <a:extLst>
               <a:ext uri="{FF2B5EF4-FFF2-40B4-BE49-F238E27FC236}">
-                <a16:creationId xmlns="" xmlns:a16="http://schemas.microsoft.com/office/drawing/2014/main" id="{26280713-0A04-A8B9-4CF6-720E0616166F}"/>
+                <a16:creationId xmlns:a16="http://schemas.microsoft.com/office/drawing/2014/main" xmlns="" id="{26280713-0A04-A8B9-4CF6-720E0616166F}"/>
               </a:ext>
             </a:extLst>
           </p:cNvPr>
@@ -985,7 +985,7 @@
           <p:cNvPr id="2" name="Title 1">
             <a:extLst>
               <a:ext uri="{FF2B5EF4-FFF2-40B4-BE49-F238E27FC236}">
-                <a16:creationId xmlns="" xmlns:a16="http://schemas.microsoft.com/office/drawing/2014/main" id="{201F020F-58C8-7388-A77D-4B123280FB25}"/>
+                <a16:creationId xmlns:a16="http://schemas.microsoft.com/office/drawing/2014/main" xmlns="" id="{201F020F-58C8-7388-A77D-4B123280FB25}"/>
               </a:ext>
             </a:extLst>
           </p:cNvPr>
@@ -1023,7 +1023,7 @@
           <p:cNvPr id="3" name="Text Placeholder 2">
             <a:extLst>
               <a:ext uri="{FF2B5EF4-FFF2-40B4-BE49-F238E27FC236}">
-                <a16:creationId xmlns="" xmlns:a16="http://schemas.microsoft.com/office/drawing/2014/main" id="{A9DE05EE-8475-AB6F-47CF-513A975C7AD5}"/>
+                <a16:creationId xmlns:a16="http://schemas.microsoft.com/office/drawing/2014/main" xmlns="" id="{A9DE05EE-8475-AB6F-47CF-513A975C7AD5}"/>
               </a:ext>
             </a:extLst>
           </p:cNvPr>
@@ -1148,7 +1148,7 @@
           <p:cNvPr id="4" name="Date Placeholder 3">
             <a:extLst>
               <a:ext uri="{FF2B5EF4-FFF2-40B4-BE49-F238E27FC236}">
-                <a16:creationId xmlns="" xmlns:a16="http://schemas.microsoft.com/office/drawing/2014/main" id="{4F3B7455-D4FC-4493-9847-F462B5E3A80D}"/>
+                <a16:creationId xmlns:a16="http://schemas.microsoft.com/office/drawing/2014/main" xmlns="" id="{4F3B7455-D4FC-4493-9847-F462B5E3A80D}"/>
               </a:ext>
             </a:extLst>
           </p:cNvPr>
@@ -1166,7 +1166,7 @@
           <a:p>
             <a:fld id="{2B62E5C8-D546-43D8-9B1E-95F5F2942A5A}" type="datetimeFigureOut">
               <a:rPr lang="en-GB" smtClean="0"/>
-              <a:t>23/09/2023</a:t>
+              <a:t>08/06/2024</a:t>
             </a:fld>
             <a:endParaRPr lang="en-GB"/>
           </a:p>
@@ -1177,7 +1177,7 @@
           <p:cNvPr id="5" name="Footer Placeholder 4">
             <a:extLst>
               <a:ext uri="{FF2B5EF4-FFF2-40B4-BE49-F238E27FC236}">
-                <a16:creationId xmlns="" xmlns:a16="http://schemas.microsoft.com/office/drawing/2014/main" id="{16481075-A4D5-259D-37E3-13F197006AEA}"/>
+                <a16:creationId xmlns:a16="http://schemas.microsoft.com/office/drawing/2014/main" xmlns="" id="{16481075-A4D5-259D-37E3-13F197006AEA}"/>
               </a:ext>
             </a:extLst>
           </p:cNvPr>
@@ -1202,7 +1202,7 @@
           <p:cNvPr id="6" name="Slide Number Placeholder 5">
             <a:extLst>
               <a:ext uri="{FF2B5EF4-FFF2-40B4-BE49-F238E27FC236}">
-                <a16:creationId xmlns="" xmlns:a16="http://schemas.microsoft.com/office/drawing/2014/main" id="{AA3F4E65-0DF3-D913-18C9-43AA067CCE60}"/>
+                <a16:creationId xmlns:a16="http://schemas.microsoft.com/office/drawing/2014/main" xmlns="" id="{AA3F4E65-0DF3-D913-18C9-43AA067CCE60}"/>
               </a:ext>
             </a:extLst>
           </p:cNvPr>
@@ -1261,7 +1261,7 @@
           <p:cNvPr id="2" name="Title 1">
             <a:extLst>
               <a:ext uri="{FF2B5EF4-FFF2-40B4-BE49-F238E27FC236}">
-                <a16:creationId xmlns="" xmlns:a16="http://schemas.microsoft.com/office/drawing/2014/main" id="{528279F7-6908-4611-1AFF-19FB7B11DB21}"/>
+                <a16:creationId xmlns:a16="http://schemas.microsoft.com/office/drawing/2014/main" xmlns="" id="{528279F7-6908-4611-1AFF-19FB7B11DB21}"/>
               </a:ext>
             </a:extLst>
           </p:cNvPr>
@@ -1290,7 +1290,7 @@
           <p:cNvPr id="3" name="Content Placeholder 2">
             <a:extLst>
               <a:ext uri="{FF2B5EF4-FFF2-40B4-BE49-F238E27FC236}">
-                <a16:creationId xmlns="" xmlns:a16="http://schemas.microsoft.com/office/drawing/2014/main" id="{95FBB295-094B-404A-40F0-7AA7A717F88C}"/>
+                <a16:creationId xmlns:a16="http://schemas.microsoft.com/office/drawing/2014/main" xmlns="" id="{95FBB295-094B-404A-40F0-7AA7A717F88C}"/>
               </a:ext>
             </a:extLst>
           </p:cNvPr>
@@ -1353,7 +1353,7 @@
           <p:cNvPr id="4" name="Content Placeholder 3">
             <a:extLst>
               <a:ext uri="{FF2B5EF4-FFF2-40B4-BE49-F238E27FC236}">
-                <a16:creationId xmlns="" xmlns:a16="http://schemas.microsoft.com/office/drawing/2014/main" id="{879491F0-4A61-A3C4-B0E2-1D1F79A0E809}"/>
+                <a16:creationId xmlns:a16="http://schemas.microsoft.com/office/drawing/2014/main" xmlns="" id="{879491F0-4A61-A3C4-B0E2-1D1F79A0E809}"/>
               </a:ext>
             </a:extLst>
           </p:cNvPr>
@@ -1416,7 +1416,7 @@
           <p:cNvPr id="5" name="Date Placeholder 4">
             <a:extLst>
               <a:ext uri="{FF2B5EF4-FFF2-40B4-BE49-F238E27FC236}">
-                <a16:creationId xmlns="" xmlns:a16="http://schemas.microsoft.com/office/drawing/2014/main" id="{A002B1BC-0FBC-4292-0A7D-B5DAC764E256}"/>
+                <a16:creationId xmlns:a16="http://schemas.microsoft.com/office/drawing/2014/main" xmlns="" id="{A002B1BC-0FBC-4292-0A7D-B5DAC764E256}"/>
               </a:ext>
             </a:extLst>
           </p:cNvPr>
@@ -1434,7 +1434,7 @@
           <a:p>
             <a:fld id="{2B62E5C8-D546-43D8-9B1E-95F5F2942A5A}" type="datetimeFigureOut">
               <a:rPr lang="en-GB" smtClean="0"/>
-              <a:t>23/09/2023</a:t>
+              <a:t>08/06/2024</a:t>
             </a:fld>
             <a:endParaRPr lang="en-GB"/>
           </a:p>
@@ -1445,7 +1445,7 @@
           <p:cNvPr id="6" name="Footer Placeholder 5">
             <a:extLst>
               <a:ext uri="{FF2B5EF4-FFF2-40B4-BE49-F238E27FC236}">
-                <a16:creationId xmlns="" xmlns:a16="http://schemas.microsoft.com/office/drawing/2014/main" id="{C56458C5-F73A-2F19-7F11-46C890D288A6}"/>
+                <a16:creationId xmlns:a16="http://schemas.microsoft.com/office/drawing/2014/main" xmlns="" id="{C56458C5-F73A-2F19-7F11-46C890D288A6}"/>
               </a:ext>
             </a:extLst>
           </p:cNvPr>
@@ -1470,7 +1470,7 @@
           <p:cNvPr id="7" name="Slide Number Placeholder 6">
             <a:extLst>
               <a:ext uri="{FF2B5EF4-FFF2-40B4-BE49-F238E27FC236}">
-                <a16:creationId xmlns="" xmlns:a16="http://schemas.microsoft.com/office/drawing/2014/main" id="{B1F24771-4A5B-9EC3-B1BE-8C7B193F0C16}"/>
+                <a16:creationId xmlns:a16="http://schemas.microsoft.com/office/drawing/2014/main" xmlns="" id="{B1F24771-4A5B-9EC3-B1BE-8C7B193F0C16}"/>
               </a:ext>
             </a:extLst>
           </p:cNvPr>
@@ -1529,7 +1529,7 @@
           <p:cNvPr id="2" name="Title 1">
             <a:extLst>
               <a:ext uri="{FF2B5EF4-FFF2-40B4-BE49-F238E27FC236}">
-                <a16:creationId xmlns="" xmlns:a16="http://schemas.microsoft.com/office/drawing/2014/main" id="{C59C53EE-7C06-A0CB-1E46-B77D737274A8}"/>
+                <a16:creationId xmlns:a16="http://schemas.microsoft.com/office/drawing/2014/main" xmlns="" id="{C59C53EE-7C06-A0CB-1E46-B77D737274A8}"/>
               </a:ext>
             </a:extLst>
           </p:cNvPr>
@@ -1563,7 +1563,7 @@
           <p:cNvPr id="3" name="Text Placeholder 2">
             <a:extLst>
               <a:ext uri="{FF2B5EF4-FFF2-40B4-BE49-F238E27FC236}">
-                <a16:creationId xmlns="" xmlns:a16="http://schemas.microsoft.com/office/drawing/2014/main" id="{6CE43B9E-9A73-1528-C5D8-6318010E0B7E}"/>
+                <a16:creationId xmlns:a16="http://schemas.microsoft.com/office/drawing/2014/main" xmlns="" id="{6CE43B9E-9A73-1528-C5D8-6318010E0B7E}"/>
               </a:ext>
             </a:extLst>
           </p:cNvPr>
@@ -1634,7 +1634,7 @@
           <p:cNvPr id="4" name="Content Placeholder 3">
             <a:extLst>
               <a:ext uri="{FF2B5EF4-FFF2-40B4-BE49-F238E27FC236}">
-                <a16:creationId xmlns="" xmlns:a16="http://schemas.microsoft.com/office/drawing/2014/main" id="{DBFF25A7-A8ED-0A0B-72C1-09C8F84C72B3}"/>
+                <a16:creationId xmlns:a16="http://schemas.microsoft.com/office/drawing/2014/main" xmlns="" id="{DBFF25A7-A8ED-0A0B-72C1-09C8F84C72B3}"/>
               </a:ext>
             </a:extLst>
           </p:cNvPr>
@@ -1697,7 +1697,7 @@
           <p:cNvPr id="5" name="Text Placeholder 4">
             <a:extLst>
               <a:ext uri="{FF2B5EF4-FFF2-40B4-BE49-F238E27FC236}">
-                <a16:creationId xmlns="" xmlns:a16="http://schemas.microsoft.com/office/drawing/2014/main" id="{B9724B42-0E68-1889-B851-34340EF186AC}"/>
+                <a16:creationId xmlns:a16="http://schemas.microsoft.com/office/drawing/2014/main" xmlns="" id="{B9724B42-0E68-1889-B851-34340EF186AC}"/>
               </a:ext>
             </a:extLst>
           </p:cNvPr>
@@ -1768,7 +1768,7 @@
           <p:cNvPr id="6" name="Content Placeholder 5">
             <a:extLst>
               <a:ext uri="{FF2B5EF4-FFF2-40B4-BE49-F238E27FC236}">
-                <a16:creationId xmlns="" xmlns:a16="http://schemas.microsoft.com/office/drawing/2014/main" id="{63A3396A-F25E-42B3-FBF1-B15E4FE99D93}"/>
+                <a16:creationId xmlns:a16="http://schemas.microsoft.com/office/drawing/2014/main" xmlns="" id="{63A3396A-F25E-42B3-FBF1-B15E4FE99D93}"/>
               </a:ext>
             </a:extLst>
           </p:cNvPr>
@@ -1831,7 +1831,7 @@
           <p:cNvPr id="7" name="Date Placeholder 6">
             <a:extLst>
               <a:ext uri="{FF2B5EF4-FFF2-40B4-BE49-F238E27FC236}">
-                <a16:creationId xmlns="" xmlns:a16="http://schemas.microsoft.com/office/drawing/2014/main" id="{20941AEB-0A4C-AB83-DFB7-0FEA69669CF5}"/>
+                <a16:creationId xmlns:a16="http://schemas.microsoft.com/office/drawing/2014/main" xmlns="" id="{20941AEB-0A4C-AB83-DFB7-0FEA69669CF5}"/>
               </a:ext>
             </a:extLst>
           </p:cNvPr>
@@ -1849,7 +1849,7 @@
           <a:p>
             <a:fld id="{2B62E5C8-D546-43D8-9B1E-95F5F2942A5A}" type="datetimeFigureOut">
               <a:rPr lang="en-GB" smtClean="0"/>
-              <a:t>23/09/2023</a:t>
+              <a:t>08/06/2024</a:t>
             </a:fld>
             <a:endParaRPr lang="en-GB"/>
           </a:p>
@@ -1860,7 +1860,7 @@
           <p:cNvPr id="8" name="Footer Placeholder 7">
             <a:extLst>
               <a:ext uri="{FF2B5EF4-FFF2-40B4-BE49-F238E27FC236}">
-                <a16:creationId xmlns="" xmlns:a16="http://schemas.microsoft.com/office/drawing/2014/main" id="{A8211E6B-8E4F-A06B-1AEE-DAC02783884B}"/>
+                <a16:creationId xmlns:a16="http://schemas.microsoft.com/office/drawing/2014/main" xmlns="" id="{A8211E6B-8E4F-A06B-1AEE-DAC02783884B}"/>
               </a:ext>
             </a:extLst>
           </p:cNvPr>
@@ -1885,7 +1885,7 @@
           <p:cNvPr id="9" name="Slide Number Placeholder 8">
             <a:extLst>
               <a:ext uri="{FF2B5EF4-FFF2-40B4-BE49-F238E27FC236}">
-                <a16:creationId xmlns="" xmlns:a16="http://schemas.microsoft.com/office/drawing/2014/main" id="{14343A77-EBCD-AE12-99CA-99F7CB7A1DE8}"/>
+                <a16:creationId xmlns:a16="http://schemas.microsoft.com/office/drawing/2014/main" xmlns="" id="{14343A77-EBCD-AE12-99CA-99F7CB7A1DE8}"/>
               </a:ext>
             </a:extLst>
           </p:cNvPr>
@@ -1944,7 +1944,7 @@
           <p:cNvPr id="2" name="Title 1">
             <a:extLst>
               <a:ext uri="{FF2B5EF4-FFF2-40B4-BE49-F238E27FC236}">
-                <a16:creationId xmlns="" xmlns:a16="http://schemas.microsoft.com/office/drawing/2014/main" id="{960DB7CB-D6BD-BA22-DE1D-8F31DB83FB51}"/>
+                <a16:creationId xmlns:a16="http://schemas.microsoft.com/office/drawing/2014/main" xmlns="" id="{960DB7CB-D6BD-BA22-DE1D-8F31DB83FB51}"/>
               </a:ext>
             </a:extLst>
           </p:cNvPr>
@@ -1973,7 +1973,7 @@
           <p:cNvPr id="3" name="Date Placeholder 2">
             <a:extLst>
               <a:ext uri="{FF2B5EF4-FFF2-40B4-BE49-F238E27FC236}">
-                <a16:creationId xmlns="" xmlns:a16="http://schemas.microsoft.com/office/drawing/2014/main" id="{EFDA4063-16FA-B0EC-5C3B-1ACEAE99D372}"/>
+                <a16:creationId xmlns:a16="http://schemas.microsoft.com/office/drawing/2014/main" xmlns="" id="{EFDA4063-16FA-B0EC-5C3B-1ACEAE99D372}"/>
               </a:ext>
             </a:extLst>
           </p:cNvPr>
@@ -1991,7 +1991,7 @@
           <a:p>
             <a:fld id="{2B62E5C8-D546-43D8-9B1E-95F5F2942A5A}" type="datetimeFigureOut">
               <a:rPr lang="en-GB" smtClean="0"/>
-              <a:t>23/09/2023</a:t>
+              <a:t>08/06/2024</a:t>
             </a:fld>
             <a:endParaRPr lang="en-GB"/>
           </a:p>
@@ -2002,7 +2002,7 @@
           <p:cNvPr id="4" name="Footer Placeholder 3">
             <a:extLst>
               <a:ext uri="{FF2B5EF4-FFF2-40B4-BE49-F238E27FC236}">
-                <a16:creationId xmlns="" xmlns:a16="http://schemas.microsoft.com/office/drawing/2014/main" id="{C0D8A432-BDA1-1465-BA3F-56E5AD6504C6}"/>
+                <a16:creationId xmlns:a16="http://schemas.microsoft.com/office/drawing/2014/main" xmlns="" id="{C0D8A432-BDA1-1465-BA3F-56E5AD6504C6}"/>
               </a:ext>
             </a:extLst>
           </p:cNvPr>
@@ -2027,7 +2027,7 @@
           <p:cNvPr id="5" name="Slide Number Placeholder 4">
             <a:extLst>
               <a:ext uri="{FF2B5EF4-FFF2-40B4-BE49-F238E27FC236}">
-                <a16:creationId xmlns="" xmlns:a16="http://schemas.microsoft.com/office/drawing/2014/main" id="{E108DEB5-D609-9ADB-F5EE-B2D16FE90724}"/>
+                <a16:creationId xmlns:a16="http://schemas.microsoft.com/office/drawing/2014/main" xmlns="" id="{E108DEB5-D609-9ADB-F5EE-B2D16FE90724}"/>
               </a:ext>
             </a:extLst>
           </p:cNvPr>
@@ -2086,7 +2086,7 @@
           <p:cNvPr id="2" name="Date Placeholder 1">
             <a:extLst>
               <a:ext uri="{FF2B5EF4-FFF2-40B4-BE49-F238E27FC236}">
-                <a16:creationId xmlns="" xmlns:a16="http://schemas.microsoft.com/office/drawing/2014/main" id="{FD6863EF-C0DB-6825-27F7-582805F12482}"/>
+                <a16:creationId xmlns:a16="http://schemas.microsoft.com/office/drawing/2014/main" xmlns="" id="{FD6863EF-C0DB-6825-27F7-582805F12482}"/>
               </a:ext>
             </a:extLst>
           </p:cNvPr>
@@ -2104,7 +2104,7 @@
           <a:p>
             <a:fld id="{2B62E5C8-D546-43D8-9B1E-95F5F2942A5A}" type="datetimeFigureOut">
               <a:rPr lang="en-GB" smtClean="0"/>
-              <a:t>23/09/2023</a:t>
+              <a:t>08/06/2024</a:t>
             </a:fld>
             <a:endParaRPr lang="en-GB"/>
           </a:p>
@@ -2115,7 +2115,7 @@
           <p:cNvPr id="3" name="Footer Placeholder 2">
             <a:extLst>
               <a:ext uri="{FF2B5EF4-FFF2-40B4-BE49-F238E27FC236}">
-                <a16:creationId xmlns="" xmlns:a16="http://schemas.microsoft.com/office/drawing/2014/main" id="{7731E054-4AE3-CDFF-2BAD-4436FC15E55C}"/>
+                <a16:creationId xmlns:a16="http://schemas.microsoft.com/office/drawing/2014/main" xmlns="" id="{7731E054-4AE3-CDFF-2BAD-4436FC15E55C}"/>
               </a:ext>
             </a:extLst>
           </p:cNvPr>
@@ -2140,7 +2140,7 @@
           <p:cNvPr id="4" name="Slide Number Placeholder 3">
             <a:extLst>
               <a:ext uri="{FF2B5EF4-FFF2-40B4-BE49-F238E27FC236}">
-                <a16:creationId xmlns="" xmlns:a16="http://schemas.microsoft.com/office/drawing/2014/main" id="{5ED58B06-6926-28B1-A2CC-E413C3E889FE}"/>
+                <a16:creationId xmlns:a16="http://schemas.microsoft.com/office/drawing/2014/main" xmlns="" id="{5ED58B06-6926-28B1-A2CC-E413C3E889FE}"/>
               </a:ext>
             </a:extLst>
           </p:cNvPr>
@@ -2199,7 +2199,7 @@
           <p:cNvPr id="2" name="Title 1">
             <a:extLst>
               <a:ext uri="{FF2B5EF4-FFF2-40B4-BE49-F238E27FC236}">
-                <a16:creationId xmlns="" xmlns:a16="http://schemas.microsoft.com/office/drawing/2014/main" id="{FE95D366-3FFA-C727-4B28-F49E3A727F82}"/>
+                <a16:creationId xmlns:a16="http://schemas.microsoft.com/office/drawing/2014/main" xmlns="" id="{FE95D366-3FFA-C727-4B28-F49E3A727F82}"/>
               </a:ext>
             </a:extLst>
           </p:cNvPr>
@@ -2237,7 +2237,7 @@
           <p:cNvPr id="3" name="Content Placeholder 2">
             <a:extLst>
               <a:ext uri="{FF2B5EF4-FFF2-40B4-BE49-F238E27FC236}">
-                <a16:creationId xmlns="" xmlns:a16="http://schemas.microsoft.com/office/drawing/2014/main" id="{1B30F2A8-0D12-5B28-B23E-CB43C1F391C4}"/>
+                <a16:creationId xmlns:a16="http://schemas.microsoft.com/office/drawing/2014/main" xmlns="" id="{1B30F2A8-0D12-5B28-B23E-CB43C1F391C4}"/>
               </a:ext>
             </a:extLst>
           </p:cNvPr>
@@ -2328,7 +2328,7 @@
           <p:cNvPr id="4" name="Text Placeholder 3">
             <a:extLst>
               <a:ext uri="{FF2B5EF4-FFF2-40B4-BE49-F238E27FC236}">
-                <a16:creationId xmlns="" xmlns:a16="http://schemas.microsoft.com/office/drawing/2014/main" id="{C4AFF24A-2F42-7EB6-8C26-CA7C97263BBD}"/>
+                <a16:creationId xmlns:a16="http://schemas.microsoft.com/office/drawing/2014/main" xmlns="" id="{C4AFF24A-2F42-7EB6-8C26-CA7C97263BBD}"/>
               </a:ext>
             </a:extLst>
           </p:cNvPr>
@@ -2399,7 +2399,7 @@
           <p:cNvPr id="5" name="Date Placeholder 4">
             <a:extLst>
               <a:ext uri="{FF2B5EF4-FFF2-40B4-BE49-F238E27FC236}">
-                <a16:creationId xmlns="" xmlns:a16="http://schemas.microsoft.com/office/drawing/2014/main" id="{5660AEB7-FB5A-779F-53DE-E2781E510468}"/>
+                <a16:creationId xmlns:a16="http://schemas.microsoft.com/office/drawing/2014/main" xmlns="" id="{5660AEB7-FB5A-779F-53DE-E2781E510468}"/>
               </a:ext>
             </a:extLst>
           </p:cNvPr>
@@ -2417,7 +2417,7 @@
           <a:p>
             <a:fld id="{2B62E5C8-D546-43D8-9B1E-95F5F2942A5A}" type="datetimeFigureOut">
               <a:rPr lang="en-GB" smtClean="0"/>
-              <a:t>23/09/2023</a:t>
+              <a:t>08/06/2024</a:t>
             </a:fld>
             <a:endParaRPr lang="en-GB"/>
           </a:p>
@@ -2428,7 +2428,7 @@
           <p:cNvPr id="6" name="Footer Placeholder 5">
             <a:extLst>
               <a:ext uri="{FF2B5EF4-FFF2-40B4-BE49-F238E27FC236}">
-                <a16:creationId xmlns="" xmlns:a16="http://schemas.microsoft.com/office/drawing/2014/main" id="{ED1F73DF-DBCD-396D-B025-CF0CDA87B2F4}"/>
+                <a16:creationId xmlns:a16="http://schemas.microsoft.com/office/drawing/2014/main" xmlns="" id="{ED1F73DF-DBCD-396D-B025-CF0CDA87B2F4}"/>
               </a:ext>
             </a:extLst>
           </p:cNvPr>
@@ -2453,7 +2453,7 @@
           <p:cNvPr id="7" name="Slide Number Placeholder 6">
             <a:extLst>
               <a:ext uri="{FF2B5EF4-FFF2-40B4-BE49-F238E27FC236}">
-                <a16:creationId xmlns="" xmlns:a16="http://schemas.microsoft.com/office/drawing/2014/main" id="{1560FA7F-20C1-108E-4A38-ABB749D27471}"/>
+                <a16:creationId xmlns:a16="http://schemas.microsoft.com/office/drawing/2014/main" xmlns="" id="{1560FA7F-20C1-108E-4A38-ABB749D27471}"/>
               </a:ext>
             </a:extLst>
           </p:cNvPr>
@@ -2512,7 +2512,7 @@
           <p:cNvPr id="2" name="Title 1">
             <a:extLst>
               <a:ext uri="{FF2B5EF4-FFF2-40B4-BE49-F238E27FC236}">
-                <a16:creationId xmlns="" xmlns:a16="http://schemas.microsoft.com/office/drawing/2014/main" id="{C6D86D04-3DAB-8844-FF72-FEA58A366740}"/>
+                <a16:creationId xmlns:a16="http://schemas.microsoft.com/office/drawing/2014/main" xmlns="" id="{C6D86D04-3DAB-8844-FF72-FEA58A366740}"/>
               </a:ext>
             </a:extLst>
           </p:cNvPr>
@@ -2550,7 +2550,7 @@
           <p:cNvPr id="3" name="Picture Placeholder 2">
             <a:extLst>
               <a:ext uri="{FF2B5EF4-FFF2-40B4-BE49-F238E27FC236}">
-                <a16:creationId xmlns="" xmlns:a16="http://schemas.microsoft.com/office/drawing/2014/main" id="{AD39B68E-10FB-CC77-5350-F8D205643C40}"/>
+                <a16:creationId xmlns:a16="http://schemas.microsoft.com/office/drawing/2014/main" xmlns="" id="{AD39B68E-10FB-CC77-5350-F8D205643C40}"/>
               </a:ext>
             </a:extLst>
           </p:cNvPr>
@@ -2617,7 +2617,7 @@
           <p:cNvPr id="4" name="Text Placeholder 3">
             <a:extLst>
               <a:ext uri="{FF2B5EF4-FFF2-40B4-BE49-F238E27FC236}">
-                <a16:creationId xmlns="" xmlns:a16="http://schemas.microsoft.com/office/drawing/2014/main" id="{E980BFE3-421C-871E-1014-49C2C845E5DE}"/>
+                <a16:creationId xmlns:a16="http://schemas.microsoft.com/office/drawing/2014/main" xmlns="" id="{E980BFE3-421C-871E-1014-49C2C845E5DE}"/>
               </a:ext>
             </a:extLst>
           </p:cNvPr>
@@ -2688,7 +2688,7 @@
           <p:cNvPr id="5" name="Date Placeholder 4">
             <a:extLst>
               <a:ext uri="{FF2B5EF4-FFF2-40B4-BE49-F238E27FC236}">
-                <a16:creationId xmlns="" xmlns:a16="http://schemas.microsoft.com/office/drawing/2014/main" id="{07FF94B5-CEB9-25FE-EBB6-A8E91E922070}"/>
+                <a16:creationId xmlns:a16="http://schemas.microsoft.com/office/drawing/2014/main" xmlns="" id="{07FF94B5-CEB9-25FE-EBB6-A8E91E922070}"/>
               </a:ext>
             </a:extLst>
           </p:cNvPr>
@@ -2706,7 +2706,7 @@
           <a:p>
             <a:fld id="{2B62E5C8-D546-43D8-9B1E-95F5F2942A5A}" type="datetimeFigureOut">
               <a:rPr lang="en-GB" smtClean="0"/>
-              <a:t>23/09/2023</a:t>
+              <a:t>08/06/2024</a:t>
             </a:fld>
             <a:endParaRPr lang="en-GB"/>
           </a:p>
@@ -2717,7 +2717,7 @@
           <p:cNvPr id="6" name="Footer Placeholder 5">
             <a:extLst>
               <a:ext uri="{FF2B5EF4-FFF2-40B4-BE49-F238E27FC236}">
-                <a16:creationId xmlns="" xmlns:a16="http://schemas.microsoft.com/office/drawing/2014/main" id="{90F139B8-0EF0-0205-FDDE-2E21B455F9F7}"/>
+                <a16:creationId xmlns:a16="http://schemas.microsoft.com/office/drawing/2014/main" xmlns="" id="{90F139B8-0EF0-0205-FDDE-2E21B455F9F7}"/>
               </a:ext>
             </a:extLst>
           </p:cNvPr>
@@ -2742,7 +2742,7 @@
           <p:cNvPr id="7" name="Slide Number Placeholder 6">
             <a:extLst>
               <a:ext uri="{FF2B5EF4-FFF2-40B4-BE49-F238E27FC236}">
-                <a16:creationId xmlns="" xmlns:a16="http://schemas.microsoft.com/office/drawing/2014/main" id="{68F23B3B-4A9F-D582-8325-2F695C0849A7}"/>
+                <a16:creationId xmlns:a16="http://schemas.microsoft.com/office/drawing/2014/main" xmlns="" id="{68F23B3B-4A9F-D582-8325-2F695C0849A7}"/>
               </a:ext>
             </a:extLst>
           </p:cNvPr>
@@ -2806,7 +2806,7 @@
           <p:cNvPr id="2" name="Title Placeholder 1">
             <a:extLst>
               <a:ext uri="{FF2B5EF4-FFF2-40B4-BE49-F238E27FC236}">
-                <a16:creationId xmlns="" xmlns:a16="http://schemas.microsoft.com/office/drawing/2014/main" id="{B9249F22-A79D-CB6D-E5A5-9A68869A0D06}"/>
+                <a16:creationId xmlns:a16="http://schemas.microsoft.com/office/drawing/2014/main" xmlns="" id="{B9249F22-A79D-CB6D-E5A5-9A68869A0D06}"/>
               </a:ext>
             </a:extLst>
           </p:cNvPr>
@@ -2845,7 +2845,7 @@
           <p:cNvPr id="3" name="Text Placeholder 2">
             <a:extLst>
               <a:ext uri="{FF2B5EF4-FFF2-40B4-BE49-F238E27FC236}">
-                <a16:creationId xmlns="" xmlns:a16="http://schemas.microsoft.com/office/drawing/2014/main" id="{915C6972-EE5A-581A-BBB5-140B0607C4B7}"/>
+                <a16:creationId xmlns:a16="http://schemas.microsoft.com/office/drawing/2014/main" xmlns="" id="{915C6972-EE5A-581A-BBB5-140B0607C4B7}"/>
               </a:ext>
             </a:extLst>
           </p:cNvPr>
@@ -2913,7 +2913,7 @@
           <p:cNvPr id="4" name="Date Placeholder 3">
             <a:extLst>
               <a:ext uri="{FF2B5EF4-FFF2-40B4-BE49-F238E27FC236}">
-                <a16:creationId xmlns="" xmlns:a16="http://schemas.microsoft.com/office/drawing/2014/main" id="{5A585123-E335-CFAA-E135-E112C8AA817F}"/>
+                <a16:creationId xmlns:a16="http://schemas.microsoft.com/office/drawing/2014/main" xmlns="" id="{5A585123-E335-CFAA-E135-E112C8AA817F}"/>
               </a:ext>
             </a:extLst>
           </p:cNvPr>
@@ -2949,7 +2949,7 @@
           <a:p>
             <a:fld id="{2B62E5C8-D546-43D8-9B1E-95F5F2942A5A}" type="datetimeFigureOut">
               <a:rPr lang="en-GB" smtClean="0"/>
-              <a:t>23/09/2023</a:t>
+              <a:t>08/06/2024</a:t>
             </a:fld>
             <a:endParaRPr lang="en-GB"/>
           </a:p>
@@ -2960,7 +2960,7 @@
           <p:cNvPr id="5" name="Footer Placeholder 4">
             <a:extLst>
               <a:ext uri="{FF2B5EF4-FFF2-40B4-BE49-F238E27FC236}">
-                <a16:creationId xmlns="" xmlns:a16="http://schemas.microsoft.com/office/drawing/2014/main" id="{0D83E472-3A06-F8A7-BFF0-AC09E1567A03}"/>
+                <a16:creationId xmlns:a16="http://schemas.microsoft.com/office/drawing/2014/main" xmlns="" id="{0D83E472-3A06-F8A7-BFF0-AC09E1567A03}"/>
               </a:ext>
             </a:extLst>
           </p:cNvPr>
@@ -3003,7 +3003,7 @@
           <p:cNvPr id="6" name="Slide Number Placeholder 5">
             <a:extLst>
               <a:ext uri="{FF2B5EF4-FFF2-40B4-BE49-F238E27FC236}">
-                <a16:creationId xmlns="" xmlns:a16="http://schemas.microsoft.com/office/drawing/2014/main" id="{5F21103A-2B1D-E6D2-9404-E0D66EB1CC6A}"/>
+                <a16:creationId xmlns:a16="http://schemas.microsoft.com/office/drawing/2014/main" xmlns="" id="{5F21103A-2B1D-E6D2-9404-E0D66EB1CC6A}"/>
               </a:ext>
             </a:extLst>
           </p:cNvPr>
@@ -3371,7 +3371,7 @@
           <p:cNvPr id="4" name="Rectangle: Rounded Corners 3">
             <a:extLst>
               <a:ext uri="{FF2B5EF4-FFF2-40B4-BE49-F238E27FC236}">
-                <a16:creationId xmlns="" xmlns:a16="http://schemas.microsoft.com/office/drawing/2014/main" id="{7371DD8F-3452-0650-2D05-94DFEA49C4AC}"/>
+                <a16:creationId xmlns:a16="http://schemas.microsoft.com/office/drawing/2014/main" xmlns="" id="{7371DD8F-3452-0650-2D05-94DFEA49C4AC}"/>
               </a:ext>
             </a:extLst>
           </p:cNvPr>
@@ -3420,7 +3420,7 @@
           <p:cNvPr id="6" name="Rectangle: Rounded Corners 5">
             <a:extLst>
               <a:ext uri="{FF2B5EF4-FFF2-40B4-BE49-F238E27FC236}">
-                <a16:creationId xmlns="" xmlns:a16="http://schemas.microsoft.com/office/drawing/2014/main" id="{5BEDB8FF-8C3C-C1C7-C48A-196708282C7C}"/>
+                <a16:creationId xmlns:a16="http://schemas.microsoft.com/office/drawing/2014/main" xmlns="" id="{5BEDB8FF-8C3C-C1C7-C48A-196708282C7C}"/>
               </a:ext>
             </a:extLst>
           </p:cNvPr>
@@ -3429,8 +3429,8 @@
         </p:nvSpPr>
         <p:spPr>
           <a:xfrm>
-            <a:off x="2747113" y="1156698"/>
-            <a:ext cx="1426781" cy="467534"/>
+            <a:off x="2641496" y="1087908"/>
+            <a:ext cx="1613574" cy="611142"/>
           </a:xfrm>
           <a:prstGeom prst="roundRect">
             <a:avLst/>
@@ -3458,9 +3458,17 @@
           <a:p>
             <a:pPr algn="ctr"/>
             <a:r>
-              <a:rPr lang="en-GB" sz="1400" dirty="0"/>
-              <a:t>Survey</a:t>
-            </a:r>
+              <a:rPr lang="en-GB" sz="1400" dirty="0" smtClean="0"/>
+              <a:t>Survey </a:t>
+            </a:r>
+          </a:p>
+          <a:p>
+            <a:pPr algn="ctr"/>
+            <a:r>
+              <a:rPr lang="en-GB" sz="1400" dirty="0" smtClean="0"/>
+              <a:t>(To update in Sales SMS)</a:t>
+            </a:r>
+            <a:endParaRPr lang="en-GB" sz="1400" dirty="0"/>
           </a:p>
         </p:txBody>
       </p:sp>
@@ -3469,7 +3477,7 @@
           <p:cNvPr id="8" name="Straight Arrow Connector 7">
             <a:extLst>
               <a:ext uri="{FF2B5EF4-FFF2-40B4-BE49-F238E27FC236}">
-                <a16:creationId xmlns="" xmlns:a16="http://schemas.microsoft.com/office/drawing/2014/main" id="{99DE29C0-4C8C-F152-54D5-8515993D7F13}"/>
+                <a16:creationId xmlns:a16="http://schemas.microsoft.com/office/drawing/2014/main" xmlns="" id="{99DE29C0-4C8C-F152-54D5-8515993D7F13}"/>
               </a:ext>
             </a:extLst>
           </p:cNvPr>
@@ -3481,9 +3489,9 @@
           <p:nvPr/>
         </p:nvCxnSpPr>
         <p:spPr>
-          <a:xfrm>
-            <a:off x="4173894" y="1390465"/>
-            <a:ext cx="532643" cy="0"/>
+          <a:xfrm flipV="1">
+            <a:off x="4255070" y="1390465"/>
+            <a:ext cx="451467" cy="3014"/>
           </a:xfrm>
           <a:prstGeom prst="straightConnector1">
             <a:avLst/>
@@ -3515,7 +3523,7 @@
           <p:cNvPr id="10" name="Rectangle: Rounded Corners 9">
             <a:extLst>
               <a:ext uri="{FF2B5EF4-FFF2-40B4-BE49-F238E27FC236}">
-                <a16:creationId xmlns="" xmlns:a16="http://schemas.microsoft.com/office/drawing/2014/main" id="{ACA6F602-DC80-9E97-D192-55D31C6D806A}"/>
+                <a16:creationId xmlns:a16="http://schemas.microsoft.com/office/drawing/2014/main" xmlns="" id="{ACA6F602-DC80-9E97-D192-55D31C6D806A}"/>
               </a:ext>
             </a:extLst>
           </p:cNvPr>
@@ -3564,7 +3572,7 @@
           <p:cNvPr id="14" name="Straight Arrow Connector 13">
             <a:extLst>
               <a:ext uri="{FF2B5EF4-FFF2-40B4-BE49-F238E27FC236}">
-                <a16:creationId xmlns="" xmlns:a16="http://schemas.microsoft.com/office/drawing/2014/main" id="{275EA7CE-B529-D662-0D15-C75E5E0C8A79}"/>
+                <a16:creationId xmlns:a16="http://schemas.microsoft.com/office/drawing/2014/main" xmlns="" id="{275EA7CE-B529-D662-0D15-C75E5E0C8A79}"/>
               </a:ext>
             </a:extLst>
           </p:cNvPr>
@@ -3578,7 +3586,7 @@
         <p:spPr>
           <a:xfrm>
             <a:off x="2174033" y="1390465"/>
-            <a:ext cx="573080" cy="0"/>
+            <a:ext cx="467463" cy="3014"/>
           </a:xfrm>
           <a:prstGeom prst="straightConnector1">
             <a:avLst/>
@@ -3610,7 +3618,7 @@
           <p:cNvPr id="20" name="Rectangle: Rounded Corners 19">
             <a:extLst>
               <a:ext uri="{FF2B5EF4-FFF2-40B4-BE49-F238E27FC236}">
-                <a16:creationId xmlns="" xmlns:a16="http://schemas.microsoft.com/office/drawing/2014/main" id="{A431FCFD-D7F9-C990-82E6-8252DAC8225F}"/>
+                <a16:creationId xmlns:a16="http://schemas.microsoft.com/office/drawing/2014/main" xmlns="" id="{A431FCFD-D7F9-C990-82E6-8252DAC8225F}"/>
               </a:ext>
             </a:extLst>
           </p:cNvPr>
@@ -3659,7 +3667,7 @@
           <p:cNvPr id="21" name="Straight Arrow Connector 20">
             <a:extLst>
               <a:ext uri="{FF2B5EF4-FFF2-40B4-BE49-F238E27FC236}">
-                <a16:creationId xmlns="" xmlns:a16="http://schemas.microsoft.com/office/drawing/2014/main" id="{A65305B7-E5C6-FC78-F1CC-6C58ABB78388}"/>
+                <a16:creationId xmlns:a16="http://schemas.microsoft.com/office/drawing/2014/main" xmlns="" id="{A65305B7-E5C6-FC78-F1CC-6C58ABB78388}"/>
               </a:ext>
             </a:extLst>
           </p:cNvPr>
@@ -3705,7 +3713,7 @@
           <p:cNvPr id="26" name="Rectangle: Rounded Corners 25">
             <a:extLst>
               <a:ext uri="{FF2B5EF4-FFF2-40B4-BE49-F238E27FC236}">
-                <a16:creationId xmlns="" xmlns:a16="http://schemas.microsoft.com/office/drawing/2014/main" id="{6D1A90E1-9900-13D0-A3FB-C339354F3AED}"/>
+                <a16:creationId xmlns:a16="http://schemas.microsoft.com/office/drawing/2014/main" xmlns="" id="{6D1A90E1-9900-13D0-A3FB-C339354F3AED}"/>
               </a:ext>
             </a:extLst>
           </p:cNvPr>
@@ -3754,7 +3762,7 @@
           <p:cNvPr id="27" name="Straight Arrow Connector 26">
             <a:extLst>
               <a:ext uri="{FF2B5EF4-FFF2-40B4-BE49-F238E27FC236}">
-                <a16:creationId xmlns="" xmlns:a16="http://schemas.microsoft.com/office/drawing/2014/main" id="{FA5EC016-105D-8C0B-2D6B-7112D1AEED9E}"/>
+                <a16:creationId xmlns:a16="http://schemas.microsoft.com/office/drawing/2014/main" xmlns="" id="{FA5EC016-105D-8C0B-2D6B-7112D1AEED9E}"/>
               </a:ext>
             </a:extLst>
           </p:cNvPr>
@@ -3800,7 +3808,7 @@
           <p:cNvPr id="31" name="Straight Arrow Connector 30">
             <a:extLst>
               <a:ext uri="{FF2B5EF4-FFF2-40B4-BE49-F238E27FC236}">
-                <a16:creationId xmlns="" xmlns:a16="http://schemas.microsoft.com/office/drawing/2014/main" id="{886A221E-A49A-D7A9-EAA1-9B2E9862625F}"/>
+                <a16:creationId xmlns:a16="http://schemas.microsoft.com/office/drawing/2014/main" xmlns="" id="{886A221E-A49A-D7A9-EAA1-9B2E9862625F}"/>
               </a:ext>
             </a:extLst>
           </p:cNvPr>
@@ -3841,7 +3849,7 @@
           <p:cNvPr id="35" name="Rectangle: Rounded Corners 34">
             <a:extLst>
               <a:ext uri="{FF2B5EF4-FFF2-40B4-BE49-F238E27FC236}">
-                <a16:creationId xmlns="" xmlns:a16="http://schemas.microsoft.com/office/drawing/2014/main" id="{9F5D7AE2-75DA-DCA7-F659-F3C33115085C}"/>
+                <a16:creationId xmlns:a16="http://schemas.microsoft.com/office/drawing/2014/main" xmlns="" id="{9F5D7AE2-75DA-DCA7-F659-F3C33115085C}"/>
               </a:ext>
             </a:extLst>
           </p:cNvPr>
@@ -3890,7 +3898,7 @@
           <p:cNvPr id="43" name="Rectangle: Rounded Corners 42">
             <a:extLst>
               <a:ext uri="{FF2B5EF4-FFF2-40B4-BE49-F238E27FC236}">
-                <a16:creationId xmlns="" xmlns:a16="http://schemas.microsoft.com/office/drawing/2014/main" id="{EDC7A121-EFCD-41B4-C805-827348D7292C}"/>
+                <a16:creationId xmlns:a16="http://schemas.microsoft.com/office/drawing/2014/main" xmlns="" id="{EDC7A121-EFCD-41B4-C805-827348D7292C}"/>
               </a:ext>
             </a:extLst>
           </p:cNvPr>
@@ -3939,7 +3947,7 @@
           <p:cNvPr id="45" name="Straight Arrow Connector 44">
             <a:extLst>
               <a:ext uri="{FF2B5EF4-FFF2-40B4-BE49-F238E27FC236}">
-                <a16:creationId xmlns="" xmlns:a16="http://schemas.microsoft.com/office/drawing/2014/main" id="{5485472A-894E-4C4F-361F-57C2FC7918D9}"/>
+                <a16:creationId xmlns:a16="http://schemas.microsoft.com/office/drawing/2014/main" xmlns="" id="{5485472A-894E-4C4F-361F-57C2FC7918D9}"/>
               </a:ext>
             </a:extLst>
           </p:cNvPr>
@@ -3985,7 +3993,7 @@
           <p:cNvPr id="47" name="Rectangle: Rounded Corners 46">
             <a:extLst>
               <a:ext uri="{FF2B5EF4-FFF2-40B4-BE49-F238E27FC236}">
-                <a16:creationId xmlns="" xmlns:a16="http://schemas.microsoft.com/office/drawing/2014/main" id="{F1E551FE-7ACC-9EB1-0410-5090E1551C8B}"/>
+                <a16:creationId xmlns:a16="http://schemas.microsoft.com/office/drawing/2014/main" xmlns="" id="{F1E551FE-7ACC-9EB1-0410-5090E1551C8B}"/>
               </a:ext>
             </a:extLst>
           </p:cNvPr>
@@ -4034,7 +4042,7 @@
           <p:cNvPr id="48" name="Straight Arrow Connector 47">
             <a:extLst>
               <a:ext uri="{FF2B5EF4-FFF2-40B4-BE49-F238E27FC236}">
-                <a16:creationId xmlns="" xmlns:a16="http://schemas.microsoft.com/office/drawing/2014/main" id="{B4EF8737-0DA4-9763-4FB4-044239A11DD0}"/>
+                <a16:creationId xmlns:a16="http://schemas.microsoft.com/office/drawing/2014/main" xmlns="" id="{B4EF8737-0DA4-9763-4FB4-044239A11DD0}"/>
               </a:ext>
             </a:extLst>
           </p:cNvPr>
@@ -4079,7 +4087,7 @@
           <p:cNvPr id="51" name="Rectangle: Rounded Corners 50">
             <a:extLst>
               <a:ext uri="{FF2B5EF4-FFF2-40B4-BE49-F238E27FC236}">
-                <a16:creationId xmlns="" xmlns:a16="http://schemas.microsoft.com/office/drawing/2014/main" id="{D0318909-138D-5AB4-8A4F-1D2D0450DD6B}"/>
+                <a16:creationId xmlns:a16="http://schemas.microsoft.com/office/drawing/2014/main" xmlns="" id="{D0318909-138D-5AB4-8A4F-1D2D0450DD6B}"/>
               </a:ext>
             </a:extLst>
           </p:cNvPr>
@@ -4128,7 +4136,7 @@
           <p:cNvPr id="55" name="Straight Arrow Connector 54">
             <a:extLst>
               <a:ext uri="{FF2B5EF4-FFF2-40B4-BE49-F238E27FC236}">
-                <a16:creationId xmlns="" xmlns:a16="http://schemas.microsoft.com/office/drawing/2014/main" id="{A00CFF27-B38C-BBE0-A414-44682C0B2915}"/>
+                <a16:creationId xmlns:a16="http://schemas.microsoft.com/office/drawing/2014/main" xmlns="" id="{A00CFF27-B38C-BBE0-A414-44682C0B2915}"/>
               </a:ext>
             </a:extLst>
           </p:cNvPr>
@@ -4173,7 +4181,7 @@
           <p:cNvPr id="56" name="Rectangle: Rounded Corners 55">
             <a:extLst>
               <a:ext uri="{FF2B5EF4-FFF2-40B4-BE49-F238E27FC236}">
-                <a16:creationId xmlns="" xmlns:a16="http://schemas.microsoft.com/office/drawing/2014/main" id="{73D2E891-DE9C-BDF1-5980-A8ABD016505D}"/>
+                <a16:creationId xmlns:a16="http://schemas.microsoft.com/office/drawing/2014/main" xmlns="" id="{73D2E891-DE9C-BDF1-5980-A8ABD016505D}"/>
               </a:ext>
             </a:extLst>
           </p:cNvPr>
@@ -4222,7 +4230,7 @@
           <p:cNvPr id="58" name="Straight Arrow Connector 57">
             <a:extLst>
               <a:ext uri="{FF2B5EF4-FFF2-40B4-BE49-F238E27FC236}">
-                <a16:creationId xmlns="" xmlns:a16="http://schemas.microsoft.com/office/drawing/2014/main" id="{37755BA1-1D19-B70F-F215-4EEC0B7D1B74}"/>
+                <a16:creationId xmlns:a16="http://schemas.microsoft.com/office/drawing/2014/main" xmlns="" id="{37755BA1-1D19-B70F-F215-4EEC0B7D1B74}"/>
               </a:ext>
             </a:extLst>
           </p:cNvPr>
@@ -4268,7 +4276,7 @@
           <p:cNvPr id="59" name="Rectangle: Rounded Corners 58">
             <a:extLst>
               <a:ext uri="{FF2B5EF4-FFF2-40B4-BE49-F238E27FC236}">
-                <a16:creationId xmlns="" xmlns:a16="http://schemas.microsoft.com/office/drawing/2014/main" id="{A257559D-AAB6-95BD-4EF6-F2FFE6492194}"/>
+                <a16:creationId xmlns:a16="http://schemas.microsoft.com/office/drawing/2014/main" xmlns="" id="{A257559D-AAB6-95BD-4EF6-F2FFE6492194}"/>
               </a:ext>
             </a:extLst>
           </p:cNvPr>
@@ -4317,7 +4325,7 @@
           <p:cNvPr id="61" name="Straight Arrow Connector 60">
             <a:extLst>
               <a:ext uri="{FF2B5EF4-FFF2-40B4-BE49-F238E27FC236}">
-                <a16:creationId xmlns="" xmlns:a16="http://schemas.microsoft.com/office/drawing/2014/main" id="{E18106EE-09DB-13E4-85CC-EA242FF3D448}"/>
+                <a16:creationId xmlns:a16="http://schemas.microsoft.com/office/drawing/2014/main" xmlns="" id="{E18106EE-09DB-13E4-85CC-EA242FF3D448}"/>
               </a:ext>
             </a:extLst>
           </p:cNvPr>
@@ -4362,7 +4370,7 @@
           <p:cNvPr id="62" name="Rectangle: Rounded Corners 61">
             <a:extLst>
               <a:ext uri="{FF2B5EF4-FFF2-40B4-BE49-F238E27FC236}">
-                <a16:creationId xmlns="" xmlns:a16="http://schemas.microsoft.com/office/drawing/2014/main" id="{11695B24-DDBE-396A-06C3-4C9044B11566}"/>
+                <a16:creationId xmlns:a16="http://schemas.microsoft.com/office/drawing/2014/main" xmlns="" id="{11695B24-DDBE-396A-06C3-4C9044B11566}"/>
               </a:ext>
             </a:extLst>
           </p:cNvPr>
@@ -4400,9 +4408,10 @@
           <a:p>
             <a:pPr algn="ctr"/>
             <a:r>
-              <a:rPr lang="en-GB" sz="1200" dirty="0"/>
-              <a:t>Onsite Packing</a:t>
-            </a:r>
+              <a:rPr lang="en-GB" sz="1200" dirty="0" smtClean="0"/>
+              <a:t>In-house Packing</a:t>
+            </a:r>
+            <a:endParaRPr lang="en-GB" sz="1200" dirty="0"/>
           </a:p>
         </p:txBody>
       </p:sp>
@@ -4411,7 +4420,7 @@
           <p:cNvPr id="64" name="Straight Arrow Connector 63">
             <a:extLst>
               <a:ext uri="{FF2B5EF4-FFF2-40B4-BE49-F238E27FC236}">
-                <a16:creationId xmlns="" xmlns:a16="http://schemas.microsoft.com/office/drawing/2014/main" id="{6821FE16-7468-0FFF-4E2D-28E246CDDCFD}"/>
+                <a16:creationId xmlns:a16="http://schemas.microsoft.com/office/drawing/2014/main" xmlns="" id="{6821FE16-7468-0FFF-4E2D-28E246CDDCFD}"/>
               </a:ext>
             </a:extLst>
           </p:cNvPr>
@@ -4456,7 +4465,7 @@
           <p:cNvPr id="65" name="Rectangle: Rounded Corners 64">
             <a:extLst>
               <a:ext uri="{FF2B5EF4-FFF2-40B4-BE49-F238E27FC236}">
-                <a16:creationId xmlns="" xmlns:a16="http://schemas.microsoft.com/office/drawing/2014/main" id="{E784F486-C3AF-D38D-0F30-865591F04A98}"/>
+                <a16:creationId xmlns:a16="http://schemas.microsoft.com/office/drawing/2014/main" xmlns="" id="{E784F486-C3AF-D38D-0F30-865591F04A98}"/>
               </a:ext>
             </a:extLst>
           </p:cNvPr>
@@ -4465,7 +4474,7 @@
         </p:nvSpPr>
         <p:spPr>
           <a:xfrm>
-            <a:off x="4734377" y="4856293"/>
+            <a:off x="4583300" y="4856293"/>
             <a:ext cx="1563630" cy="467534"/>
           </a:xfrm>
           <a:prstGeom prst="roundRect">
@@ -4494,9 +4503,10 @@
           <a:p>
             <a:pPr algn="ctr"/>
             <a:r>
-              <a:rPr lang="en-GB" sz="1200" dirty="0"/>
-              <a:t>Only Supply</a:t>
-            </a:r>
+              <a:rPr lang="en-GB" sz="1200" dirty="0" smtClean="0"/>
+              <a:t>Trading</a:t>
+            </a:r>
+            <a:endParaRPr lang="en-GB" sz="1200" dirty="0"/>
           </a:p>
         </p:txBody>
       </p:sp>
@@ -4505,7 +4515,7 @@
           <p:cNvPr id="71" name="Straight Arrow Connector 70">
             <a:extLst>
               <a:ext uri="{FF2B5EF4-FFF2-40B4-BE49-F238E27FC236}">
-                <a16:creationId xmlns="" xmlns:a16="http://schemas.microsoft.com/office/drawing/2014/main" id="{20C1FA21-5FE2-4D02-6D89-4494D8FD105E}"/>
+                <a16:creationId xmlns:a16="http://schemas.microsoft.com/office/drawing/2014/main" xmlns="" id="{20C1FA21-5FE2-4D02-6D89-4494D8FD105E}"/>
               </a:ext>
             </a:extLst>
           </p:cNvPr>
@@ -4518,7 +4528,7 @@
         <p:spPr>
           <a:xfrm>
             <a:off x="4242318" y="5090060"/>
-            <a:ext cx="492059" cy="0"/>
+            <a:ext cx="340982" cy="0"/>
           </a:xfrm>
           <a:prstGeom prst="straightConnector1">
             <a:avLst/>
@@ -4550,7 +4560,7 @@
           <p:cNvPr id="72" name="Rectangle: Rounded Corners 71">
             <a:extLst>
               <a:ext uri="{FF2B5EF4-FFF2-40B4-BE49-F238E27FC236}">
-                <a16:creationId xmlns="" xmlns:a16="http://schemas.microsoft.com/office/drawing/2014/main" id="{E14594CD-5309-674F-56E7-CC9B22D8F28F}"/>
+                <a16:creationId xmlns:a16="http://schemas.microsoft.com/office/drawing/2014/main" xmlns="" id="{E14594CD-5309-674F-56E7-CC9B22D8F28F}"/>
               </a:ext>
             </a:extLst>
           </p:cNvPr>
@@ -4599,7 +4609,7 @@
           <p:cNvPr id="76" name="Straight Arrow Connector 75">
             <a:extLst>
               <a:ext uri="{FF2B5EF4-FFF2-40B4-BE49-F238E27FC236}">
-                <a16:creationId xmlns="" xmlns:a16="http://schemas.microsoft.com/office/drawing/2014/main" id="{B8800F53-0209-6D70-65D5-62575383C030}"/>
+                <a16:creationId xmlns:a16="http://schemas.microsoft.com/office/drawing/2014/main" xmlns="" id="{B8800F53-0209-6D70-65D5-62575383C030}"/>
               </a:ext>
             </a:extLst>
           </p:cNvPr>
@@ -4642,7 +4652,7 @@
           <p:cNvPr id="77" name="Rectangle: Rounded Corners 76">
             <a:extLst>
               <a:ext uri="{FF2B5EF4-FFF2-40B4-BE49-F238E27FC236}">
-                <a16:creationId xmlns="" xmlns:a16="http://schemas.microsoft.com/office/drawing/2014/main" id="{09B736A5-D178-0217-A8AD-4601F24C4B81}"/>
+                <a16:creationId xmlns:a16="http://schemas.microsoft.com/office/drawing/2014/main" xmlns="" id="{09B736A5-D178-0217-A8AD-4601F24C4B81}"/>
               </a:ext>
             </a:extLst>
           </p:cNvPr>
@@ -4651,7 +4661,7 @@
         </p:nvSpPr>
         <p:spPr>
           <a:xfrm>
-            <a:off x="7029860" y="4856293"/>
+            <a:off x="8431946" y="4856293"/>
             <a:ext cx="1563630" cy="467534"/>
           </a:xfrm>
           <a:prstGeom prst="roundRect">
@@ -4691,20 +4701,20 @@
           <p:cNvPr id="81" name="Straight Arrow Connector 80">
             <a:extLst>
               <a:ext uri="{FF2B5EF4-FFF2-40B4-BE49-F238E27FC236}">
-                <a16:creationId xmlns="" xmlns:a16="http://schemas.microsoft.com/office/drawing/2014/main" id="{530C0C19-D5BF-8B75-4239-9F1005ED534F}"/>
+                <a16:creationId xmlns:a16="http://schemas.microsoft.com/office/drawing/2014/main" xmlns="" id="{530C0C19-D5BF-8B75-4239-9F1005ED534F}"/>
               </a:ext>
             </a:extLst>
           </p:cNvPr>
           <p:cNvCxnSpPr>
             <a:stCxn id="65" idx="3"/>
-            <a:endCxn id="77" idx="1"/>
+            <a:endCxn id="44" idx="1"/>
           </p:cNvCxnSpPr>
           <p:nvPr/>
         </p:nvCxnSpPr>
         <p:spPr>
           <a:xfrm>
-            <a:off x="6298007" y="5090060"/>
-            <a:ext cx="731853" cy="0"/>
+            <a:off x="6146930" y="5090060"/>
+            <a:ext cx="436231" cy="0"/>
           </a:xfrm>
           <a:prstGeom prst="straightConnector1">
             <a:avLst/>
@@ -4736,7 +4746,7 @@
           <p:cNvPr id="82" name="Rectangle: Rounded Corners 81">
             <a:extLst>
               <a:ext uri="{FF2B5EF4-FFF2-40B4-BE49-F238E27FC236}">
-                <a16:creationId xmlns="" xmlns:a16="http://schemas.microsoft.com/office/drawing/2014/main" id="{07541785-E0EB-75B5-DD0D-BA46B30E9DE7}"/>
+                <a16:creationId xmlns:a16="http://schemas.microsoft.com/office/drawing/2014/main" xmlns="" id="{07541785-E0EB-75B5-DD0D-BA46B30E9DE7}"/>
               </a:ext>
             </a:extLst>
           </p:cNvPr>
@@ -4745,7 +4755,7 @@
         </p:nvSpPr>
         <p:spPr>
           <a:xfrm>
-            <a:off x="9444887" y="4856293"/>
+            <a:off x="10524750" y="4856293"/>
             <a:ext cx="1563630" cy="467534"/>
           </a:xfrm>
           <a:prstGeom prst="roundRect">
@@ -4785,7 +4795,7 @@
           <p:cNvPr id="88" name="Straight Arrow Connector 87">
             <a:extLst>
               <a:ext uri="{FF2B5EF4-FFF2-40B4-BE49-F238E27FC236}">
-                <a16:creationId xmlns="" xmlns:a16="http://schemas.microsoft.com/office/drawing/2014/main" id="{DE4C37AF-8409-A2E6-3E0A-D7B5B77A53C1}"/>
+                <a16:creationId xmlns:a16="http://schemas.microsoft.com/office/drawing/2014/main" xmlns="" id="{DE4C37AF-8409-A2E6-3E0A-D7B5B77A53C1}"/>
               </a:ext>
             </a:extLst>
           </p:cNvPr>
@@ -4798,8 +4808,8 @@
         </p:nvCxnSpPr>
         <p:spPr>
           <a:xfrm>
-            <a:off x="8593490" y="5090060"/>
-            <a:ext cx="851397" cy="0"/>
+            <a:off x="9995576" y="5090060"/>
+            <a:ext cx="529174" cy="0"/>
           </a:xfrm>
           <a:prstGeom prst="straightConnector1">
             <a:avLst/>
@@ -4831,7 +4841,7 @@
           <p:cNvPr id="91" name="TextBox 90">
             <a:extLst>
               <a:ext uri="{FF2B5EF4-FFF2-40B4-BE49-F238E27FC236}">
-                <a16:creationId xmlns="" xmlns:a16="http://schemas.microsoft.com/office/drawing/2014/main" id="{677444AD-E4A0-3ECA-65B4-A2187667F642}"/>
+                <a16:creationId xmlns:a16="http://schemas.microsoft.com/office/drawing/2014/main" xmlns="" id="{677444AD-E4A0-3ECA-65B4-A2187667F642}"/>
               </a:ext>
             </a:extLst>
           </p:cNvPr>
@@ -4905,7 +4915,7 @@
           <p:cNvPr id="92" name="TextBox 91">
             <a:extLst>
               <a:ext uri="{FF2B5EF4-FFF2-40B4-BE49-F238E27FC236}">
-                <a16:creationId xmlns="" xmlns:a16="http://schemas.microsoft.com/office/drawing/2014/main" id="{F20DB7DE-363A-1E18-F5C8-5A48F83B667A}"/>
+                <a16:creationId xmlns:a16="http://schemas.microsoft.com/office/drawing/2014/main" xmlns="" id="{F20DB7DE-363A-1E18-F5C8-5A48F83B667A}"/>
               </a:ext>
             </a:extLst>
           </p:cNvPr>
@@ -4949,7 +4959,7 @@
           <p:cNvPr id="97" name="TextBox 96">
             <a:extLst>
               <a:ext uri="{FF2B5EF4-FFF2-40B4-BE49-F238E27FC236}">
-                <a16:creationId xmlns="" xmlns:a16="http://schemas.microsoft.com/office/drawing/2014/main" id="{EFDDAA71-7833-7216-1CDF-2417FF65CCC2}"/>
+                <a16:creationId xmlns:a16="http://schemas.microsoft.com/office/drawing/2014/main" xmlns="" id="{EFDDAA71-7833-7216-1CDF-2417FF65CCC2}"/>
               </a:ext>
             </a:extLst>
           </p:cNvPr>
@@ -5084,7 +5094,7 @@
           <p:cNvPr id="98" name="TextBox 97">
             <a:extLst>
               <a:ext uri="{FF2B5EF4-FFF2-40B4-BE49-F238E27FC236}">
-                <a16:creationId xmlns="" xmlns:a16="http://schemas.microsoft.com/office/drawing/2014/main" id="{79FC372F-A29B-C25F-AE7A-EDBDD5302223}"/>
+                <a16:creationId xmlns:a16="http://schemas.microsoft.com/office/drawing/2014/main" xmlns="" id="{79FC372F-A29B-C25F-AE7A-EDBDD5302223}"/>
               </a:ext>
             </a:extLst>
           </p:cNvPr>
@@ -5158,7 +5168,7 @@
           <p:cNvPr id="100" name="Straight Arrow Connector 99">
             <a:extLst>
               <a:ext uri="{FF2B5EF4-FFF2-40B4-BE49-F238E27FC236}">
-                <a16:creationId xmlns="" xmlns:a16="http://schemas.microsoft.com/office/drawing/2014/main" id="{DEC56B21-D65D-1A00-7E0B-8C4E96919AF5}"/>
+                <a16:creationId xmlns:a16="http://schemas.microsoft.com/office/drawing/2014/main" xmlns="" id="{DEC56B21-D65D-1A00-7E0B-8C4E96919AF5}"/>
               </a:ext>
             </a:extLst>
           </p:cNvPr>
@@ -5170,8 +5180,8 @@
         </p:nvCxnSpPr>
         <p:spPr>
           <a:xfrm>
-            <a:off x="3460504" y="1624232"/>
-            <a:ext cx="3109" cy="425161"/>
+            <a:off x="3448283" y="1699050"/>
+            <a:ext cx="15330" cy="350343"/>
           </a:xfrm>
           <a:prstGeom prst="straightConnector1">
             <a:avLst/>
@@ -5200,7 +5210,7 @@
           <p:cNvPr id="102" name="Straight Arrow Connector 101">
             <a:extLst>
               <a:ext uri="{FF2B5EF4-FFF2-40B4-BE49-F238E27FC236}">
-                <a16:creationId xmlns="" xmlns:a16="http://schemas.microsoft.com/office/drawing/2014/main" id="{639FA36E-9A20-19F1-741B-3CF6969183BD}"/>
+                <a16:creationId xmlns:a16="http://schemas.microsoft.com/office/drawing/2014/main" xmlns="" id="{639FA36E-9A20-19F1-741B-3CF6969183BD}"/>
               </a:ext>
             </a:extLst>
           </p:cNvPr>
@@ -5242,7 +5252,7 @@
           <p:cNvPr id="104" name="Straight Arrow Connector 103">
             <a:extLst>
               <a:ext uri="{FF2B5EF4-FFF2-40B4-BE49-F238E27FC236}">
-                <a16:creationId xmlns="" xmlns:a16="http://schemas.microsoft.com/office/drawing/2014/main" id="{696BE288-E96B-E37F-6375-83BD8227898A}"/>
+                <a16:creationId xmlns:a16="http://schemas.microsoft.com/office/drawing/2014/main" xmlns="" id="{696BE288-E96B-E37F-6375-83BD8227898A}"/>
               </a:ext>
             </a:extLst>
           </p:cNvPr>
@@ -5284,7 +5294,7 @@
           <p:cNvPr id="109" name="Straight Arrow Connector 108">
             <a:extLst>
               <a:ext uri="{FF2B5EF4-FFF2-40B4-BE49-F238E27FC236}">
-                <a16:creationId xmlns="" xmlns:a16="http://schemas.microsoft.com/office/drawing/2014/main" id="{6C5B5546-9DD7-9C8D-3C3E-ECE3AA198360}"/>
+                <a16:creationId xmlns:a16="http://schemas.microsoft.com/office/drawing/2014/main" xmlns="" id="{6C5B5546-9DD7-9C8D-3C3E-ECE3AA198360}"/>
               </a:ext>
             </a:extLst>
           </p:cNvPr>
@@ -5327,7 +5337,7 @@
           <p:cNvPr id="115" name="Connector: Elbow 114">
             <a:extLst>
               <a:ext uri="{FF2B5EF4-FFF2-40B4-BE49-F238E27FC236}">
-                <a16:creationId xmlns="" xmlns:a16="http://schemas.microsoft.com/office/drawing/2014/main" id="{7030A4D7-A1CE-B033-9CEC-40479AFBDD42}"/>
+                <a16:creationId xmlns:a16="http://schemas.microsoft.com/office/drawing/2014/main" xmlns="" id="{7030A4D7-A1CE-B033-9CEC-40479AFBDD42}"/>
               </a:ext>
             </a:extLst>
           </p:cNvPr>
@@ -5413,6 +5423,185 @@
           </a:p>
         </p:txBody>
       </p:sp>
+      <p:sp>
+        <p:nvSpPr>
+          <p:cNvPr id="44" name="Rectangle: Rounded Corners 64">
+            <a:extLst>
+              <a:ext uri="{FF2B5EF4-FFF2-40B4-BE49-F238E27FC236}">
+                <a16:creationId xmlns:a16="http://schemas.microsoft.com/office/drawing/2014/main" xmlns="" id="{E784F486-C3AF-D38D-0F30-865591F04A98}"/>
+              </a:ext>
+            </a:extLst>
+          </p:cNvPr>
+          <p:cNvSpPr/>
+          <p:nvPr/>
+        </p:nvSpPr>
+        <p:spPr>
+          <a:xfrm>
+            <a:off x="6583161" y="4856293"/>
+            <a:ext cx="1563630" cy="467534"/>
+          </a:xfrm>
+          <a:prstGeom prst="roundRect">
+            <a:avLst/>
+          </a:prstGeom>
+        </p:spPr>
+        <p:style>
+          <a:lnRef idx="2">
+            <a:schemeClr val="accent1">
+              <a:shade val="50000"/>
+            </a:schemeClr>
+          </a:lnRef>
+          <a:fillRef idx="1">
+            <a:schemeClr val="accent1"/>
+          </a:fillRef>
+          <a:effectRef idx="0">
+            <a:schemeClr val="accent1"/>
+          </a:effectRef>
+          <a:fontRef idx="minor">
+            <a:schemeClr val="lt1"/>
+          </a:fontRef>
+        </p:style>
+        <p:txBody>
+          <a:bodyPr rtlCol="0" anchor="ctr"/>
+          <a:lstStyle/>
+          <a:p>
+            <a:pPr algn="ctr"/>
+            <a:r>
+              <a:rPr lang="en-GB" sz="1200" dirty="0" smtClean="0"/>
+              <a:t>Documentation</a:t>
+            </a:r>
+            <a:endParaRPr lang="en-GB" sz="1200" dirty="0"/>
+          </a:p>
+        </p:txBody>
+      </p:sp>
+      <p:sp>
+        <p:nvSpPr>
+          <p:cNvPr id="50" name="TextBox 49">
+            <a:extLst>
+              <a:ext uri="{FF2B5EF4-FFF2-40B4-BE49-F238E27FC236}">
+                <a16:creationId xmlns:a16="http://schemas.microsoft.com/office/drawing/2014/main" xmlns="" id="{677444AD-E4A0-3ECA-65B4-A2187667F642}"/>
+              </a:ext>
+            </a:extLst>
+          </p:cNvPr>
+          <p:cNvSpPr txBox="1"/>
+          <p:nvPr/>
+        </p:nvSpPr>
+        <p:spPr>
+          <a:xfrm>
+            <a:off x="6460046" y="5465513"/>
+            <a:ext cx="1809859" cy="938719"/>
+          </a:xfrm>
+          <a:prstGeom prst="rect">
+            <a:avLst/>
+          </a:prstGeom>
+          <a:noFill/>
+          <a:ln>
+            <a:solidFill>
+              <a:schemeClr val="tx1"/>
+            </a:solidFill>
+          </a:ln>
+        </p:spPr>
+        <p:txBody>
+          <a:bodyPr wrap="square" rtlCol="0">
+            <a:spAutoFit/>
+          </a:bodyPr>
+          <a:lstStyle/>
+          <a:p>
+            <a:pPr marL="285750" indent="-285750">
+              <a:buFont typeface="Wingdings" panose="05000000000000000000" pitchFamily="2" charset="2"/>
+              <a:buChar char="ü"/>
+            </a:pPr>
+            <a:r>
+              <a:rPr lang="en-GB" sz="1100" dirty="0" smtClean="0"/>
+              <a:t>Consumption Report</a:t>
+            </a:r>
+          </a:p>
+          <a:p>
+            <a:pPr marL="285750" indent="-285750">
+              <a:buFont typeface="Wingdings" panose="05000000000000000000" pitchFamily="2" charset="2"/>
+              <a:buChar char="ü"/>
+            </a:pPr>
+            <a:r>
+              <a:rPr lang="en-GB" sz="1100" dirty="0" smtClean="0"/>
+              <a:t>Inspection Report</a:t>
+            </a:r>
+          </a:p>
+          <a:p>
+            <a:pPr marL="285750" indent="-285750">
+              <a:buFont typeface="Wingdings" panose="05000000000000000000" pitchFamily="2" charset="2"/>
+              <a:buChar char="ü"/>
+            </a:pPr>
+            <a:r>
+              <a:rPr lang="en-GB" sz="1100" dirty="0" smtClean="0"/>
+              <a:t>Invoicing</a:t>
+            </a:r>
+          </a:p>
+          <a:p>
+            <a:pPr marL="285750" indent="-285750">
+              <a:buFont typeface="Wingdings" panose="05000000000000000000" pitchFamily="2" charset="2"/>
+              <a:buChar char="ü"/>
+            </a:pPr>
+            <a:r>
+              <a:rPr lang="en-GB" sz="1100" dirty="0" smtClean="0"/>
+              <a:t>E-way bill</a:t>
+            </a:r>
+          </a:p>
+          <a:p>
+            <a:pPr marL="285750" indent="-285750">
+              <a:buFont typeface="Wingdings" panose="05000000000000000000" pitchFamily="2" charset="2"/>
+              <a:buChar char="ü"/>
+            </a:pPr>
+            <a:r>
+              <a:rPr lang="en-GB" sz="1100" dirty="0" smtClean="0"/>
+              <a:t>Gate pass</a:t>
+            </a:r>
+          </a:p>
+        </p:txBody>
+      </p:sp>
+      <p:cxnSp>
+        <p:nvCxnSpPr>
+          <p:cNvPr id="52" name="Straight Arrow Connector 51">
+            <a:extLst>
+              <a:ext uri="{FF2B5EF4-FFF2-40B4-BE49-F238E27FC236}">
+                <a16:creationId xmlns:a16="http://schemas.microsoft.com/office/drawing/2014/main" xmlns="" id="{530C0C19-D5BF-8B75-4239-9F1005ED534F}"/>
+              </a:ext>
+            </a:extLst>
+          </p:cNvPr>
+          <p:cNvCxnSpPr>
+            <a:stCxn id="44" idx="3"/>
+            <a:endCxn id="77" idx="1"/>
+          </p:cNvCxnSpPr>
+          <p:nvPr/>
+        </p:nvCxnSpPr>
+        <p:spPr>
+          <a:xfrm>
+            <a:off x="8146791" y="5090060"/>
+            <a:ext cx="285155" cy="0"/>
+          </a:xfrm>
+          <a:prstGeom prst="straightConnector1">
+            <a:avLst/>
+          </a:prstGeom>
+          <a:ln w="19050">
+            <a:solidFill>
+              <a:schemeClr val="tx1"/>
+            </a:solidFill>
+            <a:tailEnd type="triangle"/>
+          </a:ln>
+        </p:spPr>
+        <p:style>
+          <a:lnRef idx="1">
+            <a:schemeClr val="accent1"/>
+          </a:lnRef>
+          <a:fillRef idx="0">
+            <a:schemeClr val="accent1"/>
+          </a:fillRef>
+          <a:effectRef idx="0">
+            <a:schemeClr val="accent1"/>
+          </a:effectRef>
+          <a:fontRef idx="minor">
+            <a:schemeClr val="tx1"/>
+          </a:fontRef>
+        </p:style>
+      </p:cxnSp>
     </p:spTree>
     <p:extLst>
       <p:ext uri="{BB962C8B-B14F-4D97-AF65-F5344CB8AC3E}">
